--- a/Documents/UI 구성 및 플로우.pptx
+++ b/Documents/UI 구성 및 플로우.pptx
@@ -10,6 +10,12 @@
     <p:sldId id="257" r:id="rId4"/>
     <p:sldId id="259" r:id="rId5"/>
     <p:sldId id="261" r:id="rId6"/>
+    <p:sldId id="262" r:id="rId7"/>
+    <p:sldId id="263" r:id="rId8"/>
+    <p:sldId id="264" r:id="rId9"/>
+    <p:sldId id="265" r:id="rId10"/>
+    <p:sldId id="266" r:id="rId11"/>
+    <p:sldId id="267" r:id="rId12"/>
   </p:sldIdLst>
   <p:sldSz cx="12192000" cy="6858000"/>
   <p:notesSz cx="6858000" cy="9144000"/>
@@ -111,7 +117,7 @@
   <p:extLst>
     <p:ext uri="{EFAFB233-063F-42B5-8137-9DF3F51BA10A}">
       <p15:sldGuideLst xmlns:p15="http://schemas.microsoft.com/office/powerpoint/2012/main">
-        <p15:guide id="1" orient="horz" pos="867" userDrawn="1">
+        <p15:guide id="1" orient="horz" pos="890" userDrawn="1">
           <p15:clr>
             <a:srgbClr val="A4A3A4"/>
           </p15:clr>
@@ -299,7 +305,7 @@
           <a:p>
             <a:fld id="{4672BAF5-0C8B-4839-8395-C2D8CB0521E0}" type="datetimeFigureOut">
               <a:rPr lang="ko-KR" altLang="en-US" smtClean="0"/>
-              <a:t>2022-07-04</a:t>
+              <a:t>2022-07-05</a:t>
             </a:fld>
             <a:endParaRPr lang="ko-KR" altLang="en-US"/>
           </a:p>
@@ -497,7 +503,7 @@
           <a:p>
             <a:fld id="{4672BAF5-0C8B-4839-8395-C2D8CB0521E0}" type="datetimeFigureOut">
               <a:rPr lang="ko-KR" altLang="en-US" smtClean="0"/>
-              <a:t>2022-07-04</a:t>
+              <a:t>2022-07-05</a:t>
             </a:fld>
             <a:endParaRPr lang="ko-KR" altLang="en-US"/>
           </a:p>
@@ -705,7 +711,7 @@
           <a:p>
             <a:fld id="{4672BAF5-0C8B-4839-8395-C2D8CB0521E0}" type="datetimeFigureOut">
               <a:rPr lang="ko-KR" altLang="en-US" smtClean="0"/>
-              <a:t>2022-07-04</a:t>
+              <a:t>2022-07-05</a:t>
             </a:fld>
             <a:endParaRPr lang="ko-KR" altLang="en-US"/>
           </a:p>
@@ -903,7 +909,7 @@
           <a:p>
             <a:fld id="{4672BAF5-0C8B-4839-8395-C2D8CB0521E0}" type="datetimeFigureOut">
               <a:rPr lang="ko-KR" altLang="en-US" smtClean="0"/>
-              <a:t>2022-07-04</a:t>
+              <a:t>2022-07-05</a:t>
             </a:fld>
             <a:endParaRPr lang="ko-KR" altLang="en-US"/>
           </a:p>
@@ -1178,7 +1184,7 @@
           <a:p>
             <a:fld id="{4672BAF5-0C8B-4839-8395-C2D8CB0521E0}" type="datetimeFigureOut">
               <a:rPr lang="ko-KR" altLang="en-US" smtClean="0"/>
-              <a:t>2022-07-04</a:t>
+              <a:t>2022-07-05</a:t>
             </a:fld>
             <a:endParaRPr lang="ko-KR" altLang="en-US"/>
           </a:p>
@@ -1443,7 +1449,7 @@
           <a:p>
             <a:fld id="{4672BAF5-0C8B-4839-8395-C2D8CB0521E0}" type="datetimeFigureOut">
               <a:rPr lang="ko-KR" altLang="en-US" smtClean="0"/>
-              <a:t>2022-07-04</a:t>
+              <a:t>2022-07-05</a:t>
             </a:fld>
             <a:endParaRPr lang="ko-KR" altLang="en-US"/>
           </a:p>
@@ -1855,7 +1861,7 @@
           <a:p>
             <a:fld id="{4672BAF5-0C8B-4839-8395-C2D8CB0521E0}" type="datetimeFigureOut">
               <a:rPr lang="ko-KR" altLang="en-US" smtClean="0"/>
-              <a:t>2022-07-04</a:t>
+              <a:t>2022-07-05</a:t>
             </a:fld>
             <a:endParaRPr lang="ko-KR" altLang="en-US"/>
           </a:p>
@@ -1996,7 +2002,7 @@
           <a:p>
             <a:fld id="{4672BAF5-0C8B-4839-8395-C2D8CB0521E0}" type="datetimeFigureOut">
               <a:rPr lang="ko-KR" altLang="en-US" smtClean="0"/>
-              <a:t>2022-07-04</a:t>
+              <a:t>2022-07-05</a:t>
             </a:fld>
             <a:endParaRPr lang="ko-KR" altLang="en-US"/>
           </a:p>
@@ -2109,7 +2115,7 @@
           <a:p>
             <a:fld id="{4672BAF5-0C8B-4839-8395-C2D8CB0521E0}" type="datetimeFigureOut">
               <a:rPr lang="ko-KR" altLang="en-US" smtClean="0"/>
-              <a:t>2022-07-04</a:t>
+              <a:t>2022-07-05</a:t>
             </a:fld>
             <a:endParaRPr lang="ko-KR" altLang="en-US"/>
           </a:p>
@@ -2420,7 +2426,7 @@
           <a:p>
             <a:fld id="{4672BAF5-0C8B-4839-8395-C2D8CB0521E0}" type="datetimeFigureOut">
               <a:rPr lang="ko-KR" altLang="en-US" smtClean="0"/>
-              <a:t>2022-07-04</a:t>
+              <a:t>2022-07-05</a:t>
             </a:fld>
             <a:endParaRPr lang="ko-KR" altLang="en-US"/>
           </a:p>
@@ -2708,7 +2714,7 @@
           <a:p>
             <a:fld id="{4672BAF5-0C8B-4839-8395-C2D8CB0521E0}" type="datetimeFigureOut">
               <a:rPr lang="ko-KR" altLang="en-US" smtClean="0"/>
-              <a:t>2022-07-04</a:t>
+              <a:t>2022-07-05</a:t>
             </a:fld>
             <a:endParaRPr lang="ko-KR" altLang="en-US"/>
           </a:p>
@@ -2949,7 +2955,7 @@
           <a:p>
             <a:fld id="{4672BAF5-0C8B-4839-8395-C2D8CB0521E0}" type="datetimeFigureOut">
               <a:rPr lang="ko-KR" altLang="en-US" smtClean="0"/>
-              <a:t>2022-07-04</a:t>
+              <a:t>2022-07-05</a:t>
             </a:fld>
             <a:endParaRPr lang="ko-KR" altLang="en-US"/>
           </a:p>
@@ -3471,6 +3477,1974 @@
 </p:sld>
 </file>
 
+<file path=ppt/slides/slide10.xml><?xml version="1.0" encoding="utf-8"?>
+<p:sld xmlns:a="http://schemas.openxmlformats.org/drawingml/2006/main" xmlns:r="http://schemas.openxmlformats.org/officeDocument/2006/relationships" xmlns:p="http://schemas.openxmlformats.org/presentationml/2006/main">
+  <p:cSld>
+    <p:spTree>
+      <p:nvGrpSpPr>
+        <p:cNvPr id="1" name=""/>
+        <p:cNvGrpSpPr/>
+        <p:nvPr/>
+      </p:nvGrpSpPr>
+      <p:grpSpPr>
+        <a:xfrm>
+          <a:off x="0" y="0"/>
+          <a:ext cx="0" cy="0"/>
+          <a:chOff x="0" y="0"/>
+          <a:chExt cx="0" cy="0"/>
+        </a:xfrm>
+      </p:grpSpPr>
+      <p:sp>
+        <p:nvSpPr>
+          <p:cNvPr id="4" name="TextBox 3">
+            <a:extLst>
+              <a:ext uri="{FF2B5EF4-FFF2-40B4-BE49-F238E27FC236}">
+                <a16:creationId xmlns:a16="http://schemas.microsoft.com/office/drawing/2014/main" id="{413E6483-E9AB-F50F-14F2-8E59DB84EEDA}"/>
+              </a:ext>
+            </a:extLst>
+          </p:cNvPr>
+          <p:cNvSpPr txBox="1"/>
+          <p:nvPr/>
+        </p:nvSpPr>
+        <p:spPr>
+          <a:xfrm>
+            <a:off x="1299990" y="827179"/>
+            <a:ext cx="3899971" cy="646331"/>
+          </a:xfrm>
+          <a:prstGeom prst="rect">
+            <a:avLst/>
+          </a:prstGeom>
+          <a:noFill/>
+        </p:spPr>
+        <p:txBody>
+          <a:bodyPr wrap="square" rtlCol="0">
+            <a:spAutoFit/>
+          </a:bodyPr>
+          <a:lstStyle/>
+          <a:p>
+            <a:r>
+              <a:rPr lang="en-US" altLang="ko-KR" sz="3600" dirty="0">
+                <a:latin typeface="경기천년제목 Bold" panose="02020803020101020101" pitchFamily="18" charset="-127"/>
+                <a:ea typeface="경기천년제목 Bold" panose="02020803020101020101" pitchFamily="18" charset="-127"/>
+              </a:rPr>
+              <a:t>UI </a:t>
+            </a:r>
+            <a:r>
+              <a:rPr lang="ko-KR" altLang="en-US" sz="3600" dirty="0">
+                <a:latin typeface="경기천년제목 Bold" panose="02020803020101020101" pitchFamily="18" charset="-127"/>
+                <a:ea typeface="경기천년제목 Bold" panose="02020803020101020101" pitchFamily="18" charset="-127"/>
+              </a:rPr>
+              <a:t>구성</a:t>
+            </a:r>
+          </a:p>
+        </p:txBody>
+      </p:sp>
+      <p:sp>
+        <p:nvSpPr>
+          <p:cNvPr id="5" name="직사각형 4">
+            <a:extLst>
+              <a:ext uri="{FF2B5EF4-FFF2-40B4-BE49-F238E27FC236}">
+                <a16:creationId xmlns:a16="http://schemas.microsoft.com/office/drawing/2014/main" id="{A49C3287-B3D9-D2B6-DE01-F7A96F1F2705}"/>
+              </a:ext>
+            </a:extLst>
+          </p:cNvPr>
+          <p:cNvSpPr/>
+          <p:nvPr/>
+        </p:nvSpPr>
+        <p:spPr>
+          <a:xfrm>
+            <a:off x="1235710" y="944563"/>
+            <a:ext cx="52962" cy="442699"/>
+          </a:xfrm>
+          <a:prstGeom prst="rect">
+            <a:avLst/>
+          </a:prstGeom>
+          <a:solidFill>
+            <a:srgbClr val="F4B600"/>
+          </a:solidFill>
+          <a:ln>
+            <a:noFill/>
+          </a:ln>
+        </p:spPr>
+        <p:style>
+          <a:lnRef idx="2">
+            <a:schemeClr val="accent1">
+              <a:shade val="50000"/>
+            </a:schemeClr>
+          </a:lnRef>
+          <a:fillRef idx="1">
+            <a:schemeClr val="accent1"/>
+          </a:fillRef>
+          <a:effectRef idx="0">
+            <a:schemeClr val="accent1"/>
+          </a:effectRef>
+          <a:fontRef idx="minor">
+            <a:schemeClr val="lt1"/>
+          </a:fontRef>
+        </p:style>
+        <p:txBody>
+          <a:bodyPr rtlCol="0" anchor="ctr"/>
+          <a:lstStyle/>
+          <a:p>
+            <a:pPr algn="ctr"/>
+            <a:endParaRPr lang="ko-KR" altLang="en-US"/>
+          </a:p>
+        </p:txBody>
+      </p:sp>
+      <p:sp>
+        <p:nvSpPr>
+          <p:cNvPr id="2" name="사각형: 둥근 모서리 1">
+            <a:extLst>
+              <a:ext uri="{FF2B5EF4-FFF2-40B4-BE49-F238E27FC236}">
+                <a16:creationId xmlns:a16="http://schemas.microsoft.com/office/drawing/2014/main" id="{B267257D-CCDA-1B23-312E-042E86FF2DD7}"/>
+              </a:ext>
+            </a:extLst>
+          </p:cNvPr>
+          <p:cNvSpPr/>
+          <p:nvPr/>
+        </p:nvSpPr>
+        <p:spPr>
+          <a:xfrm>
+            <a:off x="4955328" y="1387262"/>
+            <a:ext cx="2281344" cy="4562688"/>
+          </a:xfrm>
+          <a:prstGeom prst="roundRect">
+            <a:avLst/>
+          </a:prstGeom>
+          <a:noFill/>
+          <a:ln>
+            <a:solidFill>
+              <a:srgbClr val="4086F4"/>
+            </a:solidFill>
+          </a:ln>
+          <a:effectLst>
+            <a:outerShdw blurRad="50800" dist="38100" dir="5400000" algn="t" rotWithShape="0">
+              <a:prstClr val="black">
+                <a:alpha val="40000"/>
+              </a:prstClr>
+            </a:outerShdw>
+          </a:effectLst>
+        </p:spPr>
+        <p:style>
+          <a:lnRef idx="2">
+            <a:schemeClr val="accent1">
+              <a:shade val="50000"/>
+            </a:schemeClr>
+          </a:lnRef>
+          <a:fillRef idx="1">
+            <a:schemeClr val="accent1"/>
+          </a:fillRef>
+          <a:effectRef idx="0">
+            <a:schemeClr val="accent1"/>
+          </a:effectRef>
+          <a:fontRef idx="minor">
+            <a:schemeClr val="lt1"/>
+          </a:fontRef>
+        </p:style>
+        <p:txBody>
+          <a:bodyPr rtlCol="0" anchor="ctr"/>
+          <a:lstStyle/>
+          <a:p>
+            <a:pPr algn="ctr"/>
+            <a:endParaRPr lang="ko-KR" altLang="en-US"/>
+          </a:p>
+        </p:txBody>
+      </p:sp>
+      <p:sp>
+        <p:nvSpPr>
+          <p:cNvPr id="6" name="TextBox 5">
+            <a:extLst>
+              <a:ext uri="{FF2B5EF4-FFF2-40B4-BE49-F238E27FC236}">
+                <a16:creationId xmlns:a16="http://schemas.microsoft.com/office/drawing/2014/main" id="{6A9B688E-6817-66DD-242A-A346648F60D0}"/>
+              </a:ext>
+            </a:extLst>
+          </p:cNvPr>
+          <p:cNvSpPr txBox="1"/>
+          <p:nvPr/>
+        </p:nvSpPr>
+        <p:spPr>
+          <a:xfrm>
+            <a:off x="1151255" y="1712962"/>
+            <a:ext cx="3040961" cy="834074"/>
+          </a:xfrm>
+          <a:prstGeom prst="rect">
+            <a:avLst/>
+          </a:prstGeom>
+          <a:noFill/>
+        </p:spPr>
+        <p:txBody>
+          <a:bodyPr wrap="square" rtlCol="0">
+            <a:spAutoFit/>
+          </a:bodyPr>
+          <a:lstStyle/>
+          <a:p>
+            <a:pPr>
+              <a:lnSpc>
+                <a:spcPct val="150000"/>
+              </a:lnSpc>
+            </a:pPr>
+            <a:r>
+              <a:rPr lang="ko-KR" altLang="en-US" dirty="0">
+                <a:latin typeface="경기천년제목 Medium" panose="02020603020101020101" pitchFamily="18" charset="-127"/>
+                <a:ea typeface="경기천년제목 Medium" panose="02020603020101020101" pitchFamily="18" charset="-127"/>
+              </a:rPr>
+              <a:t>메인 임무</a:t>
+            </a:r>
+            <a:endParaRPr lang="en-US" altLang="ko-KR" dirty="0">
+              <a:latin typeface="경기천년제목 Medium" panose="02020603020101020101" pitchFamily="18" charset="-127"/>
+              <a:ea typeface="경기천년제목 Medium" panose="02020603020101020101" pitchFamily="18" charset="-127"/>
+            </a:endParaRPr>
+          </a:p>
+          <a:p>
+            <a:pPr>
+              <a:lnSpc>
+                <a:spcPct val="150000"/>
+              </a:lnSpc>
+            </a:pPr>
+            <a:r>
+              <a:rPr lang="ko-KR" altLang="en-US" sz="1600" dirty="0">
+                <a:latin typeface="경기천년제목 Light" panose="02020403020101020101" pitchFamily="18" charset="-127"/>
+                <a:ea typeface="경기천년제목 Light" panose="02020403020101020101" pitchFamily="18" charset="-127"/>
+              </a:rPr>
+              <a:t>가나다</a:t>
+            </a:r>
+            <a:endParaRPr lang="en-US" altLang="ko-KR" sz="1600" dirty="0">
+              <a:latin typeface="경기천년제목 Light" panose="02020403020101020101" pitchFamily="18" charset="-127"/>
+              <a:ea typeface="경기천년제목 Light" panose="02020403020101020101" pitchFamily="18" charset="-127"/>
+            </a:endParaRPr>
+          </a:p>
+        </p:txBody>
+      </p:sp>
+      <p:sp>
+        <p:nvSpPr>
+          <p:cNvPr id="8" name="타원 7">
+            <a:extLst>
+              <a:ext uri="{FF2B5EF4-FFF2-40B4-BE49-F238E27FC236}">
+                <a16:creationId xmlns:a16="http://schemas.microsoft.com/office/drawing/2014/main" id="{625563E8-84BF-BC6A-577C-471838145A8F}"/>
+              </a:ext>
+            </a:extLst>
+          </p:cNvPr>
+          <p:cNvSpPr/>
+          <p:nvPr/>
+        </p:nvSpPr>
+        <p:spPr>
+          <a:xfrm>
+            <a:off x="6032500" y="1585962"/>
+            <a:ext cx="127000" cy="127000"/>
+          </a:xfrm>
+          <a:prstGeom prst="ellipse">
+            <a:avLst/>
+          </a:prstGeom>
+          <a:solidFill>
+            <a:schemeClr val="tx1">
+              <a:lumMod val="75000"/>
+              <a:lumOff val="25000"/>
+            </a:schemeClr>
+          </a:solidFill>
+          <a:ln>
+            <a:noFill/>
+          </a:ln>
+        </p:spPr>
+        <p:style>
+          <a:lnRef idx="2">
+            <a:schemeClr val="accent1">
+              <a:shade val="50000"/>
+            </a:schemeClr>
+          </a:lnRef>
+          <a:fillRef idx="1">
+            <a:schemeClr val="accent1"/>
+          </a:fillRef>
+          <a:effectRef idx="0">
+            <a:schemeClr val="accent1"/>
+          </a:effectRef>
+          <a:fontRef idx="minor">
+            <a:schemeClr val="lt1"/>
+          </a:fontRef>
+        </p:style>
+        <p:txBody>
+          <a:bodyPr rtlCol="0" anchor="ctr"/>
+          <a:lstStyle/>
+          <a:p>
+            <a:pPr algn="ctr"/>
+            <a:endParaRPr lang="ko-KR" altLang="en-US" dirty="0">
+              <a:latin typeface="경기천년제목 Light" panose="02020403020101020101" pitchFamily="18" charset="-127"/>
+              <a:ea typeface="경기천년제목 Light" panose="02020403020101020101" pitchFamily="18" charset="-127"/>
+            </a:endParaRPr>
+          </a:p>
+        </p:txBody>
+      </p:sp>
+      <p:sp>
+        <p:nvSpPr>
+          <p:cNvPr id="9" name="사각형: 둥근 모서리 8">
+            <a:extLst>
+              <a:ext uri="{FF2B5EF4-FFF2-40B4-BE49-F238E27FC236}">
+                <a16:creationId xmlns:a16="http://schemas.microsoft.com/office/drawing/2014/main" id="{51CE0377-7B0B-A252-1A76-204E3FB87BA7}"/>
+              </a:ext>
+            </a:extLst>
+          </p:cNvPr>
+          <p:cNvSpPr/>
+          <p:nvPr/>
+        </p:nvSpPr>
+        <p:spPr>
+          <a:xfrm>
+            <a:off x="6815458" y="1820749"/>
+            <a:ext cx="279794" cy="279794"/>
+          </a:xfrm>
+          <a:prstGeom prst="roundRect">
+            <a:avLst>
+              <a:gd name="adj" fmla="val 35881"/>
+            </a:avLst>
+          </a:prstGeom>
+          <a:solidFill>
+            <a:srgbClr val="F4B600"/>
+          </a:solidFill>
+          <a:ln>
+            <a:noFill/>
+          </a:ln>
+        </p:spPr>
+        <p:style>
+          <a:lnRef idx="2">
+            <a:schemeClr val="accent1">
+              <a:shade val="50000"/>
+            </a:schemeClr>
+          </a:lnRef>
+          <a:fillRef idx="1">
+            <a:schemeClr val="accent1"/>
+          </a:fillRef>
+          <a:effectRef idx="0">
+            <a:schemeClr val="accent1"/>
+          </a:effectRef>
+          <a:fontRef idx="minor">
+            <a:schemeClr val="lt1"/>
+          </a:fontRef>
+        </p:style>
+        <p:txBody>
+          <a:bodyPr rtlCol="0" anchor="ctr"/>
+          <a:lstStyle/>
+          <a:p>
+            <a:pPr algn="ctr"/>
+            <a:r>
+              <a:rPr lang="ko-KR" altLang="en-US" sz="700" dirty="0">
+                <a:latin typeface="경기천년제목 Light" panose="02020403020101020101" pitchFamily="18" charset="-127"/>
+                <a:ea typeface="경기천년제목 Light" panose="02020403020101020101" pitchFamily="18" charset="-127"/>
+              </a:rPr>
+              <a:t>설정</a:t>
+            </a:r>
+          </a:p>
+        </p:txBody>
+      </p:sp>
+      <p:sp>
+        <p:nvSpPr>
+          <p:cNvPr id="38" name="사각형: 둥근 모서리 37">
+            <a:extLst>
+              <a:ext uri="{FF2B5EF4-FFF2-40B4-BE49-F238E27FC236}">
+                <a16:creationId xmlns:a16="http://schemas.microsoft.com/office/drawing/2014/main" id="{49F6B2FD-6196-8141-6973-DD3F900A23A1}"/>
+              </a:ext>
+            </a:extLst>
+          </p:cNvPr>
+          <p:cNvSpPr/>
+          <p:nvPr/>
+        </p:nvSpPr>
+        <p:spPr>
+          <a:xfrm>
+            <a:off x="5826919" y="4837261"/>
+            <a:ext cx="538162" cy="434777"/>
+          </a:xfrm>
+          <a:prstGeom prst="roundRect">
+            <a:avLst>
+              <a:gd name="adj" fmla="val 35881"/>
+            </a:avLst>
+          </a:prstGeom>
+          <a:solidFill>
+            <a:srgbClr val="F4B600"/>
+          </a:solidFill>
+          <a:ln>
+            <a:noFill/>
+          </a:ln>
+        </p:spPr>
+        <p:style>
+          <a:lnRef idx="2">
+            <a:schemeClr val="accent1">
+              <a:shade val="50000"/>
+            </a:schemeClr>
+          </a:lnRef>
+          <a:fillRef idx="1">
+            <a:schemeClr val="accent1"/>
+          </a:fillRef>
+          <a:effectRef idx="0">
+            <a:schemeClr val="accent1"/>
+          </a:effectRef>
+          <a:fontRef idx="minor">
+            <a:schemeClr val="lt1"/>
+          </a:fontRef>
+        </p:style>
+        <p:txBody>
+          <a:bodyPr rtlCol="0" anchor="ctr"/>
+          <a:lstStyle/>
+          <a:p>
+            <a:pPr algn="ctr"/>
+            <a:r>
+              <a:rPr lang="en-US" altLang="ko-KR" sz="1200" dirty="0">
+                <a:latin typeface="경기천년제목 Light" panose="02020403020101020101" pitchFamily="18" charset="-127"/>
+                <a:ea typeface="경기천년제목 Light" panose="02020403020101020101" pitchFamily="18" charset="-127"/>
+              </a:rPr>
+              <a:t>1</a:t>
+            </a:r>
+            <a:endParaRPr lang="ko-KR" altLang="en-US" sz="1200" dirty="0">
+              <a:latin typeface="경기천년제목 Light" panose="02020403020101020101" pitchFamily="18" charset="-127"/>
+              <a:ea typeface="경기천년제목 Light" panose="02020403020101020101" pitchFamily="18" charset="-127"/>
+            </a:endParaRPr>
+          </a:p>
+        </p:txBody>
+      </p:sp>
+      <p:sp>
+        <p:nvSpPr>
+          <p:cNvPr id="40" name="사각형: 둥근 모서리 39">
+            <a:extLst>
+              <a:ext uri="{FF2B5EF4-FFF2-40B4-BE49-F238E27FC236}">
+                <a16:creationId xmlns:a16="http://schemas.microsoft.com/office/drawing/2014/main" id="{E1E850FA-9515-E90A-6D03-0AC7DA163C41}"/>
+              </a:ext>
+            </a:extLst>
+          </p:cNvPr>
+          <p:cNvSpPr/>
+          <p:nvPr/>
+        </p:nvSpPr>
+        <p:spPr>
+          <a:xfrm>
+            <a:off x="5288757" y="4339831"/>
+            <a:ext cx="538162" cy="434777"/>
+          </a:xfrm>
+          <a:prstGeom prst="roundRect">
+            <a:avLst>
+              <a:gd name="adj" fmla="val 35881"/>
+            </a:avLst>
+          </a:prstGeom>
+          <a:solidFill>
+            <a:srgbClr val="F4B600"/>
+          </a:solidFill>
+          <a:ln>
+            <a:noFill/>
+          </a:ln>
+        </p:spPr>
+        <p:style>
+          <a:lnRef idx="2">
+            <a:schemeClr val="accent1">
+              <a:shade val="50000"/>
+            </a:schemeClr>
+          </a:lnRef>
+          <a:fillRef idx="1">
+            <a:schemeClr val="accent1"/>
+          </a:fillRef>
+          <a:effectRef idx="0">
+            <a:schemeClr val="accent1"/>
+          </a:effectRef>
+          <a:fontRef idx="minor">
+            <a:schemeClr val="lt1"/>
+          </a:fontRef>
+        </p:style>
+        <p:txBody>
+          <a:bodyPr rtlCol="0" anchor="ctr"/>
+          <a:lstStyle/>
+          <a:p>
+            <a:pPr algn="ctr"/>
+            <a:r>
+              <a:rPr lang="en-US" altLang="ko-KR" sz="1200" dirty="0">
+                <a:latin typeface="경기천년제목 Light" panose="02020403020101020101" pitchFamily="18" charset="-127"/>
+                <a:ea typeface="경기천년제목 Light" panose="02020403020101020101" pitchFamily="18" charset="-127"/>
+              </a:rPr>
+              <a:t>2</a:t>
+            </a:r>
+            <a:endParaRPr lang="ko-KR" altLang="en-US" sz="1200" dirty="0">
+              <a:latin typeface="경기천년제목 Light" panose="02020403020101020101" pitchFamily="18" charset="-127"/>
+              <a:ea typeface="경기천년제목 Light" panose="02020403020101020101" pitchFamily="18" charset="-127"/>
+            </a:endParaRPr>
+          </a:p>
+        </p:txBody>
+      </p:sp>
+      <p:sp>
+        <p:nvSpPr>
+          <p:cNvPr id="41" name="사각형: 둥근 모서리 40">
+            <a:extLst>
+              <a:ext uri="{FF2B5EF4-FFF2-40B4-BE49-F238E27FC236}">
+                <a16:creationId xmlns:a16="http://schemas.microsoft.com/office/drawing/2014/main" id="{D1B6EDF2-D51D-9150-B61C-0A485808FAF6}"/>
+              </a:ext>
+            </a:extLst>
+          </p:cNvPr>
+          <p:cNvSpPr/>
+          <p:nvPr/>
+        </p:nvSpPr>
+        <p:spPr>
+          <a:xfrm>
+            <a:off x="6241257" y="3875841"/>
+            <a:ext cx="538162" cy="434777"/>
+          </a:xfrm>
+          <a:prstGeom prst="roundRect">
+            <a:avLst>
+              <a:gd name="adj" fmla="val 35881"/>
+            </a:avLst>
+          </a:prstGeom>
+          <a:solidFill>
+            <a:srgbClr val="F4B600"/>
+          </a:solidFill>
+          <a:ln>
+            <a:noFill/>
+          </a:ln>
+        </p:spPr>
+        <p:style>
+          <a:lnRef idx="2">
+            <a:schemeClr val="accent1">
+              <a:shade val="50000"/>
+            </a:schemeClr>
+          </a:lnRef>
+          <a:fillRef idx="1">
+            <a:schemeClr val="accent1"/>
+          </a:fillRef>
+          <a:effectRef idx="0">
+            <a:schemeClr val="accent1"/>
+          </a:effectRef>
+          <a:fontRef idx="minor">
+            <a:schemeClr val="lt1"/>
+          </a:fontRef>
+        </p:style>
+        <p:txBody>
+          <a:bodyPr rtlCol="0" anchor="ctr"/>
+          <a:lstStyle/>
+          <a:p>
+            <a:pPr algn="ctr"/>
+            <a:r>
+              <a:rPr lang="en-US" altLang="ko-KR" sz="1200" dirty="0">
+                <a:latin typeface="경기천년제목 Light" panose="02020403020101020101" pitchFamily="18" charset="-127"/>
+                <a:ea typeface="경기천년제목 Light" panose="02020403020101020101" pitchFamily="18" charset="-127"/>
+              </a:rPr>
+              <a:t>3</a:t>
+            </a:r>
+            <a:endParaRPr lang="ko-KR" altLang="en-US" sz="1200" dirty="0">
+              <a:latin typeface="경기천년제목 Light" panose="02020403020101020101" pitchFamily="18" charset="-127"/>
+              <a:ea typeface="경기천년제목 Light" panose="02020403020101020101" pitchFamily="18" charset="-127"/>
+            </a:endParaRPr>
+          </a:p>
+        </p:txBody>
+      </p:sp>
+      <p:sp>
+        <p:nvSpPr>
+          <p:cNvPr id="42" name="사각형: 둥근 모서리 41">
+            <a:extLst>
+              <a:ext uri="{FF2B5EF4-FFF2-40B4-BE49-F238E27FC236}">
+                <a16:creationId xmlns:a16="http://schemas.microsoft.com/office/drawing/2014/main" id="{EFE3E605-C0E6-0566-8B03-AE781E60BD18}"/>
+              </a:ext>
+            </a:extLst>
+          </p:cNvPr>
+          <p:cNvSpPr/>
+          <p:nvPr/>
+        </p:nvSpPr>
+        <p:spPr>
+          <a:xfrm>
+            <a:off x="5557838" y="3334912"/>
+            <a:ext cx="538162" cy="434777"/>
+          </a:xfrm>
+          <a:prstGeom prst="roundRect">
+            <a:avLst>
+              <a:gd name="adj" fmla="val 35881"/>
+            </a:avLst>
+          </a:prstGeom>
+          <a:solidFill>
+            <a:srgbClr val="F4B600"/>
+          </a:solidFill>
+          <a:ln>
+            <a:noFill/>
+          </a:ln>
+        </p:spPr>
+        <p:style>
+          <a:lnRef idx="2">
+            <a:schemeClr val="accent1">
+              <a:shade val="50000"/>
+            </a:schemeClr>
+          </a:lnRef>
+          <a:fillRef idx="1">
+            <a:schemeClr val="accent1"/>
+          </a:fillRef>
+          <a:effectRef idx="0">
+            <a:schemeClr val="accent1"/>
+          </a:effectRef>
+          <a:fontRef idx="minor">
+            <a:schemeClr val="lt1"/>
+          </a:fontRef>
+        </p:style>
+        <p:txBody>
+          <a:bodyPr rtlCol="0" anchor="ctr"/>
+          <a:lstStyle/>
+          <a:p>
+            <a:pPr algn="ctr"/>
+            <a:r>
+              <a:rPr lang="en-US" altLang="ko-KR" sz="1200" dirty="0">
+                <a:latin typeface="경기천년제목 Light" panose="02020403020101020101" pitchFamily="18" charset="-127"/>
+                <a:ea typeface="경기천년제목 Light" panose="02020403020101020101" pitchFamily="18" charset="-127"/>
+              </a:rPr>
+              <a:t>4</a:t>
+            </a:r>
+            <a:endParaRPr lang="ko-KR" altLang="en-US" sz="1200" dirty="0">
+              <a:latin typeface="경기천년제목 Light" panose="02020403020101020101" pitchFamily="18" charset="-127"/>
+              <a:ea typeface="경기천년제목 Light" panose="02020403020101020101" pitchFamily="18" charset="-127"/>
+            </a:endParaRPr>
+          </a:p>
+        </p:txBody>
+      </p:sp>
+      <p:sp>
+        <p:nvSpPr>
+          <p:cNvPr id="43" name="사각형: 둥근 모서리 42">
+            <a:extLst>
+              <a:ext uri="{FF2B5EF4-FFF2-40B4-BE49-F238E27FC236}">
+                <a16:creationId xmlns:a16="http://schemas.microsoft.com/office/drawing/2014/main" id="{A9851E7A-3458-E9A0-D7AA-3884D03B9C69}"/>
+              </a:ext>
+            </a:extLst>
+          </p:cNvPr>
+          <p:cNvSpPr/>
+          <p:nvPr/>
+        </p:nvSpPr>
+        <p:spPr>
+          <a:xfrm>
+            <a:off x="5972176" y="2677484"/>
+            <a:ext cx="538162" cy="434777"/>
+          </a:xfrm>
+          <a:prstGeom prst="roundRect">
+            <a:avLst>
+              <a:gd name="adj" fmla="val 35881"/>
+            </a:avLst>
+          </a:prstGeom>
+          <a:solidFill>
+            <a:srgbClr val="F4B600"/>
+          </a:solidFill>
+          <a:ln>
+            <a:noFill/>
+          </a:ln>
+        </p:spPr>
+        <p:style>
+          <a:lnRef idx="2">
+            <a:schemeClr val="accent1">
+              <a:shade val="50000"/>
+            </a:schemeClr>
+          </a:lnRef>
+          <a:fillRef idx="1">
+            <a:schemeClr val="accent1"/>
+          </a:fillRef>
+          <a:effectRef idx="0">
+            <a:schemeClr val="accent1"/>
+          </a:effectRef>
+          <a:fontRef idx="minor">
+            <a:schemeClr val="lt1"/>
+          </a:fontRef>
+        </p:style>
+        <p:txBody>
+          <a:bodyPr rtlCol="0" anchor="ctr"/>
+          <a:lstStyle/>
+          <a:p>
+            <a:pPr algn="ctr"/>
+            <a:r>
+              <a:rPr lang="en-US" altLang="ko-KR" sz="1200" dirty="0">
+                <a:latin typeface="경기천년제목 Light" panose="02020403020101020101" pitchFamily="18" charset="-127"/>
+                <a:ea typeface="경기천년제목 Light" panose="02020403020101020101" pitchFamily="18" charset="-127"/>
+              </a:rPr>
+              <a:t>5</a:t>
+            </a:r>
+            <a:endParaRPr lang="ko-KR" altLang="en-US" sz="1200" dirty="0">
+              <a:latin typeface="경기천년제목 Light" panose="02020403020101020101" pitchFamily="18" charset="-127"/>
+              <a:ea typeface="경기천년제목 Light" panose="02020403020101020101" pitchFamily="18" charset="-127"/>
+            </a:endParaRPr>
+          </a:p>
+        </p:txBody>
+      </p:sp>
+      <p:sp>
+        <p:nvSpPr>
+          <p:cNvPr id="44" name="사각형: 둥근 모서리 43">
+            <a:extLst>
+              <a:ext uri="{FF2B5EF4-FFF2-40B4-BE49-F238E27FC236}">
+                <a16:creationId xmlns:a16="http://schemas.microsoft.com/office/drawing/2014/main" id="{76D1B551-0E50-9286-430E-991699DDC3D4}"/>
+              </a:ext>
+            </a:extLst>
+          </p:cNvPr>
+          <p:cNvSpPr/>
+          <p:nvPr/>
+        </p:nvSpPr>
+        <p:spPr>
+          <a:xfrm>
+            <a:off x="5371042" y="2180054"/>
+            <a:ext cx="538162" cy="434777"/>
+          </a:xfrm>
+          <a:prstGeom prst="roundRect">
+            <a:avLst>
+              <a:gd name="adj" fmla="val 35881"/>
+            </a:avLst>
+          </a:prstGeom>
+          <a:solidFill>
+            <a:srgbClr val="F4B600"/>
+          </a:solidFill>
+          <a:ln>
+            <a:noFill/>
+          </a:ln>
+        </p:spPr>
+        <p:style>
+          <a:lnRef idx="2">
+            <a:schemeClr val="accent1">
+              <a:shade val="50000"/>
+            </a:schemeClr>
+          </a:lnRef>
+          <a:fillRef idx="1">
+            <a:schemeClr val="accent1"/>
+          </a:fillRef>
+          <a:effectRef idx="0">
+            <a:schemeClr val="accent1"/>
+          </a:effectRef>
+          <a:fontRef idx="minor">
+            <a:schemeClr val="lt1"/>
+          </a:fontRef>
+        </p:style>
+        <p:txBody>
+          <a:bodyPr rtlCol="0" anchor="ctr"/>
+          <a:lstStyle/>
+          <a:p>
+            <a:pPr algn="ctr"/>
+            <a:r>
+              <a:rPr lang="en-US" altLang="ko-KR" sz="1200" dirty="0">
+                <a:latin typeface="경기천년제목 Light" panose="02020403020101020101" pitchFamily="18" charset="-127"/>
+                <a:ea typeface="경기천년제목 Light" panose="02020403020101020101" pitchFamily="18" charset="-127"/>
+              </a:rPr>
+              <a:t>6</a:t>
+            </a:r>
+            <a:endParaRPr lang="ko-KR" altLang="en-US" sz="1200" dirty="0">
+              <a:latin typeface="경기천년제목 Light" panose="02020403020101020101" pitchFamily="18" charset="-127"/>
+              <a:ea typeface="경기천년제목 Light" panose="02020403020101020101" pitchFamily="18" charset="-127"/>
+            </a:endParaRPr>
+          </a:p>
+        </p:txBody>
+      </p:sp>
+    </p:spTree>
+    <p:extLst>
+      <p:ext uri="{BB962C8B-B14F-4D97-AF65-F5344CB8AC3E}">
+        <p14:creationId xmlns:p14="http://schemas.microsoft.com/office/powerpoint/2010/main" val="3652407453"/>
+      </p:ext>
+    </p:extLst>
+  </p:cSld>
+  <p:clrMapOvr>
+    <a:masterClrMapping/>
+  </p:clrMapOvr>
+</p:sld>
+</file>
+
+<file path=ppt/slides/slide11.xml><?xml version="1.0" encoding="utf-8"?>
+<p:sld xmlns:a="http://schemas.openxmlformats.org/drawingml/2006/main" xmlns:r="http://schemas.openxmlformats.org/officeDocument/2006/relationships" xmlns:p="http://schemas.openxmlformats.org/presentationml/2006/main">
+  <p:cSld>
+    <p:spTree>
+      <p:nvGrpSpPr>
+        <p:cNvPr id="1" name=""/>
+        <p:cNvGrpSpPr/>
+        <p:nvPr/>
+      </p:nvGrpSpPr>
+      <p:grpSpPr>
+        <a:xfrm>
+          <a:off x="0" y="0"/>
+          <a:ext cx="0" cy="0"/>
+          <a:chOff x="0" y="0"/>
+          <a:chExt cx="0" cy="0"/>
+        </a:xfrm>
+      </p:grpSpPr>
+      <p:sp>
+        <p:nvSpPr>
+          <p:cNvPr id="19" name="사각형: 둥근 모서리 18">
+            <a:extLst>
+              <a:ext uri="{FF2B5EF4-FFF2-40B4-BE49-F238E27FC236}">
+                <a16:creationId xmlns:a16="http://schemas.microsoft.com/office/drawing/2014/main" id="{8F7F3CD3-C656-97FF-FFA4-7D3E69387549}"/>
+              </a:ext>
+            </a:extLst>
+          </p:cNvPr>
+          <p:cNvSpPr/>
+          <p:nvPr/>
+        </p:nvSpPr>
+        <p:spPr>
+          <a:xfrm>
+            <a:off x="5217319" y="2881314"/>
+            <a:ext cx="1757362" cy="559704"/>
+          </a:xfrm>
+          <a:prstGeom prst="roundRect">
+            <a:avLst>
+              <a:gd name="adj" fmla="val 35881"/>
+            </a:avLst>
+          </a:prstGeom>
+          <a:solidFill>
+            <a:srgbClr val="4086F4"/>
+          </a:solidFill>
+          <a:ln>
+            <a:noFill/>
+          </a:ln>
+        </p:spPr>
+        <p:style>
+          <a:lnRef idx="2">
+            <a:schemeClr val="accent1">
+              <a:shade val="50000"/>
+            </a:schemeClr>
+          </a:lnRef>
+          <a:fillRef idx="1">
+            <a:schemeClr val="accent1"/>
+          </a:fillRef>
+          <a:effectRef idx="0">
+            <a:schemeClr val="accent1"/>
+          </a:effectRef>
+          <a:fontRef idx="minor">
+            <a:schemeClr val="lt1"/>
+          </a:fontRef>
+        </p:style>
+        <p:txBody>
+          <a:bodyPr rtlCol="0" anchor="ctr"/>
+          <a:lstStyle/>
+          <a:p>
+            <a:pPr algn="ctr"/>
+            <a:endParaRPr lang="ko-KR" altLang="en-US" sz="1200" dirty="0">
+              <a:latin typeface="경기천년제목 Light" panose="02020403020101020101" pitchFamily="18" charset="-127"/>
+              <a:ea typeface="경기천년제목 Light" panose="02020403020101020101" pitchFamily="18" charset="-127"/>
+            </a:endParaRPr>
+          </a:p>
+        </p:txBody>
+      </p:sp>
+      <p:sp>
+        <p:nvSpPr>
+          <p:cNvPr id="4" name="TextBox 3">
+            <a:extLst>
+              <a:ext uri="{FF2B5EF4-FFF2-40B4-BE49-F238E27FC236}">
+                <a16:creationId xmlns:a16="http://schemas.microsoft.com/office/drawing/2014/main" id="{413E6483-E9AB-F50F-14F2-8E59DB84EEDA}"/>
+              </a:ext>
+            </a:extLst>
+          </p:cNvPr>
+          <p:cNvSpPr txBox="1"/>
+          <p:nvPr/>
+        </p:nvSpPr>
+        <p:spPr>
+          <a:xfrm>
+            <a:off x="1299990" y="827179"/>
+            <a:ext cx="3899971" cy="646331"/>
+          </a:xfrm>
+          <a:prstGeom prst="rect">
+            <a:avLst/>
+          </a:prstGeom>
+          <a:noFill/>
+        </p:spPr>
+        <p:txBody>
+          <a:bodyPr wrap="square" rtlCol="0">
+            <a:spAutoFit/>
+          </a:bodyPr>
+          <a:lstStyle/>
+          <a:p>
+            <a:r>
+              <a:rPr lang="en-US" altLang="ko-KR" sz="3600" dirty="0">
+                <a:latin typeface="경기천년제목 Bold" panose="02020803020101020101" pitchFamily="18" charset="-127"/>
+                <a:ea typeface="경기천년제목 Bold" panose="02020803020101020101" pitchFamily="18" charset="-127"/>
+              </a:rPr>
+              <a:t>UI </a:t>
+            </a:r>
+            <a:r>
+              <a:rPr lang="ko-KR" altLang="en-US" sz="3600" dirty="0">
+                <a:latin typeface="경기천년제목 Bold" panose="02020803020101020101" pitchFamily="18" charset="-127"/>
+                <a:ea typeface="경기천년제목 Bold" panose="02020803020101020101" pitchFamily="18" charset="-127"/>
+              </a:rPr>
+              <a:t>구성</a:t>
+            </a:r>
+          </a:p>
+        </p:txBody>
+      </p:sp>
+      <p:sp>
+        <p:nvSpPr>
+          <p:cNvPr id="5" name="직사각형 4">
+            <a:extLst>
+              <a:ext uri="{FF2B5EF4-FFF2-40B4-BE49-F238E27FC236}">
+                <a16:creationId xmlns:a16="http://schemas.microsoft.com/office/drawing/2014/main" id="{A49C3287-B3D9-D2B6-DE01-F7A96F1F2705}"/>
+              </a:ext>
+            </a:extLst>
+          </p:cNvPr>
+          <p:cNvSpPr/>
+          <p:nvPr/>
+        </p:nvSpPr>
+        <p:spPr>
+          <a:xfrm>
+            <a:off x="1235710" y="944563"/>
+            <a:ext cx="52962" cy="442699"/>
+          </a:xfrm>
+          <a:prstGeom prst="rect">
+            <a:avLst/>
+          </a:prstGeom>
+          <a:solidFill>
+            <a:srgbClr val="F4B600"/>
+          </a:solidFill>
+          <a:ln>
+            <a:noFill/>
+          </a:ln>
+        </p:spPr>
+        <p:style>
+          <a:lnRef idx="2">
+            <a:schemeClr val="accent1">
+              <a:shade val="50000"/>
+            </a:schemeClr>
+          </a:lnRef>
+          <a:fillRef idx="1">
+            <a:schemeClr val="accent1"/>
+          </a:fillRef>
+          <a:effectRef idx="0">
+            <a:schemeClr val="accent1"/>
+          </a:effectRef>
+          <a:fontRef idx="minor">
+            <a:schemeClr val="lt1"/>
+          </a:fontRef>
+        </p:style>
+        <p:txBody>
+          <a:bodyPr rtlCol="0" anchor="ctr"/>
+          <a:lstStyle/>
+          <a:p>
+            <a:pPr algn="ctr"/>
+            <a:endParaRPr lang="ko-KR" altLang="en-US"/>
+          </a:p>
+        </p:txBody>
+      </p:sp>
+      <p:sp>
+        <p:nvSpPr>
+          <p:cNvPr id="2" name="사각형: 둥근 모서리 1">
+            <a:extLst>
+              <a:ext uri="{FF2B5EF4-FFF2-40B4-BE49-F238E27FC236}">
+                <a16:creationId xmlns:a16="http://schemas.microsoft.com/office/drawing/2014/main" id="{B267257D-CCDA-1B23-312E-042E86FF2DD7}"/>
+              </a:ext>
+            </a:extLst>
+          </p:cNvPr>
+          <p:cNvSpPr/>
+          <p:nvPr/>
+        </p:nvSpPr>
+        <p:spPr>
+          <a:xfrm>
+            <a:off x="4955328" y="1387262"/>
+            <a:ext cx="2281344" cy="4562688"/>
+          </a:xfrm>
+          <a:prstGeom prst="roundRect">
+            <a:avLst/>
+          </a:prstGeom>
+          <a:noFill/>
+          <a:ln>
+            <a:solidFill>
+              <a:srgbClr val="4086F4"/>
+            </a:solidFill>
+          </a:ln>
+          <a:effectLst>
+            <a:outerShdw blurRad="50800" dist="38100" dir="5400000" algn="t" rotWithShape="0">
+              <a:prstClr val="black">
+                <a:alpha val="40000"/>
+              </a:prstClr>
+            </a:outerShdw>
+          </a:effectLst>
+        </p:spPr>
+        <p:style>
+          <a:lnRef idx="2">
+            <a:schemeClr val="accent1">
+              <a:shade val="50000"/>
+            </a:schemeClr>
+          </a:lnRef>
+          <a:fillRef idx="1">
+            <a:schemeClr val="accent1"/>
+          </a:fillRef>
+          <a:effectRef idx="0">
+            <a:schemeClr val="accent1"/>
+          </a:effectRef>
+          <a:fontRef idx="minor">
+            <a:schemeClr val="lt1"/>
+          </a:fontRef>
+        </p:style>
+        <p:txBody>
+          <a:bodyPr rtlCol="0" anchor="ctr"/>
+          <a:lstStyle/>
+          <a:p>
+            <a:pPr algn="ctr"/>
+            <a:endParaRPr lang="ko-KR" altLang="en-US"/>
+          </a:p>
+        </p:txBody>
+      </p:sp>
+      <p:sp>
+        <p:nvSpPr>
+          <p:cNvPr id="6" name="TextBox 5">
+            <a:extLst>
+              <a:ext uri="{FF2B5EF4-FFF2-40B4-BE49-F238E27FC236}">
+                <a16:creationId xmlns:a16="http://schemas.microsoft.com/office/drawing/2014/main" id="{6A9B688E-6817-66DD-242A-A346648F60D0}"/>
+              </a:ext>
+            </a:extLst>
+          </p:cNvPr>
+          <p:cNvSpPr txBox="1"/>
+          <p:nvPr/>
+        </p:nvSpPr>
+        <p:spPr>
+          <a:xfrm>
+            <a:off x="1151255" y="1712962"/>
+            <a:ext cx="3040961" cy="834074"/>
+          </a:xfrm>
+          <a:prstGeom prst="rect">
+            <a:avLst/>
+          </a:prstGeom>
+          <a:noFill/>
+        </p:spPr>
+        <p:txBody>
+          <a:bodyPr wrap="square" rtlCol="0">
+            <a:spAutoFit/>
+          </a:bodyPr>
+          <a:lstStyle/>
+          <a:p>
+            <a:pPr>
+              <a:lnSpc>
+                <a:spcPct val="150000"/>
+              </a:lnSpc>
+            </a:pPr>
+            <a:r>
+              <a:rPr lang="ko-KR" altLang="en-US" dirty="0">
+                <a:latin typeface="경기천년제목 Medium" panose="02020603020101020101" pitchFamily="18" charset="-127"/>
+                <a:ea typeface="경기천년제목 Medium" panose="02020603020101020101" pitchFamily="18" charset="-127"/>
+              </a:rPr>
+              <a:t>메인 임무</a:t>
+            </a:r>
+            <a:endParaRPr lang="en-US" altLang="ko-KR" dirty="0">
+              <a:latin typeface="경기천년제목 Medium" panose="02020603020101020101" pitchFamily="18" charset="-127"/>
+              <a:ea typeface="경기천년제목 Medium" panose="02020603020101020101" pitchFamily="18" charset="-127"/>
+            </a:endParaRPr>
+          </a:p>
+          <a:p>
+            <a:pPr>
+              <a:lnSpc>
+                <a:spcPct val="150000"/>
+              </a:lnSpc>
+            </a:pPr>
+            <a:r>
+              <a:rPr lang="ko-KR" altLang="en-US" sz="1600" dirty="0">
+                <a:latin typeface="경기천년제목 Light" panose="02020403020101020101" pitchFamily="18" charset="-127"/>
+                <a:ea typeface="경기천년제목 Light" panose="02020403020101020101" pitchFamily="18" charset="-127"/>
+              </a:rPr>
+              <a:t>스테이지 선택</a:t>
+            </a:r>
+            <a:endParaRPr lang="en-US" altLang="ko-KR" sz="1600" dirty="0">
+              <a:latin typeface="경기천년제목 Light" panose="02020403020101020101" pitchFamily="18" charset="-127"/>
+              <a:ea typeface="경기천년제목 Light" panose="02020403020101020101" pitchFamily="18" charset="-127"/>
+            </a:endParaRPr>
+          </a:p>
+        </p:txBody>
+      </p:sp>
+      <p:sp>
+        <p:nvSpPr>
+          <p:cNvPr id="8" name="타원 7">
+            <a:extLst>
+              <a:ext uri="{FF2B5EF4-FFF2-40B4-BE49-F238E27FC236}">
+                <a16:creationId xmlns:a16="http://schemas.microsoft.com/office/drawing/2014/main" id="{625563E8-84BF-BC6A-577C-471838145A8F}"/>
+              </a:ext>
+            </a:extLst>
+          </p:cNvPr>
+          <p:cNvSpPr/>
+          <p:nvPr/>
+        </p:nvSpPr>
+        <p:spPr>
+          <a:xfrm>
+            <a:off x="6032500" y="1585962"/>
+            <a:ext cx="127000" cy="127000"/>
+          </a:xfrm>
+          <a:prstGeom prst="ellipse">
+            <a:avLst/>
+          </a:prstGeom>
+          <a:solidFill>
+            <a:schemeClr val="tx1">
+              <a:lumMod val="75000"/>
+              <a:lumOff val="25000"/>
+            </a:schemeClr>
+          </a:solidFill>
+          <a:ln>
+            <a:noFill/>
+          </a:ln>
+        </p:spPr>
+        <p:style>
+          <a:lnRef idx="2">
+            <a:schemeClr val="accent1">
+              <a:shade val="50000"/>
+            </a:schemeClr>
+          </a:lnRef>
+          <a:fillRef idx="1">
+            <a:schemeClr val="accent1"/>
+          </a:fillRef>
+          <a:effectRef idx="0">
+            <a:schemeClr val="accent1"/>
+          </a:effectRef>
+          <a:fontRef idx="minor">
+            <a:schemeClr val="lt1"/>
+          </a:fontRef>
+        </p:style>
+        <p:txBody>
+          <a:bodyPr rtlCol="0" anchor="ctr"/>
+          <a:lstStyle/>
+          <a:p>
+            <a:pPr algn="ctr"/>
+            <a:endParaRPr lang="ko-KR" altLang="en-US" dirty="0">
+              <a:latin typeface="경기천년제목 Light" panose="02020403020101020101" pitchFamily="18" charset="-127"/>
+              <a:ea typeface="경기천년제목 Light" panose="02020403020101020101" pitchFamily="18" charset="-127"/>
+            </a:endParaRPr>
+          </a:p>
+        </p:txBody>
+      </p:sp>
+      <p:sp>
+        <p:nvSpPr>
+          <p:cNvPr id="9" name="사각형: 둥근 모서리 8">
+            <a:extLst>
+              <a:ext uri="{FF2B5EF4-FFF2-40B4-BE49-F238E27FC236}">
+                <a16:creationId xmlns:a16="http://schemas.microsoft.com/office/drawing/2014/main" id="{51CE0377-7B0B-A252-1A76-204E3FB87BA7}"/>
+              </a:ext>
+            </a:extLst>
+          </p:cNvPr>
+          <p:cNvSpPr/>
+          <p:nvPr/>
+        </p:nvSpPr>
+        <p:spPr>
+          <a:xfrm>
+            <a:off x="6815458" y="1820749"/>
+            <a:ext cx="279794" cy="279794"/>
+          </a:xfrm>
+          <a:prstGeom prst="roundRect">
+            <a:avLst>
+              <a:gd name="adj" fmla="val 35881"/>
+            </a:avLst>
+          </a:prstGeom>
+          <a:solidFill>
+            <a:srgbClr val="F4B600"/>
+          </a:solidFill>
+          <a:ln>
+            <a:noFill/>
+          </a:ln>
+        </p:spPr>
+        <p:style>
+          <a:lnRef idx="2">
+            <a:schemeClr val="accent1">
+              <a:shade val="50000"/>
+            </a:schemeClr>
+          </a:lnRef>
+          <a:fillRef idx="1">
+            <a:schemeClr val="accent1"/>
+          </a:fillRef>
+          <a:effectRef idx="0">
+            <a:schemeClr val="accent1"/>
+          </a:effectRef>
+          <a:fontRef idx="minor">
+            <a:schemeClr val="lt1"/>
+          </a:fontRef>
+        </p:style>
+        <p:txBody>
+          <a:bodyPr rtlCol="0" anchor="ctr"/>
+          <a:lstStyle/>
+          <a:p>
+            <a:pPr algn="ctr"/>
+            <a:r>
+              <a:rPr lang="ko-KR" altLang="en-US" sz="700" dirty="0">
+                <a:latin typeface="경기천년제목 Light" panose="02020403020101020101" pitchFamily="18" charset="-127"/>
+                <a:ea typeface="경기천년제목 Light" panose="02020403020101020101" pitchFamily="18" charset="-127"/>
+              </a:rPr>
+              <a:t>설정</a:t>
+            </a:r>
+          </a:p>
+        </p:txBody>
+      </p:sp>
+      <p:sp>
+        <p:nvSpPr>
+          <p:cNvPr id="36" name="사각형: 둥근 모서리 35">
+            <a:extLst>
+              <a:ext uri="{FF2B5EF4-FFF2-40B4-BE49-F238E27FC236}">
+                <a16:creationId xmlns:a16="http://schemas.microsoft.com/office/drawing/2014/main" id="{01BC7091-43B0-46FE-F959-AEE2BFD0AEF5}"/>
+              </a:ext>
+            </a:extLst>
+          </p:cNvPr>
+          <p:cNvSpPr/>
+          <p:nvPr/>
+        </p:nvSpPr>
+        <p:spPr>
+          <a:xfrm>
+            <a:off x="6396038" y="2943777"/>
+            <a:ext cx="538162" cy="434777"/>
+          </a:xfrm>
+          <a:prstGeom prst="roundRect">
+            <a:avLst>
+              <a:gd name="adj" fmla="val 35881"/>
+            </a:avLst>
+          </a:prstGeom>
+          <a:solidFill>
+            <a:srgbClr val="F4B600"/>
+          </a:solidFill>
+          <a:ln>
+            <a:noFill/>
+          </a:ln>
+        </p:spPr>
+        <p:style>
+          <a:lnRef idx="2">
+            <a:schemeClr val="accent1">
+              <a:shade val="50000"/>
+            </a:schemeClr>
+          </a:lnRef>
+          <a:fillRef idx="1">
+            <a:schemeClr val="accent1"/>
+          </a:fillRef>
+          <a:effectRef idx="0">
+            <a:schemeClr val="accent1"/>
+          </a:effectRef>
+          <a:fontRef idx="minor">
+            <a:schemeClr val="lt1"/>
+          </a:fontRef>
+        </p:style>
+        <p:txBody>
+          <a:bodyPr rtlCol="0" anchor="ctr"/>
+          <a:lstStyle/>
+          <a:p>
+            <a:pPr algn="ctr"/>
+            <a:r>
+              <a:rPr lang="ko-KR" altLang="en-US" sz="1200" dirty="0">
+                <a:latin typeface="경기천년제목 Light" panose="02020403020101020101" pitchFamily="18" charset="-127"/>
+                <a:ea typeface="경기천년제목 Light" panose="02020403020101020101" pitchFamily="18" charset="-127"/>
+              </a:rPr>
+              <a:t>시작</a:t>
+            </a:r>
+          </a:p>
+        </p:txBody>
+      </p:sp>
+      <p:sp>
+        <p:nvSpPr>
+          <p:cNvPr id="18" name="사각형: 둥근 모서리 17">
+            <a:extLst>
+              <a:ext uri="{FF2B5EF4-FFF2-40B4-BE49-F238E27FC236}">
+                <a16:creationId xmlns:a16="http://schemas.microsoft.com/office/drawing/2014/main" id="{484F7CD9-5A60-76AD-BB38-F1AF9D600155}"/>
+              </a:ext>
+            </a:extLst>
+          </p:cNvPr>
+          <p:cNvSpPr/>
+          <p:nvPr/>
+        </p:nvSpPr>
+        <p:spPr>
+          <a:xfrm>
+            <a:off x="5257800" y="2329994"/>
+            <a:ext cx="1676400" cy="434777"/>
+          </a:xfrm>
+          <a:prstGeom prst="roundRect">
+            <a:avLst>
+              <a:gd name="adj" fmla="val 35881"/>
+            </a:avLst>
+          </a:prstGeom>
+          <a:noFill/>
+          <a:ln>
+            <a:noFill/>
+          </a:ln>
+        </p:spPr>
+        <p:style>
+          <a:lnRef idx="2">
+            <a:schemeClr val="accent1">
+              <a:shade val="50000"/>
+            </a:schemeClr>
+          </a:lnRef>
+          <a:fillRef idx="1">
+            <a:schemeClr val="accent1"/>
+          </a:fillRef>
+          <a:effectRef idx="0">
+            <a:schemeClr val="accent1"/>
+          </a:effectRef>
+          <a:fontRef idx="minor">
+            <a:schemeClr val="lt1"/>
+          </a:fontRef>
+        </p:style>
+        <p:txBody>
+          <a:bodyPr rtlCol="0" anchor="ctr"/>
+          <a:lstStyle/>
+          <a:p>
+            <a:r>
+              <a:rPr lang="ko-KR" altLang="en-US" sz="1200" dirty="0">
+                <a:solidFill>
+                  <a:schemeClr val="tx1">
+                    <a:lumMod val="95000"/>
+                    <a:lumOff val="5000"/>
+                  </a:schemeClr>
+                </a:solidFill>
+                <a:latin typeface="경기천년제목 Bold" panose="02020803020101020101" pitchFamily="18" charset="-127"/>
+                <a:ea typeface="경기천년제목 Bold" panose="02020803020101020101" pitchFamily="18" charset="-127"/>
+              </a:rPr>
+              <a:t>지역 </a:t>
+            </a:r>
+            <a:r>
+              <a:rPr lang="en-US" altLang="ko-KR" sz="1200" dirty="0">
+                <a:solidFill>
+                  <a:schemeClr val="tx1">
+                    <a:lumMod val="95000"/>
+                    <a:lumOff val="5000"/>
+                  </a:schemeClr>
+                </a:solidFill>
+                <a:latin typeface="경기천년제목 Bold" panose="02020803020101020101" pitchFamily="18" charset="-127"/>
+                <a:ea typeface="경기천년제목 Bold" panose="02020803020101020101" pitchFamily="18" charset="-127"/>
+              </a:rPr>
+              <a:t>999</a:t>
+            </a:r>
+            <a:endParaRPr lang="ko-KR" altLang="en-US" sz="1200" dirty="0">
+              <a:solidFill>
+                <a:schemeClr val="tx1">
+                  <a:lumMod val="95000"/>
+                  <a:lumOff val="5000"/>
+                </a:schemeClr>
+              </a:solidFill>
+              <a:latin typeface="경기천년제목 Bold" panose="02020803020101020101" pitchFamily="18" charset="-127"/>
+              <a:ea typeface="경기천년제목 Bold" panose="02020803020101020101" pitchFamily="18" charset="-127"/>
+            </a:endParaRPr>
+          </a:p>
+        </p:txBody>
+      </p:sp>
+      <p:sp>
+        <p:nvSpPr>
+          <p:cNvPr id="20" name="사각형: 둥근 모서리 19">
+            <a:extLst>
+              <a:ext uri="{FF2B5EF4-FFF2-40B4-BE49-F238E27FC236}">
+                <a16:creationId xmlns:a16="http://schemas.microsoft.com/office/drawing/2014/main" id="{0E5B69BC-7B6D-0547-11B6-4E3E8215BFFB}"/>
+              </a:ext>
+            </a:extLst>
+          </p:cNvPr>
+          <p:cNvSpPr/>
+          <p:nvPr/>
+        </p:nvSpPr>
+        <p:spPr>
+          <a:xfrm>
+            <a:off x="5257800" y="2943776"/>
+            <a:ext cx="1676400" cy="434777"/>
+          </a:xfrm>
+          <a:prstGeom prst="roundRect">
+            <a:avLst>
+              <a:gd name="adj" fmla="val 35881"/>
+            </a:avLst>
+          </a:prstGeom>
+          <a:noFill/>
+          <a:ln>
+            <a:noFill/>
+          </a:ln>
+        </p:spPr>
+        <p:style>
+          <a:lnRef idx="2">
+            <a:schemeClr val="accent1">
+              <a:shade val="50000"/>
+            </a:schemeClr>
+          </a:lnRef>
+          <a:fillRef idx="1">
+            <a:schemeClr val="accent1"/>
+          </a:fillRef>
+          <a:effectRef idx="0">
+            <a:schemeClr val="accent1"/>
+          </a:effectRef>
+          <a:fontRef idx="minor">
+            <a:schemeClr val="lt1"/>
+          </a:fontRef>
+        </p:style>
+        <p:txBody>
+          <a:bodyPr rtlCol="0" anchor="ctr"/>
+          <a:lstStyle/>
+          <a:p>
+            <a:r>
+              <a:rPr lang="en-US" altLang="ko-KR" sz="1200" dirty="0">
+                <a:solidFill>
+                  <a:schemeClr val="tx1">
+                    <a:lumMod val="95000"/>
+                    <a:lumOff val="5000"/>
+                  </a:schemeClr>
+                </a:solidFill>
+                <a:latin typeface="경기천년제목 Bold" panose="02020803020101020101" pitchFamily="18" charset="-127"/>
+                <a:ea typeface="경기천년제목 Bold" panose="02020803020101020101" pitchFamily="18" charset="-127"/>
+              </a:rPr>
+              <a:t>1-1</a:t>
+            </a:r>
+            <a:endParaRPr lang="ko-KR" altLang="en-US" sz="1200" dirty="0">
+              <a:solidFill>
+                <a:schemeClr val="tx1">
+                  <a:lumMod val="95000"/>
+                  <a:lumOff val="5000"/>
+                </a:schemeClr>
+              </a:solidFill>
+              <a:latin typeface="경기천년제목 Bold" panose="02020803020101020101" pitchFamily="18" charset="-127"/>
+              <a:ea typeface="경기천년제목 Bold" panose="02020803020101020101" pitchFamily="18" charset="-127"/>
+            </a:endParaRPr>
+          </a:p>
+        </p:txBody>
+      </p:sp>
+      <p:sp>
+        <p:nvSpPr>
+          <p:cNvPr id="21" name="사각형: 둥근 모서리 20">
+            <a:extLst>
+              <a:ext uri="{FF2B5EF4-FFF2-40B4-BE49-F238E27FC236}">
+                <a16:creationId xmlns:a16="http://schemas.microsoft.com/office/drawing/2014/main" id="{AA86F2A1-95D2-97E0-683A-C3C36B0A4165}"/>
+              </a:ext>
+            </a:extLst>
+          </p:cNvPr>
+          <p:cNvSpPr/>
+          <p:nvPr/>
+        </p:nvSpPr>
+        <p:spPr>
+          <a:xfrm>
+            <a:off x="5217319" y="3557561"/>
+            <a:ext cx="1757362" cy="559704"/>
+          </a:xfrm>
+          <a:prstGeom prst="roundRect">
+            <a:avLst>
+              <a:gd name="adj" fmla="val 35881"/>
+            </a:avLst>
+          </a:prstGeom>
+          <a:solidFill>
+            <a:srgbClr val="4086F4"/>
+          </a:solidFill>
+          <a:ln>
+            <a:noFill/>
+          </a:ln>
+        </p:spPr>
+        <p:style>
+          <a:lnRef idx="2">
+            <a:schemeClr val="accent1">
+              <a:shade val="50000"/>
+            </a:schemeClr>
+          </a:lnRef>
+          <a:fillRef idx="1">
+            <a:schemeClr val="accent1"/>
+          </a:fillRef>
+          <a:effectRef idx="0">
+            <a:schemeClr val="accent1"/>
+          </a:effectRef>
+          <a:fontRef idx="minor">
+            <a:schemeClr val="lt1"/>
+          </a:fontRef>
+        </p:style>
+        <p:txBody>
+          <a:bodyPr rtlCol="0" anchor="ctr"/>
+          <a:lstStyle/>
+          <a:p>
+            <a:pPr algn="ctr"/>
+            <a:endParaRPr lang="ko-KR" altLang="en-US" sz="1200" dirty="0">
+              <a:latin typeface="경기천년제목 Light" panose="02020403020101020101" pitchFamily="18" charset="-127"/>
+              <a:ea typeface="경기천년제목 Light" panose="02020403020101020101" pitchFamily="18" charset="-127"/>
+            </a:endParaRPr>
+          </a:p>
+        </p:txBody>
+      </p:sp>
+      <p:sp>
+        <p:nvSpPr>
+          <p:cNvPr id="22" name="사각형: 둥근 모서리 21">
+            <a:extLst>
+              <a:ext uri="{FF2B5EF4-FFF2-40B4-BE49-F238E27FC236}">
+                <a16:creationId xmlns:a16="http://schemas.microsoft.com/office/drawing/2014/main" id="{1802F206-5933-DAD7-2ADD-95BE978A0AB2}"/>
+              </a:ext>
+            </a:extLst>
+          </p:cNvPr>
+          <p:cNvSpPr/>
+          <p:nvPr/>
+        </p:nvSpPr>
+        <p:spPr>
+          <a:xfrm>
+            <a:off x="6396038" y="3620024"/>
+            <a:ext cx="538162" cy="434777"/>
+          </a:xfrm>
+          <a:prstGeom prst="roundRect">
+            <a:avLst>
+              <a:gd name="adj" fmla="val 35881"/>
+            </a:avLst>
+          </a:prstGeom>
+          <a:solidFill>
+            <a:srgbClr val="F4B600"/>
+          </a:solidFill>
+          <a:ln>
+            <a:noFill/>
+          </a:ln>
+        </p:spPr>
+        <p:style>
+          <a:lnRef idx="2">
+            <a:schemeClr val="accent1">
+              <a:shade val="50000"/>
+            </a:schemeClr>
+          </a:lnRef>
+          <a:fillRef idx="1">
+            <a:schemeClr val="accent1"/>
+          </a:fillRef>
+          <a:effectRef idx="0">
+            <a:schemeClr val="accent1"/>
+          </a:effectRef>
+          <a:fontRef idx="minor">
+            <a:schemeClr val="lt1"/>
+          </a:fontRef>
+        </p:style>
+        <p:txBody>
+          <a:bodyPr rtlCol="0" anchor="ctr"/>
+          <a:lstStyle/>
+          <a:p>
+            <a:pPr algn="ctr"/>
+            <a:r>
+              <a:rPr lang="ko-KR" altLang="en-US" sz="1200" dirty="0">
+                <a:latin typeface="경기천년제목 Light" panose="02020403020101020101" pitchFamily="18" charset="-127"/>
+                <a:ea typeface="경기천년제목 Light" panose="02020403020101020101" pitchFamily="18" charset="-127"/>
+              </a:rPr>
+              <a:t>시작</a:t>
+            </a:r>
+          </a:p>
+        </p:txBody>
+      </p:sp>
+      <p:sp>
+        <p:nvSpPr>
+          <p:cNvPr id="25" name="사각형: 둥근 모서리 24">
+            <a:extLst>
+              <a:ext uri="{FF2B5EF4-FFF2-40B4-BE49-F238E27FC236}">
+                <a16:creationId xmlns:a16="http://schemas.microsoft.com/office/drawing/2014/main" id="{66603CD0-0950-439F-70E1-9745E961F9F6}"/>
+              </a:ext>
+            </a:extLst>
+          </p:cNvPr>
+          <p:cNvSpPr/>
+          <p:nvPr/>
+        </p:nvSpPr>
+        <p:spPr>
+          <a:xfrm>
+            <a:off x="5257800" y="3620023"/>
+            <a:ext cx="1676400" cy="434777"/>
+          </a:xfrm>
+          <a:prstGeom prst="roundRect">
+            <a:avLst>
+              <a:gd name="adj" fmla="val 35881"/>
+            </a:avLst>
+          </a:prstGeom>
+          <a:noFill/>
+          <a:ln>
+            <a:noFill/>
+          </a:ln>
+        </p:spPr>
+        <p:style>
+          <a:lnRef idx="2">
+            <a:schemeClr val="accent1">
+              <a:shade val="50000"/>
+            </a:schemeClr>
+          </a:lnRef>
+          <a:fillRef idx="1">
+            <a:schemeClr val="accent1"/>
+          </a:fillRef>
+          <a:effectRef idx="0">
+            <a:schemeClr val="accent1"/>
+          </a:effectRef>
+          <a:fontRef idx="minor">
+            <a:schemeClr val="lt1"/>
+          </a:fontRef>
+        </p:style>
+        <p:txBody>
+          <a:bodyPr rtlCol="0" anchor="ctr"/>
+          <a:lstStyle/>
+          <a:p>
+            <a:r>
+              <a:rPr lang="en-US" altLang="ko-KR" sz="1200" dirty="0">
+                <a:solidFill>
+                  <a:schemeClr val="tx1">
+                    <a:lumMod val="95000"/>
+                    <a:lumOff val="5000"/>
+                  </a:schemeClr>
+                </a:solidFill>
+                <a:latin typeface="경기천년제목 Bold" panose="02020803020101020101" pitchFamily="18" charset="-127"/>
+                <a:ea typeface="경기천년제목 Bold" panose="02020803020101020101" pitchFamily="18" charset="-127"/>
+              </a:rPr>
+              <a:t>1-2</a:t>
+            </a:r>
+            <a:endParaRPr lang="ko-KR" altLang="en-US" sz="1200" dirty="0">
+              <a:solidFill>
+                <a:schemeClr val="tx1">
+                  <a:lumMod val="95000"/>
+                  <a:lumOff val="5000"/>
+                </a:schemeClr>
+              </a:solidFill>
+              <a:latin typeface="경기천년제목 Bold" panose="02020803020101020101" pitchFamily="18" charset="-127"/>
+              <a:ea typeface="경기천년제목 Bold" panose="02020803020101020101" pitchFamily="18" charset="-127"/>
+            </a:endParaRPr>
+          </a:p>
+        </p:txBody>
+      </p:sp>
+      <p:sp>
+        <p:nvSpPr>
+          <p:cNvPr id="26" name="사각형: 둥근 모서리 25">
+            <a:extLst>
+              <a:ext uri="{FF2B5EF4-FFF2-40B4-BE49-F238E27FC236}">
+                <a16:creationId xmlns:a16="http://schemas.microsoft.com/office/drawing/2014/main" id="{797CF115-FB20-BE91-4EF6-BA0C0D9EBDF1}"/>
+              </a:ext>
+            </a:extLst>
+          </p:cNvPr>
+          <p:cNvSpPr/>
+          <p:nvPr/>
+        </p:nvSpPr>
+        <p:spPr>
+          <a:xfrm>
+            <a:off x="5217319" y="4233808"/>
+            <a:ext cx="1757362" cy="559704"/>
+          </a:xfrm>
+          <a:prstGeom prst="roundRect">
+            <a:avLst>
+              <a:gd name="adj" fmla="val 35881"/>
+            </a:avLst>
+          </a:prstGeom>
+          <a:solidFill>
+            <a:srgbClr val="4086F4"/>
+          </a:solidFill>
+          <a:ln>
+            <a:noFill/>
+          </a:ln>
+        </p:spPr>
+        <p:style>
+          <a:lnRef idx="2">
+            <a:schemeClr val="accent1">
+              <a:shade val="50000"/>
+            </a:schemeClr>
+          </a:lnRef>
+          <a:fillRef idx="1">
+            <a:schemeClr val="accent1"/>
+          </a:fillRef>
+          <a:effectRef idx="0">
+            <a:schemeClr val="accent1"/>
+          </a:effectRef>
+          <a:fontRef idx="minor">
+            <a:schemeClr val="lt1"/>
+          </a:fontRef>
+        </p:style>
+        <p:txBody>
+          <a:bodyPr rtlCol="0" anchor="ctr"/>
+          <a:lstStyle/>
+          <a:p>
+            <a:pPr algn="ctr"/>
+            <a:endParaRPr lang="ko-KR" altLang="en-US" sz="1200" dirty="0">
+              <a:latin typeface="경기천년제목 Light" panose="02020403020101020101" pitchFamily="18" charset="-127"/>
+              <a:ea typeface="경기천년제목 Light" panose="02020403020101020101" pitchFamily="18" charset="-127"/>
+            </a:endParaRPr>
+          </a:p>
+        </p:txBody>
+      </p:sp>
+      <p:sp>
+        <p:nvSpPr>
+          <p:cNvPr id="27" name="사각형: 둥근 모서리 26">
+            <a:extLst>
+              <a:ext uri="{FF2B5EF4-FFF2-40B4-BE49-F238E27FC236}">
+                <a16:creationId xmlns:a16="http://schemas.microsoft.com/office/drawing/2014/main" id="{A086D75B-79DD-929E-776D-22E1BD8D0B53}"/>
+              </a:ext>
+            </a:extLst>
+          </p:cNvPr>
+          <p:cNvSpPr/>
+          <p:nvPr/>
+        </p:nvSpPr>
+        <p:spPr>
+          <a:xfrm>
+            <a:off x="6396038" y="4296271"/>
+            <a:ext cx="538162" cy="434777"/>
+          </a:xfrm>
+          <a:prstGeom prst="roundRect">
+            <a:avLst>
+              <a:gd name="adj" fmla="val 35881"/>
+            </a:avLst>
+          </a:prstGeom>
+          <a:solidFill>
+            <a:srgbClr val="F4B600"/>
+          </a:solidFill>
+          <a:ln>
+            <a:noFill/>
+          </a:ln>
+        </p:spPr>
+        <p:style>
+          <a:lnRef idx="2">
+            <a:schemeClr val="accent1">
+              <a:shade val="50000"/>
+            </a:schemeClr>
+          </a:lnRef>
+          <a:fillRef idx="1">
+            <a:schemeClr val="accent1"/>
+          </a:fillRef>
+          <a:effectRef idx="0">
+            <a:schemeClr val="accent1"/>
+          </a:effectRef>
+          <a:fontRef idx="minor">
+            <a:schemeClr val="lt1"/>
+          </a:fontRef>
+        </p:style>
+        <p:txBody>
+          <a:bodyPr rtlCol="0" anchor="ctr"/>
+          <a:lstStyle/>
+          <a:p>
+            <a:pPr algn="ctr"/>
+            <a:r>
+              <a:rPr lang="ko-KR" altLang="en-US" sz="1200" dirty="0">
+                <a:latin typeface="경기천년제목 Light" panose="02020403020101020101" pitchFamily="18" charset="-127"/>
+                <a:ea typeface="경기천년제목 Light" panose="02020403020101020101" pitchFamily="18" charset="-127"/>
+              </a:rPr>
+              <a:t>시작</a:t>
+            </a:r>
+          </a:p>
+        </p:txBody>
+      </p:sp>
+      <p:sp>
+        <p:nvSpPr>
+          <p:cNvPr id="29" name="사각형: 둥근 모서리 28">
+            <a:extLst>
+              <a:ext uri="{FF2B5EF4-FFF2-40B4-BE49-F238E27FC236}">
+                <a16:creationId xmlns:a16="http://schemas.microsoft.com/office/drawing/2014/main" id="{CA8E3DFC-A951-21BE-FE7B-7D2789119BCE}"/>
+              </a:ext>
+            </a:extLst>
+          </p:cNvPr>
+          <p:cNvSpPr/>
+          <p:nvPr/>
+        </p:nvSpPr>
+        <p:spPr>
+          <a:xfrm>
+            <a:off x="5257800" y="4296270"/>
+            <a:ext cx="1676400" cy="434777"/>
+          </a:xfrm>
+          <a:prstGeom prst="roundRect">
+            <a:avLst>
+              <a:gd name="adj" fmla="val 35881"/>
+            </a:avLst>
+          </a:prstGeom>
+          <a:noFill/>
+          <a:ln>
+            <a:noFill/>
+          </a:ln>
+        </p:spPr>
+        <p:style>
+          <a:lnRef idx="2">
+            <a:schemeClr val="accent1">
+              <a:shade val="50000"/>
+            </a:schemeClr>
+          </a:lnRef>
+          <a:fillRef idx="1">
+            <a:schemeClr val="accent1"/>
+          </a:fillRef>
+          <a:effectRef idx="0">
+            <a:schemeClr val="accent1"/>
+          </a:effectRef>
+          <a:fontRef idx="minor">
+            <a:schemeClr val="lt1"/>
+          </a:fontRef>
+        </p:style>
+        <p:txBody>
+          <a:bodyPr rtlCol="0" anchor="ctr"/>
+          <a:lstStyle/>
+          <a:p>
+            <a:r>
+              <a:rPr lang="en-US" altLang="ko-KR" sz="1200" dirty="0">
+                <a:solidFill>
+                  <a:schemeClr val="tx1">
+                    <a:lumMod val="95000"/>
+                    <a:lumOff val="5000"/>
+                  </a:schemeClr>
+                </a:solidFill>
+                <a:latin typeface="경기천년제목 Bold" panose="02020803020101020101" pitchFamily="18" charset="-127"/>
+                <a:ea typeface="경기천년제목 Bold" panose="02020803020101020101" pitchFamily="18" charset="-127"/>
+              </a:rPr>
+              <a:t>1-3</a:t>
+            </a:r>
+            <a:endParaRPr lang="ko-KR" altLang="en-US" sz="1200" dirty="0">
+              <a:solidFill>
+                <a:schemeClr val="tx1">
+                  <a:lumMod val="95000"/>
+                  <a:lumOff val="5000"/>
+                </a:schemeClr>
+              </a:solidFill>
+              <a:latin typeface="경기천년제목 Bold" panose="02020803020101020101" pitchFamily="18" charset="-127"/>
+              <a:ea typeface="경기천년제목 Bold" panose="02020803020101020101" pitchFamily="18" charset="-127"/>
+            </a:endParaRPr>
+          </a:p>
+        </p:txBody>
+      </p:sp>
+      <p:sp>
+        <p:nvSpPr>
+          <p:cNvPr id="37" name="사각형: 둥근 모서리 36">
+            <a:extLst>
+              <a:ext uri="{FF2B5EF4-FFF2-40B4-BE49-F238E27FC236}">
+                <a16:creationId xmlns:a16="http://schemas.microsoft.com/office/drawing/2014/main" id="{6CD25EEC-4964-CC5B-DF21-5C0345CB27EB}"/>
+              </a:ext>
+            </a:extLst>
+          </p:cNvPr>
+          <p:cNvSpPr/>
+          <p:nvPr/>
+        </p:nvSpPr>
+        <p:spPr>
+          <a:xfrm>
+            <a:off x="5217319" y="4855974"/>
+            <a:ext cx="1757362" cy="559704"/>
+          </a:xfrm>
+          <a:prstGeom prst="roundRect">
+            <a:avLst>
+              <a:gd name="adj" fmla="val 35881"/>
+            </a:avLst>
+          </a:prstGeom>
+          <a:solidFill>
+            <a:srgbClr val="4086F4"/>
+          </a:solidFill>
+          <a:ln>
+            <a:noFill/>
+          </a:ln>
+        </p:spPr>
+        <p:style>
+          <a:lnRef idx="2">
+            <a:schemeClr val="accent1">
+              <a:shade val="50000"/>
+            </a:schemeClr>
+          </a:lnRef>
+          <a:fillRef idx="1">
+            <a:schemeClr val="accent1"/>
+          </a:fillRef>
+          <a:effectRef idx="0">
+            <a:schemeClr val="accent1"/>
+          </a:effectRef>
+          <a:fontRef idx="minor">
+            <a:schemeClr val="lt1"/>
+          </a:fontRef>
+        </p:style>
+        <p:txBody>
+          <a:bodyPr rtlCol="0" anchor="ctr"/>
+          <a:lstStyle/>
+          <a:p>
+            <a:pPr algn="ctr"/>
+            <a:endParaRPr lang="ko-KR" altLang="en-US" sz="1200" dirty="0">
+              <a:latin typeface="경기천년제목 Light" panose="02020403020101020101" pitchFamily="18" charset="-127"/>
+              <a:ea typeface="경기천년제목 Light" panose="02020403020101020101" pitchFamily="18" charset="-127"/>
+            </a:endParaRPr>
+          </a:p>
+        </p:txBody>
+      </p:sp>
+      <p:sp>
+        <p:nvSpPr>
+          <p:cNvPr id="38" name="사각형: 둥근 모서리 37">
+            <a:extLst>
+              <a:ext uri="{FF2B5EF4-FFF2-40B4-BE49-F238E27FC236}">
+                <a16:creationId xmlns:a16="http://schemas.microsoft.com/office/drawing/2014/main" id="{49F6B2FD-6196-8141-6973-DD3F900A23A1}"/>
+              </a:ext>
+            </a:extLst>
+          </p:cNvPr>
+          <p:cNvSpPr/>
+          <p:nvPr/>
+        </p:nvSpPr>
+        <p:spPr>
+          <a:xfrm>
+            <a:off x="6396038" y="4918437"/>
+            <a:ext cx="538162" cy="434777"/>
+          </a:xfrm>
+          <a:prstGeom prst="roundRect">
+            <a:avLst>
+              <a:gd name="adj" fmla="val 35881"/>
+            </a:avLst>
+          </a:prstGeom>
+          <a:solidFill>
+            <a:srgbClr val="F4B600"/>
+          </a:solidFill>
+          <a:ln>
+            <a:noFill/>
+          </a:ln>
+        </p:spPr>
+        <p:style>
+          <a:lnRef idx="2">
+            <a:schemeClr val="accent1">
+              <a:shade val="50000"/>
+            </a:schemeClr>
+          </a:lnRef>
+          <a:fillRef idx="1">
+            <a:schemeClr val="accent1"/>
+          </a:fillRef>
+          <a:effectRef idx="0">
+            <a:schemeClr val="accent1"/>
+          </a:effectRef>
+          <a:fontRef idx="minor">
+            <a:schemeClr val="lt1"/>
+          </a:fontRef>
+        </p:style>
+        <p:txBody>
+          <a:bodyPr rtlCol="0" anchor="ctr"/>
+          <a:lstStyle/>
+          <a:p>
+            <a:pPr algn="ctr"/>
+            <a:r>
+              <a:rPr lang="ko-KR" altLang="en-US" sz="1200" dirty="0">
+                <a:latin typeface="경기천년제목 Light" panose="02020403020101020101" pitchFamily="18" charset="-127"/>
+                <a:ea typeface="경기천년제목 Light" panose="02020403020101020101" pitchFamily="18" charset="-127"/>
+              </a:rPr>
+              <a:t>시작</a:t>
+            </a:r>
+          </a:p>
+        </p:txBody>
+      </p:sp>
+      <p:sp>
+        <p:nvSpPr>
+          <p:cNvPr id="39" name="사각형: 둥근 모서리 38">
+            <a:extLst>
+              <a:ext uri="{FF2B5EF4-FFF2-40B4-BE49-F238E27FC236}">
+                <a16:creationId xmlns:a16="http://schemas.microsoft.com/office/drawing/2014/main" id="{31B0D915-350B-1507-9923-90E47E19ECE0}"/>
+              </a:ext>
+            </a:extLst>
+          </p:cNvPr>
+          <p:cNvSpPr/>
+          <p:nvPr/>
+        </p:nvSpPr>
+        <p:spPr>
+          <a:xfrm>
+            <a:off x="5257800" y="4918436"/>
+            <a:ext cx="1676400" cy="434777"/>
+          </a:xfrm>
+          <a:prstGeom prst="roundRect">
+            <a:avLst>
+              <a:gd name="adj" fmla="val 35881"/>
+            </a:avLst>
+          </a:prstGeom>
+          <a:noFill/>
+          <a:ln>
+            <a:noFill/>
+          </a:ln>
+        </p:spPr>
+        <p:style>
+          <a:lnRef idx="2">
+            <a:schemeClr val="accent1">
+              <a:shade val="50000"/>
+            </a:schemeClr>
+          </a:lnRef>
+          <a:fillRef idx="1">
+            <a:schemeClr val="accent1"/>
+          </a:fillRef>
+          <a:effectRef idx="0">
+            <a:schemeClr val="accent1"/>
+          </a:effectRef>
+          <a:fontRef idx="minor">
+            <a:schemeClr val="lt1"/>
+          </a:fontRef>
+        </p:style>
+        <p:txBody>
+          <a:bodyPr rtlCol="0" anchor="ctr"/>
+          <a:lstStyle/>
+          <a:p>
+            <a:r>
+              <a:rPr lang="en-US" altLang="ko-KR" sz="1200" dirty="0">
+                <a:solidFill>
+                  <a:schemeClr val="tx1">
+                    <a:lumMod val="95000"/>
+                    <a:lumOff val="5000"/>
+                  </a:schemeClr>
+                </a:solidFill>
+                <a:latin typeface="경기천년제목 Bold" panose="02020803020101020101" pitchFamily="18" charset="-127"/>
+                <a:ea typeface="경기천년제목 Bold" panose="02020803020101020101" pitchFamily="18" charset="-127"/>
+              </a:rPr>
+              <a:t>1-4</a:t>
+            </a:r>
+            <a:endParaRPr lang="ko-KR" altLang="en-US" sz="1200" dirty="0">
+              <a:solidFill>
+                <a:schemeClr val="tx1">
+                  <a:lumMod val="95000"/>
+                  <a:lumOff val="5000"/>
+                </a:schemeClr>
+              </a:solidFill>
+              <a:latin typeface="경기천년제목 Bold" panose="02020803020101020101" pitchFamily="18" charset="-127"/>
+              <a:ea typeface="경기천년제목 Bold" panose="02020803020101020101" pitchFamily="18" charset="-127"/>
+            </a:endParaRPr>
+          </a:p>
+        </p:txBody>
+      </p:sp>
+    </p:spTree>
+    <p:extLst>
+      <p:ext uri="{BB962C8B-B14F-4D97-AF65-F5344CB8AC3E}">
+        <p14:creationId xmlns:p14="http://schemas.microsoft.com/office/powerpoint/2010/main" val="3720294832"/>
+      </p:ext>
+    </p:extLst>
+  </p:cSld>
+  <p:clrMapOvr>
+    <a:masterClrMapping/>
+  </p:clrMapOvr>
+</p:sld>
+</file>
+
 <file path=ppt/slides/slide2.xml><?xml version="1.0" encoding="utf-8"?>
 <p:sld xmlns:a="http://schemas.openxmlformats.org/drawingml/2006/main" xmlns:r="http://schemas.openxmlformats.org/officeDocument/2006/relationships" xmlns:p="http://schemas.openxmlformats.org/presentationml/2006/main">
   <p:cSld>
@@ -4284,7 +6258,7 @@
         </p:nvSpPr>
         <p:spPr>
           <a:xfrm>
-            <a:off x="1235074" y="2975853"/>
+            <a:off x="1235074" y="3098379"/>
             <a:ext cx="1265129" cy="459357"/>
           </a:xfrm>
           <a:prstGeom prst="roundRect">
@@ -4343,8 +6317,8 @@
         </p:nvCxnSpPr>
         <p:spPr>
           <a:xfrm>
-            <a:off x="1867639" y="3435210"/>
-            <a:ext cx="1" cy="344518"/>
+            <a:off x="1867639" y="3557736"/>
+            <a:ext cx="1" cy="221992"/>
           </a:xfrm>
           <a:prstGeom prst="straightConnector1">
             <a:avLst/>
@@ -5530,6 +7504,107 @@
           <a:xfrm>
             <a:off x="8818323" y="4267252"/>
             <a:ext cx="418361" cy="0"/>
+          </a:xfrm>
+          <a:prstGeom prst="straightConnector1">
+            <a:avLst/>
+          </a:prstGeom>
+          <a:ln w="38100">
+            <a:solidFill>
+              <a:srgbClr val="DC4234"/>
+            </a:solidFill>
+            <a:tailEnd type="triangle"/>
+          </a:ln>
+        </p:spPr>
+        <p:style>
+          <a:lnRef idx="1">
+            <a:schemeClr val="accent1"/>
+          </a:lnRef>
+          <a:fillRef idx="0">
+            <a:schemeClr val="accent1"/>
+          </a:fillRef>
+          <a:effectRef idx="0">
+            <a:schemeClr val="accent1"/>
+          </a:effectRef>
+          <a:fontRef idx="minor">
+            <a:schemeClr val="tx1"/>
+          </a:fontRef>
+        </p:style>
+      </p:cxnSp>
+      <p:sp>
+        <p:nvSpPr>
+          <p:cNvPr id="31" name="사각형: 둥근 모서리 30">
+            <a:extLst>
+              <a:ext uri="{FF2B5EF4-FFF2-40B4-BE49-F238E27FC236}">
+                <a16:creationId xmlns:a16="http://schemas.microsoft.com/office/drawing/2014/main" id="{01CE7149-E03D-9426-343E-14701F03E0EF}"/>
+              </a:ext>
+            </a:extLst>
+          </p:cNvPr>
+          <p:cNvSpPr/>
+          <p:nvPr/>
+        </p:nvSpPr>
+        <p:spPr>
+          <a:xfrm>
+            <a:off x="1235074" y="2399570"/>
+            <a:ext cx="1265129" cy="459357"/>
+          </a:xfrm>
+          <a:prstGeom prst="roundRect">
+            <a:avLst/>
+          </a:prstGeom>
+          <a:solidFill>
+            <a:srgbClr val="069E57"/>
+          </a:solidFill>
+          <a:ln>
+            <a:noFill/>
+          </a:ln>
+        </p:spPr>
+        <p:style>
+          <a:lnRef idx="2">
+            <a:schemeClr val="accent1">
+              <a:shade val="50000"/>
+            </a:schemeClr>
+          </a:lnRef>
+          <a:fillRef idx="1">
+            <a:schemeClr val="accent1"/>
+          </a:fillRef>
+          <a:effectRef idx="0">
+            <a:schemeClr val="accent1"/>
+          </a:effectRef>
+          <a:fontRef idx="minor">
+            <a:schemeClr val="lt1"/>
+          </a:fontRef>
+        </p:style>
+        <p:txBody>
+          <a:bodyPr rtlCol="0" anchor="ctr"/>
+          <a:lstStyle/>
+          <a:p>
+            <a:pPr algn="ctr"/>
+            <a:r>
+              <a:rPr lang="ko-KR" altLang="en-US" dirty="0"/>
+              <a:t>로딩</a:t>
+            </a:r>
+          </a:p>
+        </p:txBody>
+      </p:sp>
+      <p:cxnSp>
+        <p:nvCxnSpPr>
+          <p:cNvPr id="32" name="직선 화살표 연결선 31">
+            <a:extLst>
+              <a:ext uri="{FF2B5EF4-FFF2-40B4-BE49-F238E27FC236}">
+                <a16:creationId xmlns:a16="http://schemas.microsoft.com/office/drawing/2014/main" id="{A2AD933E-CD69-A0E6-6698-B72EEEE025E6}"/>
+              </a:ext>
+            </a:extLst>
+          </p:cNvPr>
+          <p:cNvCxnSpPr>
+            <a:cxnSpLocks/>
+            <a:stCxn id="31" idx="2"/>
+            <a:endCxn id="3" idx="0"/>
+          </p:cNvCxnSpPr>
+          <p:nvPr/>
+        </p:nvCxnSpPr>
+        <p:spPr>
+          <a:xfrm>
+            <a:off x="1867639" y="2858927"/>
+            <a:ext cx="0" cy="239452"/>
           </a:xfrm>
           <a:prstGeom prst="straightConnector1">
             <a:avLst/>
@@ -5588,71 +7663,26 @@
       </p:grpSpPr>
       <p:sp>
         <p:nvSpPr>
-          <p:cNvPr id="4" name="TextBox 3">
-            <a:extLst>
-              <a:ext uri="{FF2B5EF4-FFF2-40B4-BE49-F238E27FC236}">
-                <a16:creationId xmlns:a16="http://schemas.microsoft.com/office/drawing/2014/main" id="{413E6483-E9AB-F50F-14F2-8E59DB84EEDA}"/>
-              </a:ext>
-            </a:extLst>
-          </p:cNvPr>
-          <p:cNvSpPr txBox="1"/>
-          <p:nvPr/>
-        </p:nvSpPr>
-        <p:spPr>
-          <a:xfrm>
-            <a:off x="1299990" y="827179"/>
-            <a:ext cx="3899971" cy="646331"/>
+          <p:cNvPr id="7" name="직사각형 6">
+            <a:extLst>
+              <a:ext uri="{FF2B5EF4-FFF2-40B4-BE49-F238E27FC236}">
+                <a16:creationId xmlns:a16="http://schemas.microsoft.com/office/drawing/2014/main" id="{00E1B878-92BE-9BB3-80C5-1B02A7C9AD93}"/>
+              </a:ext>
+            </a:extLst>
+          </p:cNvPr>
+          <p:cNvSpPr/>
+          <p:nvPr/>
+        </p:nvSpPr>
+        <p:spPr>
+          <a:xfrm>
+            <a:off x="4955328" y="2514600"/>
+            <a:ext cx="2281344" cy="2328588"/>
           </a:xfrm>
           <a:prstGeom prst="rect">
             <a:avLst/>
           </a:prstGeom>
-          <a:noFill/>
-        </p:spPr>
-        <p:txBody>
-          <a:bodyPr wrap="square" rtlCol="0">
-            <a:spAutoFit/>
-          </a:bodyPr>
-          <a:lstStyle/>
-          <a:p>
-            <a:r>
-              <a:rPr lang="en-US" altLang="ko-KR" sz="3600" dirty="0">
-                <a:latin typeface="경기천년제목 Bold" panose="02020803020101020101" pitchFamily="18" charset="-127"/>
-                <a:ea typeface="경기천년제목 Bold" panose="02020803020101020101" pitchFamily="18" charset="-127"/>
-              </a:rPr>
-              <a:t>UI </a:t>
-            </a:r>
-            <a:r>
-              <a:rPr lang="ko-KR" altLang="en-US" sz="3600" dirty="0">
-                <a:latin typeface="경기천년제목 Bold" panose="02020803020101020101" pitchFamily="18" charset="-127"/>
-                <a:ea typeface="경기천년제목 Bold" panose="02020803020101020101" pitchFamily="18" charset="-127"/>
-              </a:rPr>
-              <a:t>구성</a:t>
-            </a:r>
-          </a:p>
-        </p:txBody>
-      </p:sp>
-      <p:sp>
-        <p:nvSpPr>
-          <p:cNvPr id="5" name="직사각형 4">
-            <a:extLst>
-              <a:ext uri="{FF2B5EF4-FFF2-40B4-BE49-F238E27FC236}">
-                <a16:creationId xmlns:a16="http://schemas.microsoft.com/office/drawing/2014/main" id="{A49C3287-B3D9-D2B6-DE01-F7A96F1F2705}"/>
-              </a:ext>
-            </a:extLst>
-          </p:cNvPr>
-          <p:cNvSpPr/>
-          <p:nvPr/>
-        </p:nvSpPr>
-        <p:spPr>
-          <a:xfrm>
-            <a:off x="1235710" y="944563"/>
-            <a:ext cx="52962" cy="442699"/>
-          </a:xfrm>
-          <a:prstGeom prst="rect">
-            <a:avLst/>
-          </a:prstGeom>
           <a:solidFill>
-            <a:srgbClr val="F4B600"/>
+            <a:srgbClr val="4086F4"/>
           </a:solidFill>
           <a:ln>
             <a:noFill/>
@@ -5683,10 +7713,3860 @@
           </a:p>
         </p:txBody>
       </p:sp>
+      <p:sp>
+        <p:nvSpPr>
+          <p:cNvPr id="4" name="TextBox 3">
+            <a:extLst>
+              <a:ext uri="{FF2B5EF4-FFF2-40B4-BE49-F238E27FC236}">
+                <a16:creationId xmlns:a16="http://schemas.microsoft.com/office/drawing/2014/main" id="{413E6483-E9AB-F50F-14F2-8E59DB84EEDA}"/>
+              </a:ext>
+            </a:extLst>
+          </p:cNvPr>
+          <p:cNvSpPr txBox="1"/>
+          <p:nvPr/>
+        </p:nvSpPr>
+        <p:spPr>
+          <a:xfrm>
+            <a:off x="1299990" y="827179"/>
+            <a:ext cx="3899971" cy="646331"/>
+          </a:xfrm>
+          <a:prstGeom prst="rect">
+            <a:avLst/>
+          </a:prstGeom>
+          <a:noFill/>
+        </p:spPr>
+        <p:txBody>
+          <a:bodyPr wrap="square" rtlCol="0">
+            <a:spAutoFit/>
+          </a:bodyPr>
+          <a:lstStyle/>
+          <a:p>
+            <a:r>
+              <a:rPr lang="en-US" altLang="ko-KR" sz="3600" dirty="0">
+                <a:latin typeface="경기천년제목 Bold" panose="02020803020101020101" pitchFamily="18" charset="-127"/>
+                <a:ea typeface="경기천년제목 Bold" panose="02020803020101020101" pitchFamily="18" charset="-127"/>
+              </a:rPr>
+              <a:t>UI </a:t>
+            </a:r>
+            <a:r>
+              <a:rPr lang="ko-KR" altLang="en-US" sz="3600" dirty="0">
+                <a:latin typeface="경기천년제목 Bold" panose="02020803020101020101" pitchFamily="18" charset="-127"/>
+                <a:ea typeface="경기천년제목 Bold" panose="02020803020101020101" pitchFamily="18" charset="-127"/>
+              </a:rPr>
+              <a:t>구성</a:t>
+            </a:r>
+          </a:p>
+        </p:txBody>
+      </p:sp>
+      <p:sp>
+        <p:nvSpPr>
+          <p:cNvPr id="5" name="직사각형 4">
+            <a:extLst>
+              <a:ext uri="{FF2B5EF4-FFF2-40B4-BE49-F238E27FC236}">
+                <a16:creationId xmlns:a16="http://schemas.microsoft.com/office/drawing/2014/main" id="{A49C3287-B3D9-D2B6-DE01-F7A96F1F2705}"/>
+              </a:ext>
+            </a:extLst>
+          </p:cNvPr>
+          <p:cNvSpPr/>
+          <p:nvPr/>
+        </p:nvSpPr>
+        <p:spPr>
+          <a:xfrm>
+            <a:off x="1235710" y="944563"/>
+            <a:ext cx="52962" cy="442699"/>
+          </a:xfrm>
+          <a:prstGeom prst="rect">
+            <a:avLst/>
+          </a:prstGeom>
+          <a:solidFill>
+            <a:srgbClr val="F4B600"/>
+          </a:solidFill>
+          <a:ln>
+            <a:noFill/>
+          </a:ln>
+        </p:spPr>
+        <p:style>
+          <a:lnRef idx="2">
+            <a:schemeClr val="accent1">
+              <a:shade val="50000"/>
+            </a:schemeClr>
+          </a:lnRef>
+          <a:fillRef idx="1">
+            <a:schemeClr val="accent1"/>
+          </a:fillRef>
+          <a:effectRef idx="0">
+            <a:schemeClr val="accent1"/>
+          </a:effectRef>
+          <a:fontRef idx="minor">
+            <a:schemeClr val="lt1"/>
+          </a:fontRef>
+        </p:style>
+        <p:txBody>
+          <a:bodyPr rtlCol="0" anchor="ctr"/>
+          <a:lstStyle/>
+          <a:p>
+            <a:pPr algn="ctr"/>
+            <a:endParaRPr lang="ko-KR" altLang="en-US"/>
+          </a:p>
+        </p:txBody>
+      </p:sp>
+      <p:sp>
+        <p:nvSpPr>
+          <p:cNvPr id="2" name="사각형: 둥근 모서리 1">
+            <a:extLst>
+              <a:ext uri="{FF2B5EF4-FFF2-40B4-BE49-F238E27FC236}">
+                <a16:creationId xmlns:a16="http://schemas.microsoft.com/office/drawing/2014/main" id="{B267257D-CCDA-1B23-312E-042E86FF2DD7}"/>
+              </a:ext>
+            </a:extLst>
+          </p:cNvPr>
+          <p:cNvSpPr/>
+          <p:nvPr/>
+        </p:nvSpPr>
+        <p:spPr>
+          <a:xfrm>
+            <a:off x="4955328" y="1387262"/>
+            <a:ext cx="2281344" cy="4562688"/>
+          </a:xfrm>
+          <a:prstGeom prst="roundRect">
+            <a:avLst/>
+          </a:prstGeom>
+          <a:noFill/>
+          <a:ln>
+            <a:solidFill>
+              <a:srgbClr val="4086F4"/>
+            </a:solidFill>
+          </a:ln>
+          <a:effectLst>
+            <a:outerShdw blurRad="50800" dist="38100" dir="5400000" algn="t" rotWithShape="0">
+              <a:prstClr val="black">
+                <a:alpha val="40000"/>
+              </a:prstClr>
+            </a:outerShdw>
+          </a:effectLst>
+        </p:spPr>
+        <p:style>
+          <a:lnRef idx="2">
+            <a:schemeClr val="accent1">
+              <a:shade val="50000"/>
+            </a:schemeClr>
+          </a:lnRef>
+          <a:fillRef idx="1">
+            <a:schemeClr val="accent1"/>
+          </a:fillRef>
+          <a:effectRef idx="0">
+            <a:schemeClr val="accent1"/>
+          </a:effectRef>
+          <a:fontRef idx="minor">
+            <a:schemeClr val="lt1"/>
+          </a:fontRef>
+        </p:style>
+        <p:txBody>
+          <a:bodyPr rtlCol="0" anchor="ctr"/>
+          <a:lstStyle/>
+          <a:p>
+            <a:pPr algn="ctr"/>
+            <a:endParaRPr lang="ko-KR" altLang="en-US"/>
+          </a:p>
+        </p:txBody>
+      </p:sp>
+      <p:sp>
+        <p:nvSpPr>
+          <p:cNvPr id="6" name="TextBox 5">
+            <a:extLst>
+              <a:ext uri="{FF2B5EF4-FFF2-40B4-BE49-F238E27FC236}">
+                <a16:creationId xmlns:a16="http://schemas.microsoft.com/office/drawing/2014/main" id="{6A9B688E-6817-66DD-242A-A346648F60D0}"/>
+              </a:ext>
+            </a:extLst>
+          </p:cNvPr>
+          <p:cNvSpPr txBox="1"/>
+          <p:nvPr/>
+        </p:nvSpPr>
+        <p:spPr>
+          <a:xfrm>
+            <a:off x="1151255" y="1712962"/>
+            <a:ext cx="3040961" cy="1203406"/>
+          </a:xfrm>
+          <a:prstGeom prst="rect">
+            <a:avLst/>
+          </a:prstGeom>
+          <a:noFill/>
+        </p:spPr>
+        <p:txBody>
+          <a:bodyPr wrap="square" rtlCol="0">
+            <a:spAutoFit/>
+          </a:bodyPr>
+          <a:lstStyle/>
+          <a:p>
+            <a:pPr>
+              <a:lnSpc>
+                <a:spcPct val="150000"/>
+              </a:lnSpc>
+            </a:pPr>
+            <a:r>
+              <a:rPr lang="ko-KR" altLang="en-US" dirty="0">
+                <a:latin typeface="경기천년제목 Medium" panose="02020603020101020101" pitchFamily="18" charset="-127"/>
+                <a:ea typeface="경기천년제목 Medium" panose="02020603020101020101" pitchFamily="18" charset="-127"/>
+              </a:rPr>
+              <a:t>로딩</a:t>
+            </a:r>
+            <a:endParaRPr lang="en-US" altLang="ko-KR" dirty="0">
+              <a:latin typeface="경기천년제목 Medium" panose="02020603020101020101" pitchFamily="18" charset="-127"/>
+              <a:ea typeface="경기천년제목 Medium" panose="02020603020101020101" pitchFamily="18" charset="-127"/>
+            </a:endParaRPr>
+          </a:p>
+          <a:p>
+            <a:pPr>
+              <a:lnSpc>
+                <a:spcPct val="150000"/>
+              </a:lnSpc>
+            </a:pPr>
+            <a:r>
+              <a:rPr lang="ko-KR" altLang="en-US" sz="1600" dirty="0">
+                <a:latin typeface="경기천년제목 Light" panose="02020403020101020101" pitchFamily="18" charset="-127"/>
+                <a:ea typeface="경기천년제목 Light" panose="02020403020101020101" pitchFamily="18" charset="-127"/>
+              </a:rPr>
+              <a:t>미니게임</a:t>
+            </a:r>
+            <a:r>
+              <a:rPr lang="en-US" altLang="ko-KR" sz="1600" dirty="0">
+                <a:latin typeface="경기천년제목 Light" panose="02020403020101020101" pitchFamily="18" charset="-127"/>
+                <a:ea typeface="경기천년제목 Light" panose="02020403020101020101" pitchFamily="18" charset="-127"/>
+              </a:rPr>
+              <a:t> </a:t>
+            </a:r>
+            <a:r>
+              <a:rPr lang="ko-KR" altLang="en-US" sz="1600" dirty="0">
+                <a:latin typeface="경기천년제목 Light" panose="02020403020101020101" pitchFamily="18" charset="-127"/>
+                <a:ea typeface="경기천년제목 Light" panose="02020403020101020101" pitchFamily="18" charset="-127"/>
+              </a:rPr>
+              <a:t>진행과</a:t>
+            </a:r>
+            <a:endParaRPr lang="en-US" altLang="ko-KR" sz="1600" dirty="0">
+              <a:latin typeface="경기천년제목 Light" panose="02020403020101020101" pitchFamily="18" charset="-127"/>
+              <a:ea typeface="경기천년제목 Light" panose="02020403020101020101" pitchFamily="18" charset="-127"/>
+            </a:endParaRPr>
+          </a:p>
+          <a:p>
+            <a:pPr>
+              <a:lnSpc>
+                <a:spcPct val="150000"/>
+              </a:lnSpc>
+            </a:pPr>
+            <a:r>
+              <a:rPr lang="ko-KR" altLang="en-US" sz="1600" dirty="0">
+                <a:latin typeface="경기천년제목 Light" panose="02020403020101020101" pitchFamily="18" charset="-127"/>
+                <a:ea typeface="경기천년제목 Light" panose="02020403020101020101" pitchFamily="18" charset="-127"/>
+              </a:rPr>
+              <a:t>로딩</a:t>
+            </a:r>
+            <a:endParaRPr lang="en-US" altLang="ko-KR" sz="1600" dirty="0">
+              <a:latin typeface="경기천년제목 Light" panose="02020403020101020101" pitchFamily="18" charset="-127"/>
+              <a:ea typeface="경기천년제목 Light" panose="02020403020101020101" pitchFamily="18" charset="-127"/>
+            </a:endParaRPr>
+          </a:p>
+        </p:txBody>
+      </p:sp>
+      <p:sp>
+        <p:nvSpPr>
+          <p:cNvPr id="3" name="사각형: 둥근 모서리 2">
+            <a:extLst>
+              <a:ext uri="{FF2B5EF4-FFF2-40B4-BE49-F238E27FC236}">
+                <a16:creationId xmlns:a16="http://schemas.microsoft.com/office/drawing/2014/main" id="{6CA1D39F-0AAC-B2DA-E50C-7ECFE7F0143B}"/>
+              </a:ext>
+            </a:extLst>
+          </p:cNvPr>
+          <p:cNvSpPr/>
+          <p:nvPr/>
+        </p:nvSpPr>
+        <p:spPr>
+          <a:xfrm>
+            <a:off x="5080002" y="5322400"/>
+            <a:ext cx="2031998" cy="148338"/>
+          </a:xfrm>
+          <a:prstGeom prst="roundRect">
+            <a:avLst/>
+          </a:prstGeom>
+          <a:solidFill>
+            <a:srgbClr val="F4B600"/>
+          </a:solidFill>
+          <a:ln>
+            <a:noFill/>
+          </a:ln>
+        </p:spPr>
+        <p:style>
+          <a:lnRef idx="2">
+            <a:schemeClr val="accent1">
+              <a:shade val="50000"/>
+            </a:schemeClr>
+          </a:lnRef>
+          <a:fillRef idx="1">
+            <a:schemeClr val="accent1"/>
+          </a:fillRef>
+          <a:effectRef idx="0">
+            <a:schemeClr val="accent1"/>
+          </a:effectRef>
+          <a:fontRef idx="minor">
+            <a:schemeClr val="lt1"/>
+          </a:fontRef>
+        </p:style>
+        <p:txBody>
+          <a:bodyPr rtlCol="0" anchor="ctr"/>
+          <a:lstStyle/>
+          <a:p>
+            <a:pPr algn="ctr"/>
+            <a:endParaRPr lang="ko-KR" altLang="en-US"/>
+          </a:p>
+        </p:txBody>
+      </p:sp>
+      <p:sp>
+        <p:nvSpPr>
+          <p:cNvPr id="8" name="타원 7">
+            <a:extLst>
+              <a:ext uri="{FF2B5EF4-FFF2-40B4-BE49-F238E27FC236}">
+                <a16:creationId xmlns:a16="http://schemas.microsoft.com/office/drawing/2014/main" id="{6D9F350C-4131-C8DC-186A-D8268CB06C80}"/>
+              </a:ext>
+            </a:extLst>
+          </p:cNvPr>
+          <p:cNvSpPr/>
+          <p:nvPr/>
+        </p:nvSpPr>
+        <p:spPr>
+          <a:xfrm>
+            <a:off x="5199961" y="3327263"/>
+            <a:ext cx="285750" cy="285750"/>
+          </a:xfrm>
+          <a:prstGeom prst="ellipse">
+            <a:avLst/>
+          </a:prstGeom>
+          <a:solidFill>
+            <a:srgbClr val="F4B600"/>
+          </a:solidFill>
+          <a:ln>
+            <a:noFill/>
+          </a:ln>
+        </p:spPr>
+        <p:style>
+          <a:lnRef idx="2">
+            <a:schemeClr val="accent1">
+              <a:shade val="50000"/>
+            </a:schemeClr>
+          </a:lnRef>
+          <a:fillRef idx="1">
+            <a:schemeClr val="accent1"/>
+          </a:fillRef>
+          <a:effectRef idx="0">
+            <a:schemeClr val="accent1"/>
+          </a:effectRef>
+          <a:fontRef idx="minor">
+            <a:schemeClr val="lt1"/>
+          </a:fontRef>
+        </p:style>
+        <p:txBody>
+          <a:bodyPr rtlCol="0" anchor="ctr"/>
+          <a:lstStyle/>
+          <a:p>
+            <a:pPr algn="ctr"/>
+            <a:endParaRPr lang="ko-KR" altLang="en-US"/>
+          </a:p>
+        </p:txBody>
+      </p:sp>
+      <p:sp>
+        <p:nvSpPr>
+          <p:cNvPr id="9" name="직사각형 8">
+            <a:extLst>
+              <a:ext uri="{FF2B5EF4-FFF2-40B4-BE49-F238E27FC236}">
+                <a16:creationId xmlns:a16="http://schemas.microsoft.com/office/drawing/2014/main" id="{E4312698-6D48-D906-BDBC-0E44852485E8}"/>
+              </a:ext>
+            </a:extLst>
+          </p:cNvPr>
+          <p:cNvSpPr/>
+          <p:nvPr/>
+        </p:nvSpPr>
+        <p:spPr>
+          <a:xfrm>
+            <a:off x="6822448" y="2514598"/>
+            <a:ext cx="285750" cy="1264921"/>
+          </a:xfrm>
+          <a:prstGeom prst="rect">
+            <a:avLst/>
+          </a:prstGeom>
+          <a:solidFill>
+            <a:srgbClr val="069E57"/>
+          </a:solidFill>
+          <a:ln>
+            <a:noFill/>
+          </a:ln>
+        </p:spPr>
+        <p:style>
+          <a:lnRef idx="2">
+            <a:schemeClr val="accent1">
+              <a:shade val="50000"/>
+            </a:schemeClr>
+          </a:lnRef>
+          <a:fillRef idx="1">
+            <a:schemeClr val="accent1"/>
+          </a:fillRef>
+          <a:effectRef idx="0">
+            <a:schemeClr val="accent1"/>
+          </a:effectRef>
+          <a:fontRef idx="minor">
+            <a:schemeClr val="lt1"/>
+          </a:fontRef>
+        </p:style>
+        <p:txBody>
+          <a:bodyPr rtlCol="0" anchor="ctr"/>
+          <a:lstStyle/>
+          <a:p>
+            <a:pPr algn="ctr"/>
+            <a:endParaRPr lang="ko-KR" altLang="en-US"/>
+          </a:p>
+        </p:txBody>
+      </p:sp>
+      <p:sp>
+        <p:nvSpPr>
+          <p:cNvPr id="10" name="직사각형 9">
+            <a:extLst>
+              <a:ext uri="{FF2B5EF4-FFF2-40B4-BE49-F238E27FC236}">
+                <a16:creationId xmlns:a16="http://schemas.microsoft.com/office/drawing/2014/main" id="{E1DDBEB3-A287-C6AF-79E5-94FFBE33F638}"/>
+              </a:ext>
+            </a:extLst>
+          </p:cNvPr>
+          <p:cNvSpPr/>
+          <p:nvPr/>
+        </p:nvSpPr>
+        <p:spPr>
+          <a:xfrm>
+            <a:off x="6822448" y="4191000"/>
+            <a:ext cx="285750" cy="652188"/>
+          </a:xfrm>
+          <a:prstGeom prst="rect">
+            <a:avLst/>
+          </a:prstGeom>
+          <a:solidFill>
+            <a:srgbClr val="069E57"/>
+          </a:solidFill>
+          <a:ln>
+            <a:noFill/>
+          </a:ln>
+        </p:spPr>
+        <p:style>
+          <a:lnRef idx="2">
+            <a:schemeClr val="accent1">
+              <a:shade val="50000"/>
+            </a:schemeClr>
+          </a:lnRef>
+          <a:fillRef idx="1">
+            <a:schemeClr val="accent1"/>
+          </a:fillRef>
+          <a:effectRef idx="0">
+            <a:schemeClr val="accent1"/>
+          </a:effectRef>
+          <a:fontRef idx="minor">
+            <a:schemeClr val="lt1"/>
+          </a:fontRef>
+        </p:style>
+        <p:txBody>
+          <a:bodyPr rtlCol="0" anchor="ctr"/>
+          <a:lstStyle/>
+          <a:p>
+            <a:pPr algn="ctr"/>
+            <a:endParaRPr lang="ko-KR" altLang="en-US"/>
+          </a:p>
+        </p:txBody>
+      </p:sp>
+      <p:sp>
+        <p:nvSpPr>
+          <p:cNvPr id="11" name="직사각형 10">
+            <a:extLst>
+              <a:ext uri="{FF2B5EF4-FFF2-40B4-BE49-F238E27FC236}">
+                <a16:creationId xmlns:a16="http://schemas.microsoft.com/office/drawing/2014/main" id="{9B40C3F8-1E3B-EA10-764F-B0C553F76B42}"/>
+              </a:ext>
+            </a:extLst>
+          </p:cNvPr>
+          <p:cNvSpPr/>
+          <p:nvPr/>
+        </p:nvSpPr>
+        <p:spPr>
+          <a:xfrm>
+            <a:off x="5773586" y="2514599"/>
+            <a:ext cx="285750" cy="1003137"/>
+          </a:xfrm>
+          <a:prstGeom prst="rect">
+            <a:avLst/>
+          </a:prstGeom>
+          <a:solidFill>
+            <a:srgbClr val="069E57"/>
+          </a:solidFill>
+          <a:ln>
+            <a:noFill/>
+          </a:ln>
+        </p:spPr>
+        <p:style>
+          <a:lnRef idx="2">
+            <a:schemeClr val="accent1">
+              <a:shade val="50000"/>
+            </a:schemeClr>
+          </a:lnRef>
+          <a:fillRef idx="1">
+            <a:schemeClr val="accent1"/>
+          </a:fillRef>
+          <a:effectRef idx="0">
+            <a:schemeClr val="accent1"/>
+          </a:effectRef>
+          <a:fontRef idx="minor">
+            <a:schemeClr val="lt1"/>
+          </a:fontRef>
+        </p:style>
+        <p:txBody>
+          <a:bodyPr rtlCol="0" anchor="ctr"/>
+          <a:lstStyle/>
+          <a:p>
+            <a:pPr algn="ctr"/>
+            <a:endParaRPr lang="ko-KR" altLang="en-US"/>
+          </a:p>
+        </p:txBody>
+      </p:sp>
+      <p:sp>
+        <p:nvSpPr>
+          <p:cNvPr id="12" name="직사각형 11">
+            <a:extLst>
+              <a:ext uri="{FF2B5EF4-FFF2-40B4-BE49-F238E27FC236}">
+                <a16:creationId xmlns:a16="http://schemas.microsoft.com/office/drawing/2014/main" id="{5FB6BA72-FB6F-B297-138D-2D307E118678}"/>
+              </a:ext>
+            </a:extLst>
+          </p:cNvPr>
+          <p:cNvSpPr/>
+          <p:nvPr/>
+        </p:nvSpPr>
+        <p:spPr>
+          <a:xfrm>
+            <a:off x="5773586" y="3909061"/>
+            <a:ext cx="285750" cy="934128"/>
+          </a:xfrm>
+          <a:prstGeom prst="rect">
+            <a:avLst/>
+          </a:prstGeom>
+          <a:solidFill>
+            <a:srgbClr val="069E57"/>
+          </a:solidFill>
+          <a:ln>
+            <a:noFill/>
+          </a:ln>
+        </p:spPr>
+        <p:style>
+          <a:lnRef idx="2">
+            <a:schemeClr val="accent1">
+              <a:shade val="50000"/>
+            </a:schemeClr>
+          </a:lnRef>
+          <a:fillRef idx="1">
+            <a:schemeClr val="accent1"/>
+          </a:fillRef>
+          <a:effectRef idx="0">
+            <a:schemeClr val="accent1"/>
+          </a:effectRef>
+          <a:fontRef idx="minor">
+            <a:schemeClr val="lt1"/>
+          </a:fontRef>
+        </p:style>
+        <p:txBody>
+          <a:bodyPr rtlCol="0" anchor="ctr"/>
+          <a:lstStyle/>
+          <a:p>
+            <a:pPr algn="ctr"/>
+            <a:endParaRPr lang="ko-KR" altLang="en-US"/>
+          </a:p>
+        </p:txBody>
+      </p:sp>
+      <p:sp>
+        <p:nvSpPr>
+          <p:cNvPr id="13" name="TextBox 12">
+            <a:extLst>
+              <a:ext uri="{FF2B5EF4-FFF2-40B4-BE49-F238E27FC236}">
+                <a16:creationId xmlns:a16="http://schemas.microsoft.com/office/drawing/2014/main" id="{1832A06F-CA60-B619-2C45-C21663A9BAF1}"/>
+              </a:ext>
+            </a:extLst>
+          </p:cNvPr>
+          <p:cNvSpPr txBox="1"/>
+          <p:nvPr/>
+        </p:nvSpPr>
+        <p:spPr>
+          <a:xfrm>
+            <a:off x="4955329" y="1912472"/>
+            <a:ext cx="2281344" cy="646331"/>
+          </a:xfrm>
+          <a:prstGeom prst="rect">
+            <a:avLst/>
+          </a:prstGeom>
+          <a:noFill/>
+        </p:spPr>
+        <p:txBody>
+          <a:bodyPr wrap="square" rtlCol="0">
+            <a:spAutoFit/>
+          </a:bodyPr>
+          <a:lstStyle/>
+          <a:p>
+            <a:pPr algn="ctr"/>
+            <a:r>
+              <a:rPr lang="en-US" altLang="ko-KR" dirty="0">
+                <a:latin typeface="경기천년제목 Bold" panose="02020803020101020101" pitchFamily="18" charset="-127"/>
+                <a:ea typeface="경기천년제목 Bold" panose="02020803020101020101" pitchFamily="18" charset="-127"/>
+              </a:rPr>
+              <a:t>SCORE</a:t>
+            </a:r>
+          </a:p>
+          <a:p>
+            <a:pPr algn="ctr"/>
+            <a:r>
+              <a:rPr lang="en-US" altLang="ko-KR" dirty="0">
+                <a:latin typeface="경기천년제목 Bold" panose="02020803020101020101" pitchFamily="18" charset="-127"/>
+                <a:ea typeface="경기천년제목 Bold" panose="02020803020101020101" pitchFamily="18" charset="-127"/>
+              </a:rPr>
+              <a:t>999999999999999</a:t>
+            </a:r>
+            <a:endParaRPr lang="ko-KR" altLang="en-US" dirty="0">
+              <a:latin typeface="경기천년제목 Bold" panose="02020803020101020101" pitchFamily="18" charset="-127"/>
+              <a:ea typeface="경기천년제목 Bold" panose="02020803020101020101" pitchFamily="18" charset="-127"/>
+            </a:endParaRPr>
+          </a:p>
+        </p:txBody>
+      </p:sp>
+      <p:sp>
+        <p:nvSpPr>
+          <p:cNvPr id="14" name="TextBox 13">
+            <a:extLst>
+              <a:ext uri="{FF2B5EF4-FFF2-40B4-BE49-F238E27FC236}">
+                <a16:creationId xmlns:a16="http://schemas.microsoft.com/office/drawing/2014/main" id="{AA71063C-53EF-43EB-001D-EB3A3B274760}"/>
+              </a:ext>
+            </a:extLst>
+          </p:cNvPr>
+          <p:cNvSpPr txBox="1"/>
+          <p:nvPr/>
+        </p:nvSpPr>
+        <p:spPr>
+          <a:xfrm>
+            <a:off x="5083804" y="5265764"/>
+            <a:ext cx="2024394" cy="261610"/>
+          </a:xfrm>
+          <a:prstGeom prst="rect">
+            <a:avLst/>
+          </a:prstGeom>
+          <a:noFill/>
+        </p:spPr>
+        <p:txBody>
+          <a:bodyPr wrap="square" rtlCol="0">
+            <a:spAutoFit/>
+          </a:bodyPr>
+          <a:lstStyle/>
+          <a:p>
+            <a:pPr algn="ctr"/>
+            <a:r>
+              <a:rPr lang="en-US" altLang="ko-KR" sz="1100" dirty="0">
+                <a:solidFill>
+                  <a:srgbClr val="DC4234"/>
+                </a:solidFill>
+                <a:latin typeface="경기천년제목 Bold" panose="02020803020101020101" pitchFamily="18" charset="-127"/>
+                <a:ea typeface="경기천년제목 Bold" panose="02020803020101020101" pitchFamily="18" charset="-127"/>
+              </a:rPr>
+              <a:t>Data Initialize...</a:t>
+            </a:r>
+            <a:endParaRPr lang="ko-KR" altLang="en-US" sz="1100" dirty="0">
+              <a:solidFill>
+                <a:srgbClr val="DC4234"/>
+              </a:solidFill>
+              <a:latin typeface="경기천년제목 Bold" panose="02020803020101020101" pitchFamily="18" charset="-127"/>
+              <a:ea typeface="경기천년제목 Bold" panose="02020803020101020101" pitchFamily="18" charset="-127"/>
+            </a:endParaRPr>
+          </a:p>
+        </p:txBody>
+      </p:sp>
     </p:spTree>
     <p:extLst>
       <p:ext uri="{BB962C8B-B14F-4D97-AF65-F5344CB8AC3E}">
         <p14:creationId xmlns:p14="http://schemas.microsoft.com/office/powerpoint/2010/main" val="1925703697"/>
+      </p:ext>
+    </p:extLst>
+  </p:cSld>
+  <p:clrMapOvr>
+    <a:masterClrMapping/>
+  </p:clrMapOvr>
+</p:sld>
+</file>
+
+<file path=ppt/slides/slide6.xml><?xml version="1.0" encoding="utf-8"?>
+<p:sld xmlns:a="http://schemas.openxmlformats.org/drawingml/2006/main" xmlns:r="http://schemas.openxmlformats.org/officeDocument/2006/relationships" xmlns:p="http://schemas.openxmlformats.org/presentationml/2006/main">
+  <p:cSld>
+    <p:spTree>
+      <p:nvGrpSpPr>
+        <p:cNvPr id="1" name=""/>
+        <p:cNvGrpSpPr/>
+        <p:nvPr/>
+      </p:nvGrpSpPr>
+      <p:grpSpPr>
+        <a:xfrm>
+          <a:off x="0" y="0"/>
+          <a:ext cx="0" cy="0"/>
+          <a:chOff x="0" y="0"/>
+          <a:chExt cx="0" cy="0"/>
+        </a:xfrm>
+      </p:grpSpPr>
+      <p:sp>
+        <p:nvSpPr>
+          <p:cNvPr id="3" name="직사각형 2">
+            <a:extLst>
+              <a:ext uri="{FF2B5EF4-FFF2-40B4-BE49-F238E27FC236}">
+                <a16:creationId xmlns:a16="http://schemas.microsoft.com/office/drawing/2014/main" id="{529DD73E-2734-8045-4232-17E0628A16BA}"/>
+              </a:ext>
+            </a:extLst>
+          </p:cNvPr>
+          <p:cNvSpPr/>
+          <p:nvPr/>
+        </p:nvSpPr>
+        <p:spPr>
+          <a:xfrm>
+            <a:off x="4955328" y="2175441"/>
+            <a:ext cx="2281344" cy="518638"/>
+          </a:xfrm>
+          <a:prstGeom prst="rect">
+            <a:avLst/>
+          </a:prstGeom>
+          <a:solidFill>
+            <a:srgbClr val="F4B600"/>
+          </a:solidFill>
+          <a:ln>
+            <a:noFill/>
+          </a:ln>
+        </p:spPr>
+        <p:style>
+          <a:lnRef idx="2">
+            <a:schemeClr val="accent1">
+              <a:shade val="50000"/>
+            </a:schemeClr>
+          </a:lnRef>
+          <a:fillRef idx="1">
+            <a:schemeClr val="accent1"/>
+          </a:fillRef>
+          <a:effectRef idx="0">
+            <a:schemeClr val="accent1"/>
+          </a:effectRef>
+          <a:fontRef idx="minor">
+            <a:schemeClr val="lt1"/>
+          </a:fontRef>
+        </p:style>
+        <p:txBody>
+          <a:bodyPr rtlCol="0" anchor="ctr"/>
+          <a:lstStyle/>
+          <a:p>
+            <a:pPr algn="ctr"/>
+            <a:r>
+              <a:rPr lang="en-US" altLang="ko-KR" dirty="0">
+                <a:latin typeface="경기천년제목 Light" panose="02020403020101020101" pitchFamily="18" charset="-127"/>
+                <a:ea typeface="경기천년제목 Light" panose="02020403020101020101" pitchFamily="18" charset="-127"/>
+              </a:rPr>
+              <a:t>Title</a:t>
+            </a:r>
+            <a:endParaRPr lang="ko-KR" altLang="en-US" dirty="0">
+              <a:latin typeface="경기천년제목 Light" panose="02020403020101020101" pitchFamily="18" charset="-127"/>
+              <a:ea typeface="경기천년제목 Light" panose="02020403020101020101" pitchFamily="18" charset="-127"/>
+            </a:endParaRPr>
+          </a:p>
+        </p:txBody>
+      </p:sp>
+      <p:sp>
+        <p:nvSpPr>
+          <p:cNvPr id="4" name="TextBox 3">
+            <a:extLst>
+              <a:ext uri="{FF2B5EF4-FFF2-40B4-BE49-F238E27FC236}">
+                <a16:creationId xmlns:a16="http://schemas.microsoft.com/office/drawing/2014/main" id="{413E6483-E9AB-F50F-14F2-8E59DB84EEDA}"/>
+              </a:ext>
+            </a:extLst>
+          </p:cNvPr>
+          <p:cNvSpPr txBox="1"/>
+          <p:nvPr/>
+        </p:nvSpPr>
+        <p:spPr>
+          <a:xfrm>
+            <a:off x="1299990" y="827179"/>
+            <a:ext cx="3899971" cy="646331"/>
+          </a:xfrm>
+          <a:prstGeom prst="rect">
+            <a:avLst/>
+          </a:prstGeom>
+          <a:noFill/>
+        </p:spPr>
+        <p:txBody>
+          <a:bodyPr wrap="square" rtlCol="0">
+            <a:spAutoFit/>
+          </a:bodyPr>
+          <a:lstStyle/>
+          <a:p>
+            <a:r>
+              <a:rPr lang="en-US" altLang="ko-KR" sz="3600" dirty="0">
+                <a:latin typeface="경기천년제목 Bold" panose="02020803020101020101" pitchFamily="18" charset="-127"/>
+                <a:ea typeface="경기천년제목 Bold" panose="02020803020101020101" pitchFamily="18" charset="-127"/>
+              </a:rPr>
+              <a:t>UI </a:t>
+            </a:r>
+            <a:r>
+              <a:rPr lang="ko-KR" altLang="en-US" sz="3600" dirty="0">
+                <a:latin typeface="경기천년제목 Bold" panose="02020803020101020101" pitchFamily="18" charset="-127"/>
+                <a:ea typeface="경기천년제목 Bold" panose="02020803020101020101" pitchFamily="18" charset="-127"/>
+              </a:rPr>
+              <a:t>구성</a:t>
+            </a:r>
+          </a:p>
+        </p:txBody>
+      </p:sp>
+      <p:sp>
+        <p:nvSpPr>
+          <p:cNvPr id="5" name="직사각형 4">
+            <a:extLst>
+              <a:ext uri="{FF2B5EF4-FFF2-40B4-BE49-F238E27FC236}">
+                <a16:creationId xmlns:a16="http://schemas.microsoft.com/office/drawing/2014/main" id="{A49C3287-B3D9-D2B6-DE01-F7A96F1F2705}"/>
+              </a:ext>
+            </a:extLst>
+          </p:cNvPr>
+          <p:cNvSpPr/>
+          <p:nvPr/>
+        </p:nvSpPr>
+        <p:spPr>
+          <a:xfrm>
+            <a:off x="1235710" y="944563"/>
+            <a:ext cx="52962" cy="442699"/>
+          </a:xfrm>
+          <a:prstGeom prst="rect">
+            <a:avLst/>
+          </a:prstGeom>
+          <a:solidFill>
+            <a:srgbClr val="F4B600"/>
+          </a:solidFill>
+          <a:ln>
+            <a:noFill/>
+          </a:ln>
+        </p:spPr>
+        <p:style>
+          <a:lnRef idx="2">
+            <a:schemeClr val="accent1">
+              <a:shade val="50000"/>
+            </a:schemeClr>
+          </a:lnRef>
+          <a:fillRef idx="1">
+            <a:schemeClr val="accent1"/>
+          </a:fillRef>
+          <a:effectRef idx="0">
+            <a:schemeClr val="accent1"/>
+          </a:effectRef>
+          <a:fontRef idx="minor">
+            <a:schemeClr val="lt1"/>
+          </a:fontRef>
+        </p:style>
+        <p:txBody>
+          <a:bodyPr rtlCol="0" anchor="ctr"/>
+          <a:lstStyle/>
+          <a:p>
+            <a:pPr algn="ctr"/>
+            <a:endParaRPr lang="ko-KR" altLang="en-US"/>
+          </a:p>
+        </p:txBody>
+      </p:sp>
+      <p:sp>
+        <p:nvSpPr>
+          <p:cNvPr id="2" name="사각형: 둥근 모서리 1">
+            <a:extLst>
+              <a:ext uri="{FF2B5EF4-FFF2-40B4-BE49-F238E27FC236}">
+                <a16:creationId xmlns:a16="http://schemas.microsoft.com/office/drawing/2014/main" id="{B267257D-CCDA-1B23-312E-042E86FF2DD7}"/>
+              </a:ext>
+            </a:extLst>
+          </p:cNvPr>
+          <p:cNvSpPr/>
+          <p:nvPr/>
+        </p:nvSpPr>
+        <p:spPr>
+          <a:xfrm>
+            <a:off x="4955328" y="1387262"/>
+            <a:ext cx="2281344" cy="4562688"/>
+          </a:xfrm>
+          <a:prstGeom prst="roundRect">
+            <a:avLst/>
+          </a:prstGeom>
+          <a:noFill/>
+          <a:ln>
+            <a:solidFill>
+              <a:srgbClr val="4086F4"/>
+            </a:solidFill>
+          </a:ln>
+          <a:effectLst>
+            <a:outerShdw blurRad="50800" dist="38100" dir="5400000" algn="t" rotWithShape="0">
+              <a:prstClr val="black">
+                <a:alpha val="40000"/>
+              </a:prstClr>
+            </a:outerShdw>
+          </a:effectLst>
+        </p:spPr>
+        <p:style>
+          <a:lnRef idx="2">
+            <a:schemeClr val="accent1">
+              <a:shade val="50000"/>
+            </a:schemeClr>
+          </a:lnRef>
+          <a:fillRef idx="1">
+            <a:schemeClr val="accent1"/>
+          </a:fillRef>
+          <a:effectRef idx="0">
+            <a:schemeClr val="accent1"/>
+          </a:effectRef>
+          <a:fontRef idx="minor">
+            <a:schemeClr val="lt1"/>
+          </a:fontRef>
+        </p:style>
+        <p:txBody>
+          <a:bodyPr rtlCol="0" anchor="ctr"/>
+          <a:lstStyle/>
+          <a:p>
+            <a:pPr algn="ctr"/>
+            <a:endParaRPr lang="ko-KR" altLang="en-US"/>
+          </a:p>
+        </p:txBody>
+      </p:sp>
+      <p:sp>
+        <p:nvSpPr>
+          <p:cNvPr id="6" name="TextBox 5">
+            <a:extLst>
+              <a:ext uri="{FF2B5EF4-FFF2-40B4-BE49-F238E27FC236}">
+                <a16:creationId xmlns:a16="http://schemas.microsoft.com/office/drawing/2014/main" id="{6A9B688E-6817-66DD-242A-A346648F60D0}"/>
+              </a:ext>
+            </a:extLst>
+          </p:cNvPr>
+          <p:cNvSpPr txBox="1"/>
+          <p:nvPr/>
+        </p:nvSpPr>
+        <p:spPr>
+          <a:xfrm>
+            <a:off x="1151255" y="1712962"/>
+            <a:ext cx="3040961" cy="834074"/>
+          </a:xfrm>
+          <a:prstGeom prst="rect">
+            <a:avLst/>
+          </a:prstGeom>
+          <a:noFill/>
+        </p:spPr>
+        <p:txBody>
+          <a:bodyPr wrap="square" rtlCol="0">
+            <a:spAutoFit/>
+          </a:bodyPr>
+          <a:lstStyle/>
+          <a:p>
+            <a:pPr>
+              <a:lnSpc>
+                <a:spcPct val="150000"/>
+              </a:lnSpc>
+            </a:pPr>
+            <a:r>
+              <a:rPr lang="ko-KR" altLang="en-US" dirty="0" err="1">
+                <a:latin typeface="경기천년제목 Medium" panose="02020603020101020101" pitchFamily="18" charset="-127"/>
+                <a:ea typeface="경기천년제목 Medium" panose="02020603020101020101" pitchFamily="18" charset="-127"/>
+              </a:rPr>
+              <a:t>메인화면</a:t>
+            </a:r>
+            <a:endParaRPr lang="en-US" altLang="ko-KR" dirty="0">
+              <a:latin typeface="경기천년제목 Medium" panose="02020603020101020101" pitchFamily="18" charset="-127"/>
+              <a:ea typeface="경기천년제목 Medium" panose="02020603020101020101" pitchFamily="18" charset="-127"/>
+            </a:endParaRPr>
+          </a:p>
+          <a:p>
+            <a:pPr>
+              <a:lnSpc>
+                <a:spcPct val="150000"/>
+              </a:lnSpc>
+            </a:pPr>
+            <a:r>
+              <a:rPr lang="ko-KR" altLang="en-US" sz="1600" dirty="0">
+                <a:latin typeface="경기천년제목 Light" panose="02020403020101020101" pitchFamily="18" charset="-127"/>
+                <a:ea typeface="경기천년제목 Light" panose="02020403020101020101" pitchFamily="18" charset="-127"/>
+              </a:rPr>
+              <a:t>가나다</a:t>
+            </a:r>
+            <a:endParaRPr lang="en-US" altLang="ko-KR" sz="1600" dirty="0">
+              <a:latin typeface="경기천년제목 Light" panose="02020403020101020101" pitchFamily="18" charset="-127"/>
+              <a:ea typeface="경기천년제목 Light" panose="02020403020101020101" pitchFamily="18" charset="-127"/>
+            </a:endParaRPr>
+          </a:p>
+        </p:txBody>
+      </p:sp>
+      <p:sp>
+        <p:nvSpPr>
+          <p:cNvPr id="7" name="직사각형 6">
+            <a:extLst>
+              <a:ext uri="{FF2B5EF4-FFF2-40B4-BE49-F238E27FC236}">
+                <a16:creationId xmlns:a16="http://schemas.microsoft.com/office/drawing/2014/main" id="{1E3F0EED-260A-3164-DA44-4B4E577C7102}"/>
+              </a:ext>
+            </a:extLst>
+          </p:cNvPr>
+          <p:cNvSpPr/>
+          <p:nvPr/>
+        </p:nvSpPr>
+        <p:spPr>
+          <a:xfrm>
+            <a:off x="4955328" y="4196429"/>
+            <a:ext cx="2281344" cy="518638"/>
+          </a:xfrm>
+          <a:prstGeom prst="rect">
+            <a:avLst/>
+          </a:prstGeom>
+          <a:noFill/>
+          <a:ln>
+            <a:noFill/>
+          </a:ln>
+        </p:spPr>
+        <p:style>
+          <a:lnRef idx="2">
+            <a:schemeClr val="accent1">
+              <a:shade val="50000"/>
+            </a:schemeClr>
+          </a:lnRef>
+          <a:fillRef idx="1">
+            <a:schemeClr val="accent1"/>
+          </a:fillRef>
+          <a:effectRef idx="0">
+            <a:schemeClr val="accent1"/>
+          </a:effectRef>
+          <a:fontRef idx="minor">
+            <a:schemeClr val="lt1"/>
+          </a:fontRef>
+        </p:style>
+        <p:txBody>
+          <a:bodyPr rtlCol="0" anchor="ctr"/>
+          <a:lstStyle/>
+          <a:p>
+            <a:pPr algn="ctr"/>
+            <a:r>
+              <a:rPr lang="en-US" altLang="ko-KR" dirty="0">
+                <a:solidFill>
+                  <a:schemeClr val="tx1">
+                    <a:lumMod val="95000"/>
+                    <a:lumOff val="5000"/>
+                  </a:schemeClr>
+                </a:solidFill>
+                <a:latin typeface="경기천년제목 Light" panose="02020403020101020101" pitchFamily="18" charset="-127"/>
+                <a:ea typeface="경기천년제목 Light" panose="02020403020101020101" pitchFamily="18" charset="-127"/>
+              </a:rPr>
+              <a:t>Touch To Play</a:t>
+            </a:r>
+            <a:endParaRPr lang="ko-KR" altLang="en-US" dirty="0">
+              <a:solidFill>
+                <a:schemeClr val="tx1">
+                  <a:lumMod val="95000"/>
+                  <a:lumOff val="5000"/>
+                </a:schemeClr>
+              </a:solidFill>
+              <a:latin typeface="경기천년제목 Light" panose="02020403020101020101" pitchFamily="18" charset="-127"/>
+              <a:ea typeface="경기천년제목 Light" panose="02020403020101020101" pitchFamily="18" charset="-127"/>
+            </a:endParaRPr>
+          </a:p>
+        </p:txBody>
+      </p:sp>
+    </p:spTree>
+    <p:extLst>
+      <p:ext uri="{BB962C8B-B14F-4D97-AF65-F5344CB8AC3E}">
+        <p14:creationId xmlns:p14="http://schemas.microsoft.com/office/powerpoint/2010/main" val="109798247"/>
+      </p:ext>
+    </p:extLst>
+  </p:cSld>
+  <p:clrMapOvr>
+    <a:masterClrMapping/>
+  </p:clrMapOvr>
+</p:sld>
+</file>
+
+<file path=ppt/slides/slide7.xml><?xml version="1.0" encoding="utf-8"?>
+<p:sld xmlns:a="http://schemas.openxmlformats.org/drawingml/2006/main" xmlns:r="http://schemas.openxmlformats.org/officeDocument/2006/relationships" xmlns:p="http://schemas.openxmlformats.org/presentationml/2006/main">
+  <p:cSld>
+    <p:spTree>
+      <p:nvGrpSpPr>
+        <p:cNvPr id="1" name=""/>
+        <p:cNvGrpSpPr/>
+        <p:nvPr/>
+      </p:nvGrpSpPr>
+      <p:grpSpPr>
+        <a:xfrm>
+          <a:off x="0" y="0"/>
+          <a:ext cx="0" cy="0"/>
+          <a:chOff x="0" y="0"/>
+          <a:chExt cx="0" cy="0"/>
+        </a:xfrm>
+      </p:grpSpPr>
+      <p:sp>
+        <p:nvSpPr>
+          <p:cNvPr id="7" name="직사각형 6">
+            <a:extLst>
+              <a:ext uri="{FF2B5EF4-FFF2-40B4-BE49-F238E27FC236}">
+                <a16:creationId xmlns:a16="http://schemas.microsoft.com/office/drawing/2014/main" id="{88D11F64-A665-9E3E-D6A2-41221E239255}"/>
+              </a:ext>
+            </a:extLst>
+          </p:cNvPr>
+          <p:cNvSpPr/>
+          <p:nvPr/>
+        </p:nvSpPr>
+        <p:spPr>
+          <a:xfrm>
+            <a:off x="4955328" y="2948606"/>
+            <a:ext cx="2281344" cy="720000"/>
+          </a:xfrm>
+          <a:prstGeom prst="rect">
+            <a:avLst/>
+          </a:prstGeom>
+          <a:solidFill>
+            <a:srgbClr val="F4B600"/>
+          </a:solidFill>
+          <a:ln>
+            <a:noFill/>
+          </a:ln>
+        </p:spPr>
+        <p:style>
+          <a:lnRef idx="2">
+            <a:schemeClr val="accent1">
+              <a:shade val="50000"/>
+            </a:schemeClr>
+          </a:lnRef>
+          <a:fillRef idx="1">
+            <a:schemeClr val="accent1"/>
+          </a:fillRef>
+          <a:effectRef idx="0">
+            <a:schemeClr val="accent1"/>
+          </a:effectRef>
+          <a:fontRef idx="minor">
+            <a:schemeClr val="lt1"/>
+          </a:fontRef>
+        </p:style>
+        <p:txBody>
+          <a:bodyPr rtlCol="0" anchor="ctr"/>
+          <a:lstStyle/>
+          <a:p>
+            <a:pPr algn="ctr"/>
+            <a:r>
+              <a:rPr lang="ko-KR" altLang="en-US" dirty="0">
+                <a:latin typeface="경기천년제목 Light" panose="02020403020101020101" pitchFamily="18" charset="-127"/>
+                <a:ea typeface="경기천년제목 Light" panose="02020403020101020101" pitchFamily="18" charset="-127"/>
+              </a:rPr>
+              <a:t>내용</a:t>
+            </a:r>
+          </a:p>
+        </p:txBody>
+      </p:sp>
+      <p:sp>
+        <p:nvSpPr>
+          <p:cNvPr id="4" name="TextBox 3">
+            <a:extLst>
+              <a:ext uri="{FF2B5EF4-FFF2-40B4-BE49-F238E27FC236}">
+                <a16:creationId xmlns:a16="http://schemas.microsoft.com/office/drawing/2014/main" id="{413E6483-E9AB-F50F-14F2-8E59DB84EEDA}"/>
+              </a:ext>
+            </a:extLst>
+          </p:cNvPr>
+          <p:cNvSpPr txBox="1"/>
+          <p:nvPr/>
+        </p:nvSpPr>
+        <p:spPr>
+          <a:xfrm>
+            <a:off x="1299990" y="827179"/>
+            <a:ext cx="3899971" cy="646331"/>
+          </a:xfrm>
+          <a:prstGeom prst="rect">
+            <a:avLst/>
+          </a:prstGeom>
+          <a:noFill/>
+        </p:spPr>
+        <p:txBody>
+          <a:bodyPr wrap="square" rtlCol="0">
+            <a:spAutoFit/>
+          </a:bodyPr>
+          <a:lstStyle/>
+          <a:p>
+            <a:r>
+              <a:rPr lang="en-US" altLang="ko-KR" sz="3600" dirty="0">
+                <a:latin typeface="경기천년제목 Bold" panose="02020803020101020101" pitchFamily="18" charset="-127"/>
+                <a:ea typeface="경기천년제목 Bold" panose="02020803020101020101" pitchFamily="18" charset="-127"/>
+              </a:rPr>
+              <a:t>UI </a:t>
+            </a:r>
+            <a:r>
+              <a:rPr lang="ko-KR" altLang="en-US" sz="3600" dirty="0">
+                <a:latin typeface="경기천년제목 Bold" panose="02020803020101020101" pitchFamily="18" charset="-127"/>
+                <a:ea typeface="경기천년제목 Bold" panose="02020803020101020101" pitchFamily="18" charset="-127"/>
+              </a:rPr>
+              <a:t>구성</a:t>
+            </a:r>
+          </a:p>
+        </p:txBody>
+      </p:sp>
+      <p:sp>
+        <p:nvSpPr>
+          <p:cNvPr id="5" name="직사각형 4">
+            <a:extLst>
+              <a:ext uri="{FF2B5EF4-FFF2-40B4-BE49-F238E27FC236}">
+                <a16:creationId xmlns:a16="http://schemas.microsoft.com/office/drawing/2014/main" id="{A49C3287-B3D9-D2B6-DE01-F7A96F1F2705}"/>
+              </a:ext>
+            </a:extLst>
+          </p:cNvPr>
+          <p:cNvSpPr/>
+          <p:nvPr/>
+        </p:nvSpPr>
+        <p:spPr>
+          <a:xfrm>
+            <a:off x="1235710" y="944563"/>
+            <a:ext cx="52962" cy="442699"/>
+          </a:xfrm>
+          <a:prstGeom prst="rect">
+            <a:avLst/>
+          </a:prstGeom>
+          <a:solidFill>
+            <a:srgbClr val="F4B600"/>
+          </a:solidFill>
+          <a:ln>
+            <a:noFill/>
+          </a:ln>
+        </p:spPr>
+        <p:style>
+          <a:lnRef idx="2">
+            <a:schemeClr val="accent1">
+              <a:shade val="50000"/>
+            </a:schemeClr>
+          </a:lnRef>
+          <a:fillRef idx="1">
+            <a:schemeClr val="accent1"/>
+          </a:fillRef>
+          <a:effectRef idx="0">
+            <a:schemeClr val="accent1"/>
+          </a:effectRef>
+          <a:fontRef idx="minor">
+            <a:schemeClr val="lt1"/>
+          </a:fontRef>
+        </p:style>
+        <p:txBody>
+          <a:bodyPr rtlCol="0" anchor="ctr"/>
+          <a:lstStyle/>
+          <a:p>
+            <a:pPr algn="ctr"/>
+            <a:endParaRPr lang="ko-KR" altLang="en-US"/>
+          </a:p>
+        </p:txBody>
+      </p:sp>
+      <p:sp>
+        <p:nvSpPr>
+          <p:cNvPr id="2" name="사각형: 둥근 모서리 1">
+            <a:extLst>
+              <a:ext uri="{FF2B5EF4-FFF2-40B4-BE49-F238E27FC236}">
+                <a16:creationId xmlns:a16="http://schemas.microsoft.com/office/drawing/2014/main" id="{B267257D-CCDA-1B23-312E-042E86FF2DD7}"/>
+              </a:ext>
+            </a:extLst>
+          </p:cNvPr>
+          <p:cNvSpPr/>
+          <p:nvPr/>
+        </p:nvSpPr>
+        <p:spPr>
+          <a:xfrm>
+            <a:off x="4955328" y="1387262"/>
+            <a:ext cx="2281344" cy="4562688"/>
+          </a:xfrm>
+          <a:prstGeom prst="roundRect">
+            <a:avLst/>
+          </a:prstGeom>
+          <a:noFill/>
+          <a:ln>
+            <a:solidFill>
+              <a:srgbClr val="4086F4"/>
+            </a:solidFill>
+          </a:ln>
+          <a:effectLst>
+            <a:outerShdw blurRad="50800" dist="38100" dir="5400000" algn="t" rotWithShape="0">
+              <a:prstClr val="black">
+                <a:alpha val="40000"/>
+              </a:prstClr>
+            </a:outerShdw>
+          </a:effectLst>
+        </p:spPr>
+        <p:style>
+          <a:lnRef idx="2">
+            <a:schemeClr val="accent1">
+              <a:shade val="50000"/>
+            </a:schemeClr>
+          </a:lnRef>
+          <a:fillRef idx="1">
+            <a:schemeClr val="accent1"/>
+          </a:fillRef>
+          <a:effectRef idx="0">
+            <a:schemeClr val="accent1"/>
+          </a:effectRef>
+          <a:fontRef idx="minor">
+            <a:schemeClr val="lt1"/>
+          </a:fontRef>
+        </p:style>
+        <p:txBody>
+          <a:bodyPr rtlCol="0" anchor="ctr"/>
+          <a:lstStyle/>
+          <a:p>
+            <a:pPr algn="ctr"/>
+            <a:endParaRPr lang="ko-KR" altLang="en-US"/>
+          </a:p>
+        </p:txBody>
+      </p:sp>
+      <p:sp>
+        <p:nvSpPr>
+          <p:cNvPr id="6" name="TextBox 5">
+            <a:extLst>
+              <a:ext uri="{FF2B5EF4-FFF2-40B4-BE49-F238E27FC236}">
+                <a16:creationId xmlns:a16="http://schemas.microsoft.com/office/drawing/2014/main" id="{6A9B688E-6817-66DD-242A-A346648F60D0}"/>
+              </a:ext>
+            </a:extLst>
+          </p:cNvPr>
+          <p:cNvSpPr txBox="1"/>
+          <p:nvPr/>
+        </p:nvSpPr>
+        <p:spPr>
+          <a:xfrm>
+            <a:off x="1151255" y="1712962"/>
+            <a:ext cx="3040961" cy="834074"/>
+          </a:xfrm>
+          <a:prstGeom prst="rect">
+            <a:avLst/>
+          </a:prstGeom>
+          <a:noFill/>
+        </p:spPr>
+        <p:txBody>
+          <a:bodyPr wrap="square" rtlCol="0">
+            <a:spAutoFit/>
+          </a:bodyPr>
+          <a:lstStyle/>
+          <a:p>
+            <a:pPr>
+              <a:lnSpc>
+                <a:spcPct val="150000"/>
+              </a:lnSpc>
+            </a:pPr>
+            <a:r>
+              <a:rPr lang="ko-KR" altLang="en-US" dirty="0" err="1">
+                <a:latin typeface="경기천년제목 Medium" panose="02020603020101020101" pitchFamily="18" charset="-127"/>
+                <a:ea typeface="경기천년제목 Medium" panose="02020603020101020101" pitchFamily="18" charset="-127"/>
+              </a:rPr>
+              <a:t>인트로</a:t>
+            </a:r>
+            <a:endParaRPr lang="en-US" altLang="ko-KR" dirty="0">
+              <a:latin typeface="경기천년제목 Medium" panose="02020603020101020101" pitchFamily="18" charset="-127"/>
+              <a:ea typeface="경기천년제목 Medium" panose="02020603020101020101" pitchFamily="18" charset="-127"/>
+            </a:endParaRPr>
+          </a:p>
+          <a:p>
+            <a:pPr>
+              <a:lnSpc>
+                <a:spcPct val="150000"/>
+              </a:lnSpc>
+            </a:pPr>
+            <a:r>
+              <a:rPr lang="ko-KR" altLang="en-US" sz="1600" dirty="0">
+                <a:latin typeface="경기천년제목 Light" panose="02020403020101020101" pitchFamily="18" charset="-127"/>
+                <a:ea typeface="경기천년제목 Light" panose="02020403020101020101" pitchFamily="18" charset="-127"/>
+              </a:rPr>
+              <a:t>가나다</a:t>
+            </a:r>
+            <a:endParaRPr lang="en-US" altLang="ko-KR" sz="1600" dirty="0">
+              <a:latin typeface="경기천년제목 Light" panose="02020403020101020101" pitchFamily="18" charset="-127"/>
+              <a:ea typeface="경기천년제목 Light" panose="02020403020101020101" pitchFamily="18" charset="-127"/>
+            </a:endParaRPr>
+          </a:p>
+        </p:txBody>
+      </p:sp>
+      <p:sp>
+        <p:nvSpPr>
+          <p:cNvPr id="3" name="직사각형 2">
+            <a:extLst>
+              <a:ext uri="{FF2B5EF4-FFF2-40B4-BE49-F238E27FC236}">
+                <a16:creationId xmlns:a16="http://schemas.microsoft.com/office/drawing/2014/main" id="{FF1686C6-D9A8-F704-3085-607E797D5787}"/>
+              </a:ext>
+            </a:extLst>
+          </p:cNvPr>
+          <p:cNvSpPr/>
+          <p:nvPr/>
+        </p:nvSpPr>
+        <p:spPr>
+          <a:xfrm>
+            <a:off x="6338170" y="1615858"/>
+            <a:ext cx="720000" cy="720000"/>
+          </a:xfrm>
+          <a:prstGeom prst="rect">
+            <a:avLst/>
+          </a:prstGeom>
+          <a:solidFill>
+            <a:srgbClr val="F4B600"/>
+          </a:solidFill>
+          <a:ln>
+            <a:noFill/>
+          </a:ln>
+        </p:spPr>
+        <p:style>
+          <a:lnRef idx="2">
+            <a:schemeClr val="accent1">
+              <a:shade val="50000"/>
+            </a:schemeClr>
+          </a:lnRef>
+          <a:fillRef idx="1">
+            <a:schemeClr val="accent1"/>
+          </a:fillRef>
+          <a:effectRef idx="0">
+            <a:schemeClr val="accent1"/>
+          </a:effectRef>
+          <a:fontRef idx="minor">
+            <a:schemeClr val="lt1"/>
+          </a:fontRef>
+        </p:style>
+        <p:txBody>
+          <a:bodyPr rtlCol="0" anchor="ctr"/>
+          <a:lstStyle/>
+          <a:p>
+            <a:pPr algn="ctr"/>
+            <a:r>
+              <a:rPr lang="en-US" altLang="ko-KR" dirty="0">
+                <a:latin typeface="경기천년제목 Light" panose="02020403020101020101" pitchFamily="18" charset="-127"/>
+                <a:ea typeface="경기천년제목 Light" panose="02020403020101020101" pitchFamily="18" charset="-127"/>
+              </a:rPr>
+              <a:t>Skip</a:t>
+            </a:r>
+            <a:endParaRPr lang="ko-KR" altLang="en-US" dirty="0">
+              <a:latin typeface="경기천년제목 Light" panose="02020403020101020101" pitchFamily="18" charset="-127"/>
+              <a:ea typeface="경기천년제목 Light" panose="02020403020101020101" pitchFamily="18" charset="-127"/>
+            </a:endParaRPr>
+          </a:p>
+        </p:txBody>
+      </p:sp>
+    </p:spTree>
+    <p:extLst>
+      <p:ext uri="{BB962C8B-B14F-4D97-AF65-F5344CB8AC3E}">
+        <p14:creationId xmlns:p14="http://schemas.microsoft.com/office/powerpoint/2010/main" val="3599779580"/>
+      </p:ext>
+    </p:extLst>
+  </p:cSld>
+  <p:clrMapOvr>
+    <a:masterClrMapping/>
+  </p:clrMapOvr>
+</p:sld>
+</file>
+
+<file path=ppt/slides/slide8.xml><?xml version="1.0" encoding="utf-8"?>
+<p:sld xmlns:a="http://schemas.openxmlformats.org/drawingml/2006/main" xmlns:r="http://schemas.openxmlformats.org/officeDocument/2006/relationships" xmlns:p="http://schemas.openxmlformats.org/presentationml/2006/main">
+  <p:cSld>
+    <p:spTree>
+      <p:nvGrpSpPr>
+        <p:cNvPr id="1" name=""/>
+        <p:cNvGrpSpPr/>
+        <p:nvPr/>
+      </p:nvGrpSpPr>
+      <p:grpSpPr>
+        <a:xfrm>
+          <a:off x="0" y="0"/>
+          <a:ext cx="0" cy="0"/>
+          <a:chOff x="0" y="0"/>
+          <a:chExt cx="0" cy="0"/>
+        </a:xfrm>
+      </p:grpSpPr>
+      <p:sp>
+        <p:nvSpPr>
+          <p:cNvPr id="29" name="사각형: 둥근 모서리 28">
+            <a:extLst>
+              <a:ext uri="{FF2B5EF4-FFF2-40B4-BE49-F238E27FC236}">
+                <a16:creationId xmlns:a16="http://schemas.microsoft.com/office/drawing/2014/main" id="{3691AF40-CF11-4692-9856-FE25C788A6A0}"/>
+              </a:ext>
+            </a:extLst>
+          </p:cNvPr>
+          <p:cNvSpPr/>
+          <p:nvPr/>
+        </p:nvSpPr>
+        <p:spPr>
+          <a:xfrm>
+            <a:off x="4955328" y="5199523"/>
+            <a:ext cx="2281344" cy="750427"/>
+          </a:xfrm>
+          <a:prstGeom prst="roundRect">
+            <a:avLst>
+              <a:gd name="adj" fmla="val 50000"/>
+            </a:avLst>
+          </a:prstGeom>
+          <a:solidFill>
+            <a:srgbClr val="4086F4"/>
+          </a:solidFill>
+          <a:ln>
+            <a:noFill/>
+          </a:ln>
+        </p:spPr>
+        <p:style>
+          <a:lnRef idx="2">
+            <a:schemeClr val="accent1">
+              <a:shade val="50000"/>
+            </a:schemeClr>
+          </a:lnRef>
+          <a:fillRef idx="1">
+            <a:schemeClr val="accent1"/>
+          </a:fillRef>
+          <a:effectRef idx="0">
+            <a:schemeClr val="accent1"/>
+          </a:effectRef>
+          <a:fontRef idx="minor">
+            <a:schemeClr val="lt1"/>
+          </a:fontRef>
+        </p:style>
+        <p:txBody>
+          <a:bodyPr rtlCol="0" anchor="ctr"/>
+          <a:lstStyle/>
+          <a:p>
+            <a:pPr algn="ctr"/>
+            <a:endParaRPr lang="ko-KR" altLang="en-US" dirty="0">
+              <a:latin typeface="경기천년제목 Light" panose="02020403020101020101" pitchFamily="18" charset="-127"/>
+              <a:ea typeface="경기천년제목 Light" panose="02020403020101020101" pitchFamily="18" charset="-127"/>
+            </a:endParaRPr>
+          </a:p>
+        </p:txBody>
+      </p:sp>
+      <p:sp>
+        <p:nvSpPr>
+          <p:cNvPr id="4" name="TextBox 3">
+            <a:extLst>
+              <a:ext uri="{FF2B5EF4-FFF2-40B4-BE49-F238E27FC236}">
+                <a16:creationId xmlns:a16="http://schemas.microsoft.com/office/drawing/2014/main" id="{413E6483-E9AB-F50F-14F2-8E59DB84EEDA}"/>
+              </a:ext>
+            </a:extLst>
+          </p:cNvPr>
+          <p:cNvSpPr txBox="1"/>
+          <p:nvPr/>
+        </p:nvSpPr>
+        <p:spPr>
+          <a:xfrm>
+            <a:off x="1299990" y="827179"/>
+            <a:ext cx="3899971" cy="646331"/>
+          </a:xfrm>
+          <a:prstGeom prst="rect">
+            <a:avLst/>
+          </a:prstGeom>
+          <a:noFill/>
+        </p:spPr>
+        <p:txBody>
+          <a:bodyPr wrap="square" rtlCol="0">
+            <a:spAutoFit/>
+          </a:bodyPr>
+          <a:lstStyle/>
+          <a:p>
+            <a:r>
+              <a:rPr lang="en-US" altLang="ko-KR" sz="3600" dirty="0">
+                <a:latin typeface="경기천년제목 Bold" panose="02020803020101020101" pitchFamily="18" charset="-127"/>
+                <a:ea typeface="경기천년제목 Bold" panose="02020803020101020101" pitchFamily="18" charset="-127"/>
+              </a:rPr>
+              <a:t>UI </a:t>
+            </a:r>
+            <a:r>
+              <a:rPr lang="ko-KR" altLang="en-US" sz="3600" dirty="0">
+                <a:latin typeface="경기천년제목 Bold" panose="02020803020101020101" pitchFamily="18" charset="-127"/>
+                <a:ea typeface="경기천년제목 Bold" panose="02020803020101020101" pitchFamily="18" charset="-127"/>
+              </a:rPr>
+              <a:t>구성</a:t>
+            </a:r>
+          </a:p>
+        </p:txBody>
+      </p:sp>
+      <p:sp>
+        <p:nvSpPr>
+          <p:cNvPr id="5" name="직사각형 4">
+            <a:extLst>
+              <a:ext uri="{FF2B5EF4-FFF2-40B4-BE49-F238E27FC236}">
+                <a16:creationId xmlns:a16="http://schemas.microsoft.com/office/drawing/2014/main" id="{A49C3287-B3D9-D2B6-DE01-F7A96F1F2705}"/>
+              </a:ext>
+            </a:extLst>
+          </p:cNvPr>
+          <p:cNvSpPr/>
+          <p:nvPr/>
+        </p:nvSpPr>
+        <p:spPr>
+          <a:xfrm>
+            <a:off x="1235710" y="944563"/>
+            <a:ext cx="52962" cy="442699"/>
+          </a:xfrm>
+          <a:prstGeom prst="rect">
+            <a:avLst/>
+          </a:prstGeom>
+          <a:solidFill>
+            <a:srgbClr val="F4B600"/>
+          </a:solidFill>
+          <a:ln>
+            <a:noFill/>
+          </a:ln>
+        </p:spPr>
+        <p:style>
+          <a:lnRef idx="2">
+            <a:schemeClr val="accent1">
+              <a:shade val="50000"/>
+            </a:schemeClr>
+          </a:lnRef>
+          <a:fillRef idx="1">
+            <a:schemeClr val="accent1"/>
+          </a:fillRef>
+          <a:effectRef idx="0">
+            <a:schemeClr val="accent1"/>
+          </a:effectRef>
+          <a:fontRef idx="minor">
+            <a:schemeClr val="lt1"/>
+          </a:fontRef>
+        </p:style>
+        <p:txBody>
+          <a:bodyPr rtlCol="0" anchor="ctr"/>
+          <a:lstStyle/>
+          <a:p>
+            <a:pPr algn="ctr"/>
+            <a:endParaRPr lang="ko-KR" altLang="en-US"/>
+          </a:p>
+        </p:txBody>
+      </p:sp>
+      <p:sp>
+        <p:nvSpPr>
+          <p:cNvPr id="2" name="사각형: 둥근 모서리 1">
+            <a:extLst>
+              <a:ext uri="{FF2B5EF4-FFF2-40B4-BE49-F238E27FC236}">
+                <a16:creationId xmlns:a16="http://schemas.microsoft.com/office/drawing/2014/main" id="{B267257D-CCDA-1B23-312E-042E86FF2DD7}"/>
+              </a:ext>
+            </a:extLst>
+          </p:cNvPr>
+          <p:cNvSpPr/>
+          <p:nvPr/>
+        </p:nvSpPr>
+        <p:spPr>
+          <a:xfrm>
+            <a:off x="4955328" y="1387262"/>
+            <a:ext cx="2281344" cy="4562688"/>
+          </a:xfrm>
+          <a:prstGeom prst="roundRect">
+            <a:avLst/>
+          </a:prstGeom>
+          <a:noFill/>
+          <a:ln>
+            <a:solidFill>
+              <a:srgbClr val="4086F4"/>
+            </a:solidFill>
+          </a:ln>
+          <a:effectLst>
+            <a:outerShdw blurRad="50800" dist="38100" dir="5400000" algn="t" rotWithShape="0">
+              <a:prstClr val="black">
+                <a:alpha val="40000"/>
+              </a:prstClr>
+            </a:outerShdw>
+          </a:effectLst>
+        </p:spPr>
+        <p:style>
+          <a:lnRef idx="2">
+            <a:schemeClr val="accent1">
+              <a:shade val="50000"/>
+            </a:schemeClr>
+          </a:lnRef>
+          <a:fillRef idx="1">
+            <a:schemeClr val="accent1"/>
+          </a:fillRef>
+          <a:effectRef idx="0">
+            <a:schemeClr val="accent1"/>
+          </a:effectRef>
+          <a:fontRef idx="minor">
+            <a:schemeClr val="lt1"/>
+          </a:fontRef>
+        </p:style>
+        <p:txBody>
+          <a:bodyPr rtlCol="0" anchor="ctr"/>
+          <a:lstStyle/>
+          <a:p>
+            <a:pPr algn="ctr"/>
+            <a:endParaRPr lang="ko-KR" altLang="en-US"/>
+          </a:p>
+        </p:txBody>
+      </p:sp>
+      <p:sp>
+        <p:nvSpPr>
+          <p:cNvPr id="6" name="TextBox 5">
+            <a:extLst>
+              <a:ext uri="{FF2B5EF4-FFF2-40B4-BE49-F238E27FC236}">
+                <a16:creationId xmlns:a16="http://schemas.microsoft.com/office/drawing/2014/main" id="{6A9B688E-6817-66DD-242A-A346648F60D0}"/>
+              </a:ext>
+            </a:extLst>
+          </p:cNvPr>
+          <p:cNvSpPr txBox="1"/>
+          <p:nvPr/>
+        </p:nvSpPr>
+        <p:spPr>
+          <a:xfrm>
+            <a:off x="1151255" y="1712962"/>
+            <a:ext cx="3040961" cy="834074"/>
+          </a:xfrm>
+          <a:prstGeom prst="rect">
+            <a:avLst/>
+          </a:prstGeom>
+          <a:noFill/>
+        </p:spPr>
+        <p:txBody>
+          <a:bodyPr wrap="square" rtlCol="0">
+            <a:spAutoFit/>
+          </a:bodyPr>
+          <a:lstStyle/>
+          <a:p>
+            <a:pPr>
+              <a:lnSpc>
+                <a:spcPct val="150000"/>
+              </a:lnSpc>
+            </a:pPr>
+            <a:r>
+              <a:rPr lang="ko-KR" altLang="en-US" dirty="0">
+                <a:latin typeface="경기천년제목 Medium" panose="02020603020101020101" pitchFamily="18" charset="-127"/>
+                <a:ea typeface="경기천년제목 Medium" panose="02020603020101020101" pitchFamily="18" charset="-127"/>
+              </a:rPr>
+              <a:t>인 게임</a:t>
+            </a:r>
+            <a:endParaRPr lang="en-US" altLang="ko-KR" dirty="0">
+              <a:latin typeface="경기천년제목 Medium" panose="02020603020101020101" pitchFamily="18" charset="-127"/>
+              <a:ea typeface="경기천년제목 Medium" panose="02020603020101020101" pitchFamily="18" charset="-127"/>
+            </a:endParaRPr>
+          </a:p>
+          <a:p>
+            <a:pPr>
+              <a:lnSpc>
+                <a:spcPct val="150000"/>
+              </a:lnSpc>
+            </a:pPr>
+            <a:r>
+              <a:rPr lang="ko-KR" altLang="en-US" sz="1600" dirty="0">
+                <a:latin typeface="경기천년제목 Light" panose="02020403020101020101" pitchFamily="18" charset="-127"/>
+                <a:ea typeface="경기천년제목 Light" panose="02020403020101020101" pitchFamily="18" charset="-127"/>
+              </a:rPr>
+              <a:t>가나다</a:t>
+            </a:r>
+            <a:endParaRPr lang="en-US" altLang="ko-KR" sz="1600" dirty="0">
+              <a:latin typeface="경기천년제목 Light" panose="02020403020101020101" pitchFamily="18" charset="-127"/>
+              <a:ea typeface="경기천년제목 Light" panose="02020403020101020101" pitchFamily="18" charset="-127"/>
+            </a:endParaRPr>
+          </a:p>
+        </p:txBody>
+      </p:sp>
+      <p:sp>
+        <p:nvSpPr>
+          <p:cNvPr id="3" name="사각형: 둥근 모서리 2">
+            <a:extLst>
+              <a:ext uri="{FF2B5EF4-FFF2-40B4-BE49-F238E27FC236}">
+                <a16:creationId xmlns:a16="http://schemas.microsoft.com/office/drawing/2014/main" id="{FF1686C6-D9A8-F704-3085-607E797D5787}"/>
+              </a:ext>
+            </a:extLst>
+          </p:cNvPr>
+          <p:cNvSpPr/>
+          <p:nvPr/>
+        </p:nvSpPr>
+        <p:spPr>
+          <a:xfrm>
+            <a:off x="6456287" y="2097088"/>
+            <a:ext cx="279794" cy="279794"/>
+          </a:xfrm>
+          <a:prstGeom prst="roundRect">
+            <a:avLst>
+              <a:gd name="adj" fmla="val 35881"/>
+            </a:avLst>
+          </a:prstGeom>
+          <a:solidFill>
+            <a:srgbClr val="F4B600"/>
+          </a:solidFill>
+          <a:ln>
+            <a:noFill/>
+          </a:ln>
+        </p:spPr>
+        <p:style>
+          <a:lnRef idx="2">
+            <a:schemeClr val="accent1">
+              <a:shade val="50000"/>
+            </a:schemeClr>
+          </a:lnRef>
+          <a:fillRef idx="1">
+            <a:schemeClr val="accent1"/>
+          </a:fillRef>
+          <a:effectRef idx="0">
+            <a:schemeClr val="accent1"/>
+          </a:effectRef>
+          <a:fontRef idx="minor">
+            <a:schemeClr val="lt1"/>
+          </a:fontRef>
+        </p:style>
+        <p:txBody>
+          <a:bodyPr rtlCol="0" anchor="ctr"/>
+          <a:lstStyle/>
+          <a:p>
+            <a:pPr algn="ctr"/>
+            <a:r>
+              <a:rPr lang="ko-KR" altLang="en-US" sz="700" dirty="0">
+                <a:latin typeface="경기천년제목 Light" panose="02020403020101020101" pitchFamily="18" charset="-127"/>
+                <a:ea typeface="경기천년제목 Light" panose="02020403020101020101" pitchFamily="18" charset="-127"/>
+              </a:rPr>
+              <a:t>우편함</a:t>
+            </a:r>
+          </a:p>
+        </p:txBody>
+      </p:sp>
+      <p:sp>
+        <p:nvSpPr>
+          <p:cNvPr id="8" name="타원 7">
+            <a:extLst>
+              <a:ext uri="{FF2B5EF4-FFF2-40B4-BE49-F238E27FC236}">
+                <a16:creationId xmlns:a16="http://schemas.microsoft.com/office/drawing/2014/main" id="{625563E8-84BF-BC6A-577C-471838145A8F}"/>
+              </a:ext>
+            </a:extLst>
+          </p:cNvPr>
+          <p:cNvSpPr/>
+          <p:nvPr/>
+        </p:nvSpPr>
+        <p:spPr>
+          <a:xfrm>
+            <a:off x="6032500" y="1585962"/>
+            <a:ext cx="127000" cy="127000"/>
+          </a:xfrm>
+          <a:prstGeom prst="ellipse">
+            <a:avLst/>
+          </a:prstGeom>
+          <a:solidFill>
+            <a:schemeClr val="tx1">
+              <a:lumMod val="75000"/>
+              <a:lumOff val="25000"/>
+            </a:schemeClr>
+          </a:solidFill>
+          <a:ln>
+            <a:noFill/>
+          </a:ln>
+        </p:spPr>
+        <p:style>
+          <a:lnRef idx="2">
+            <a:schemeClr val="accent1">
+              <a:shade val="50000"/>
+            </a:schemeClr>
+          </a:lnRef>
+          <a:fillRef idx="1">
+            <a:schemeClr val="accent1"/>
+          </a:fillRef>
+          <a:effectRef idx="0">
+            <a:schemeClr val="accent1"/>
+          </a:effectRef>
+          <a:fontRef idx="minor">
+            <a:schemeClr val="lt1"/>
+          </a:fontRef>
+        </p:style>
+        <p:txBody>
+          <a:bodyPr rtlCol="0" anchor="ctr"/>
+          <a:lstStyle/>
+          <a:p>
+            <a:pPr algn="ctr"/>
+            <a:endParaRPr lang="ko-KR" altLang="en-US" dirty="0">
+              <a:latin typeface="경기천년제목 Light" panose="02020403020101020101" pitchFamily="18" charset="-127"/>
+              <a:ea typeface="경기천년제목 Light" panose="02020403020101020101" pitchFamily="18" charset="-127"/>
+            </a:endParaRPr>
+          </a:p>
+        </p:txBody>
+      </p:sp>
+      <p:sp>
+        <p:nvSpPr>
+          <p:cNvPr id="9" name="사각형: 둥근 모서리 8">
+            <a:extLst>
+              <a:ext uri="{FF2B5EF4-FFF2-40B4-BE49-F238E27FC236}">
+                <a16:creationId xmlns:a16="http://schemas.microsoft.com/office/drawing/2014/main" id="{51CE0377-7B0B-A252-1A76-204E3FB87BA7}"/>
+              </a:ext>
+            </a:extLst>
+          </p:cNvPr>
+          <p:cNvSpPr/>
+          <p:nvPr/>
+        </p:nvSpPr>
+        <p:spPr>
+          <a:xfrm>
+            <a:off x="6815458" y="2100543"/>
+            <a:ext cx="279794" cy="279794"/>
+          </a:xfrm>
+          <a:prstGeom prst="roundRect">
+            <a:avLst>
+              <a:gd name="adj" fmla="val 35881"/>
+            </a:avLst>
+          </a:prstGeom>
+          <a:solidFill>
+            <a:srgbClr val="F4B600"/>
+          </a:solidFill>
+          <a:ln>
+            <a:noFill/>
+          </a:ln>
+        </p:spPr>
+        <p:style>
+          <a:lnRef idx="2">
+            <a:schemeClr val="accent1">
+              <a:shade val="50000"/>
+            </a:schemeClr>
+          </a:lnRef>
+          <a:fillRef idx="1">
+            <a:schemeClr val="accent1"/>
+          </a:fillRef>
+          <a:effectRef idx="0">
+            <a:schemeClr val="accent1"/>
+          </a:effectRef>
+          <a:fontRef idx="minor">
+            <a:schemeClr val="lt1"/>
+          </a:fontRef>
+        </p:style>
+        <p:txBody>
+          <a:bodyPr rtlCol="0" anchor="ctr"/>
+          <a:lstStyle/>
+          <a:p>
+            <a:pPr algn="ctr"/>
+            <a:r>
+              <a:rPr lang="ko-KR" altLang="en-US" sz="700" dirty="0">
+                <a:latin typeface="경기천년제목 Light" panose="02020403020101020101" pitchFamily="18" charset="-127"/>
+                <a:ea typeface="경기천년제목 Light" panose="02020403020101020101" pitchFamily="18" charset="-127"/>
+              </a:rPr>
+              <a:t>설정</a:t>
+            </a:r>
+          </a:p>
+        </p:txBody>
+      </p:sp>
+      <p:grpSp>
+        <p:nvGrpSpPr>
+          <p:cNvPr id="25" name="그룹 24">
+            <a:extLst>
+              <a:ext uri="{FF2B5EF4-FFF2-40B4-BE49-F238E27FC236}">
+                <a16:creationId xmlns:a16="http://schemas.microsoft.com/office/drawing/2014/main" id="{8B4518C3-EE8E-2F05-D8F5-17A9C0D7F180}"/>
+              </a:ext>
+            </a:extLst>
+          </p:cNvPr>
+          <p:cNvGrpSpPr/>
+          <p:nvPr/>
+        </p:nvGrpSpPr>
+        <p:grpSpPr>
+          <a:xfrm>
+            <a:off x="5131075" y="2142529"/>
+            <a:ext cx="211140" cy="188911"/>
+            <a:chOff x="5432424" y="2660650"/>
+            <a:chExt cx="211140" cy="188911"/>
+          </a:xfrm>
+        </p:grpSpPr>
+        <p:sp>
+          <p:nvSpPr>
+            <p:cNvPr id="10" name="직사각형 9">
+              <a:extLst>
+                <a:ext uri="{FF2B5EF4-FFF2-40B4-BE49-F238E27FC236}">
+                  <a16:creationId xmlns:a16="http://schemas.microsoft.com/office/drawing/2014/main" id="{4CA93B84-8BD4-D48C-9EDD-E0A438A8EAEF}"/>
+                </a:ext>
+              </a:extLst>
+            </p:cNvPr>
+            <p:cNvSpPr/>
+            <p:nvPr/>
+          </p:nvSpPr>
+          <p:spPr>
+            <a:xfrm>
+              <a:off x="5432425" y="2660650"/>
+              <a:ext cx="53975" cy="53975"/>
+            </a:xfrm>
+            <a:prstGeom prst="rect">
+              <a:avLst/>
+            </a:prstGeom>
+            <a:solidFill>
+              <a:srgbClr val="F4B600"/>
+            </a:solidFill>
+            <a:ln>
+              <a:noFill/>
+            </a:ln>
+          </p:spPr>
+          <p:style>
+            <a:lnRef idx="2">
+              <a:schemeClr val="accent1">
+                <a:shade val="50000"/>
+              </a:schemeClr>
+            </a:lnRef>
+            <a:fillRef idx="1">
+              <a:schemeClr val="accent1"/>
+            </a:fillRef>
+            <a:effectRef idx="0">
+              <a:schemeClr val="accent1"/>
+            </a:effectRef>
+            <a:fontRef idx="minor">
+              <a:schemeClr val="lt1"/>
+            </a:fontRef>
+          </p:style>
+          <p:txBody>
+            <a:bodyPr rtlCol="0" anchor="ctr"/>
+            <a:lstStyle/>
+            <a:p>
+              <a:pPr algn="ctr"/>
+              <a:endParaRPr lang="ko-KR" altLang="en-US" dirty="0">
+                <a:latin typeface="경기천년제목 Light" panose="02020403020101020101" pitchFamily="18" charset="-127"/>
+                <a:ea typeface="경기천년제목 Light" panose="02020403020101020101" pitchFamily="18" charset="-127"/>
+              </a:endParaRPr>
+            </a:p>
+          </p:txBody>
+        </p:sp>
+        <p:sp>
+          <p:nvSpPr>
+            <p:cNvPr id="11" name="직사각형 10">
+              <a:extLst>
+                <a:ext uri="{FF2B5EF4-FFF2-40B4-BE49-F238E27FC236}">
+                  <a16:creationId xmlns:a16="http://schemas.microsoft.com/office/drawing/2014/main" id="{5BDEB921-84A3-475B-AEA7-137221517D64}"/>
+                </a:ext>
+              </a:extLst>
+            </p:cNvPr>
+            <p:cNvSpPr/>
+            <p:nvPr/>
+          </p:nvSpPr>
+          <p:spPr>
+            <a:xfrm>
+              <a:off x="5510213" y="2660650"/>
+              <a:ext cx="53975" cy="53975"/>
+            </a:xfrm>
+            <a:prstGeom prst="rect">
+              <a:avLst/>
+            </a:prstGeom>
+            <a:solidFill>
+              <a:srgbClr val="F4B600"/>
+            </a:solidFill>
+            <a:ln>
+              <a:noFill/>
+            </a:ln>
+          </p:spPr>
+          <p:style>
+            <a:lnRef idx="2">
+              <a:schemeClr val="accent1">
+                <a:shade val="50000"/>
+              </a:schemeClr>
+            </a:lnRef>
+            <a:fillRef idx="1">
+              <a:schemeClr val="accent1"/>
+            </a:fillRef>
+            <a:effectRef idx="0">
+              <a:schemeClr val="accent1"/>
+            </a:effectRef>
+            <a:fontRef idx="minor">
+              <a:schemeClr val="lt1"/>
+            </a:fontRef>
+          </p:style>
+          <p:txBody>
+            <a:bodyPr rtlCol="0" anchor="ctr"/>
+            <a:lstStyle/>
+            <a:p>
+              <a:pPr algn="ctr"/>
+              <a:endParaRPr lang="ko-KR" altLang="en-US" dirty="0">
+                <a:latin typeface="경기천년제목 Light" panose="02020403020101020101" pitchFamily="18" charset="-127"/>
+                <a:ea typeface="경기천년제목 Light" panose="02020403020101020101" pitchFamily="18" charset="-127"/>
+              </a:endParaRPr>
+            </a:p>
+          </p:txBody>
+        </p:sp>
+        <p:sp>
+          <p:nvSpPr>
+            <p:cNvPr id="12" name="직사각형 11">
+              <a:extLst>
+                <a:ext uri="{FF2B5EF4-FFF2-40B4-BE49-F238E27FC236}">
+                  <a16:creationId xmlns:a16="http://schemas.microsoft.com/office/drawing/2014/main" id="{44BA5773-8DE3-0F09-041B-036DEB0EDE19}"/>
+                </a:ext>
+              </a:extLst>
+            </p:cNvPr>
+            <p:cNvSpPr/>
+            <p:nvPr/>
+          </p:nvSpPr>
+          <p:spPr>
+            <a:xfrm>
+              <a:off x="5589589" y="2660650"/>
+              <a:ext cx="53975" cy="53975"/>
+            </a:xfrm>
+            <a:prstGeom prst="rect">
+              <a:avLst/>
+            </a:prstGeom>
+            <a:solidFill>
+              <a:srgbClr val="F4B600"/>
+            </a:solidFill>
+            <a:ln>
+              <a:noFill/>
+            </a:ln>
+          </p:spPr>
+          <p:style>
+            <a:lnRef idx="2">
+              <a:schemeClr val="accent1">
+                <a:shade val="50000"/>
+              </a:schemeClr>
+            </a:lnRef>
+            <a:fillRef idx="1">
+              <a:schemeClr val="accent1"/>
+            </a:fillRef>
+            <a:effectRef idx="0">
+              <a:schemeClr val="accent1"/>
+            </a:effectRef>
+            <a:fontRef idx="minor">
+              <a:schemeClr val="lt1"/>
+            </a:fontRef>
+          </p:style>
+          <p:txBody>
+            <a:bodyPr rtlCol="0" anchor="ctr"/>
+            <a:lstStyle/>
+            <a:p>
+              <a:pPr algn="ctr"/>
+              <a:endParaRPr lang="ko-KR" altLang="en-US" dirty="0">
+                <a:latin typeface="경기천년제목 Light" panose="02020403020101020101" pitchFamily="18" charset="-127"/>
+                <a:ea typeface="경기천년제목 Light" panose="02020403020101020101" pitchFamily="18" charset="-127"/>
+              </a:endParaRPr>
+            </a:p>
+          </p:txBody>
+        </p:sp>
+        <p:sp>
+          <p:nvSpPr>
+            <p:cNvPr id="15" name="직사각형 14">
+              <a:extLst>
+                <a:ext uri="{FF2B5EF4-FFF2-40B4-BE49-F238E27FC236}">
+                  <a16:creationId xmlns:a16="http://schemas.microsoft.com/office/drawing/2014/main" id="{F836E127-5BBE-8587-37A8-0C45EFD093FA}"/>
+                </a:ext>
+              </a:extLst>
+            </p:cNvPr>
+            <p:cNvSpPr/>
+            <p:nvPr/>
+          </p:nvSpPr>
+          <p:spPr>
+            <a:xfrm>
+              <a:off x="5432424" y="2728118"/>
+              <a:ext cx="53975" cy="53975"/>
+            </a:xfrm>
+            <a:prstGeom prst="rect">
+              <a:avLst/>
+            </a:prstGeom>
+            <a:solidFill>
+              <a:srgbClr val="F4B600"/>
+            </a:solidFill>
+            <a:ln>
+              <a:noFill/>
+            </a:ln>
+          </p:spPr>
+          <p:style>
+            <a:lnRef idx="2">
+              <a:schemeClr val="accent1">
+                <a:shade val="50000"/>
+              </a:schemeClr>
+            </a:lnRef>
+            <a:fillRef idx="1">
+              <a:schemeClr val="accent1"/>
+            </a:fillRef>
+            <a:effectRef idx="0">
+              <a:schemeClr val="accent1"/>
+            </a:effectRef>
+            <a:fontRef idx="minor">
+              <a:schemeClr val="lt1"/>
+            </a:fontRef>
+          </p:style>
+          <p:txBody>
+            <a:bodyPr rtlCol="0" anchor="ctr"/>
+            <a:lstStyle/>
+            <a:p>
+              <a:pPr algn="ctr"/>
+              <a:endParaRPr lang="ko-KR" altLang="en-US" dirty="0">
+                <a:latin typeface="경기천년제목 Light" panose="02020403020101020101" pitchFamily="18" charset="-127"/>
+                <a:ea typeface="경기천년제목 Light" panose="02020403020101020101" pitchFamily="18" charset="-127"/>
+              </a:endParaRPr>
+            </a:p>
+          </p:txBody>
+        </p:sp>
+        <p:sp>
+          <p:nvSpPr>
+            <p:cNvPr id="14" name="직사각형 13">
+              <a:extLst>
+                <a:ext uri="{FF2B5EF4-FFF2-40B4-BE49-F238E27FC236}">
+                  <a16:creationId xmlns:a16="http://schemas.microsoft.com/office/drawing/2014/main" id="{79D0028F-5DEC-A480-B3CF-28791B8A8F4F}"/>
+                </a:ext>
+              </a:extLst>
+            </p:cNvPr>
+            <p:cNvSpPr/>
+            <p:nvPr/>
+          </p:nvSpPr>
+          <p:spPr>
+            <a:xfrm>
+              <a:off x="5511801" y="2728118"/>
+              <a:ext cx="53975" cy="53975"/>
+            </a:xfrm>
+            <a:prstGeom prst="rect">
+              <a:avLst/>
+            </a:prstGeom>
+            <a:solidFill>
+              <a:srgbClr val="F4B600"/>
+            </a:solidFill>
+            <a:ln>
+              <a:noFill/>
+            </a:ln>
+          </p:spPr>
+          <p:style>
+            <a:lnRef idx="2">
+              <a:schemeClr val="accent1">
+                <a:shade val="50000"/>
+              </a:schemeClr>
+            </a:lnRef>
+            <a:fillRef idx="1">
+              <a:schemeClr val="accent1"/>
+            </a:fillRef>
+            <a:effectRef idx="0">
+              <a:schemeClr val="accent1"/>
+            </a:effectRef>
+            <a:fontRef idx="minor">
+              <a:schemeClr val="lt1"/>
+            </a:fontRef>
+          </p:style>
+          <p:txBody>
+            <a:bodyPr rtlCol="0" anchor="ctr"/>
+            <a:lstStyle/>
+            <a:p>
+              <a:pPr algn="ctr"/>
+              <a:endParaRPr lang="ko-KR" altLang="en-US" dirty="0">
+                <a:latin typeface="경기천년제목 Light" panose="02020403020101020101" pitchFamily="18" charset="-127"/>
+                <a:ea typeface="경기천년제목 Light" panose="02020403020101020101" pitchFamily="18" charset="-127"/>
+              </a:endParaRPr>
+            </a:p>
+          </p:txBody>
+        </p:sp>
+        <p:sp>
+          <p:nvSpPr>
+            <p:cNvPr id="13" name="직사각형 12">
+              <a:extLst>
+                <a:ext uri="{FF2B5EF4-FFF2-40B4-BE49-F238E27FC236}">
+                  <a16:creationId xmlns:a16="http://schemas.microsoft.com/office/drawing/2014/main" id="{F025221C-DE8A-79CC-958F-1F3EA07C440F}"/>
+                </a:ext>
+              </a:extLst>
+            </p:cNvPr>
+            <p:cNvSpPr/>
+            <p:nvPr/>
+          </p:nvSpPr>
+          <p:spPr>
+            <a:xfrm>
+              <a:off x="5589589" y="2728118"/>
+              <a:ext cx="53975" cy="53975"/>
+            </a:xfrm>
+            <a:prstGeom prst="rect">
+              <a:avLst/>
+            </a:prstGeom>
+            <a:solidFill>
+              <a:srgbClr val="F4B600"/>
+            </a:solidFill>
+            <a:ln>
+              <a:noFill/>
+            </a:ln>
+          </p:spPr>
+          <p:style>
+            <a:lnRef idx="2">
+              <a:schemeClr val="accent1">
+                <a:shade val="50000"/>
+              </a:schemeClr>
+            </a:lnRef>
+            <a:fillRef idx="1">
+              <a:schemeClr val="accent1"/>
+            </a:fillRef>
+            <a:effectRef idx="0">
+              <a:schemeClr val="accent1"/>
+            </a:effectRef>
+            <a:fontRef idx="minor">
+              <a:schemeClr val="lt1"/>
+            </a:fontRef>
+          </p:style>
+          <p:txBody>
+            <a:bodyPr rtlCol="0" anchor="ctr"/>
+            <a:lstStyle/>
+            <a:p>
+              <a:pPr algn="ctr"/>
+              <a:endParaRPr lang="ko-KR" altLang="en-US" dirty="0">
+                <a:latin typeface="경기천년제목 Light" panose="02020403020101020101" pitchFamily="18" charset="-127"/>
+                <a:ea typeface="경기천년제목 Light" panose="02020403020101020101" pitchFamily="18" charset="-127"/>
+              </a:endParaRPr>
+            </a:p>
+          </p:txBody>
+        </p:sp>
+        <p:sp>
+          <p:nvSpPr>
+            <p:cNvPr id="16" name="직사각형 15">
+              <a:extLst>
+                <a:ext uri="{FF2B5EF4-FFF2-40B4-BE49-F238E27FC236}">
+                  <a16:creationId xmlns:a16="http://schemas.microsoft.com/office/drawing/2014/main" id="{1B345B7D-CBF1-83FE-BE40-D848BCF05DFA}"/>
+                </a:ext>
+              </a:extLst>
+            </p:cNvPr>
+            <p:cNvSpPr/>
+            <p:nvPr/>
+          </p:nvSpPr>
+          <p:spPr>
+            <a:xfrm>
+              <a:off x="5432425" y="2795586"/>
+              <a:ext cx="53975" cy="53975"/>
+            </a:xfrm>
+            <a:prstGeom prst="rect">
+              <a:avLst/>
+            </a:prstGeom>
+            <a:solidFill>
+              <a:srgbClr val="F4B600"/>
+            </a:solidFill>
+            <a:ln>
+              <a:noFill/>
+            </a:ln>
+          </p:spPr>
+          <p:style>
+            <a:lnRef idx="2">
+              <a:schemeClr val="accent1">
+                <a:shade val="50000"/>
+              </a:schemeClr>
+            </a:lnRef>
+            <a:fillRef idx="1">
+              <a:schemeClr val="accent1"/>
+            </a:fillRef>
+            <a:effectRef idx="0">
+              <a:schemeClr val="accent1"/>
+            </a:effectRef>
+            <a:fontRef idx="minor">
+              <a:schemeClr val="lt1"/>
+            </a:fontRef>
+          </p:style>
+          <p:txBody>
+            <a:bodyPr rtlCol="0" anchor="ctr"/>
+            <a:lstStyle/>
+            <a:p>
+              <a:pPr algn="ctr"/>
+              <a:endParaRPr lang="ko-KR" altLang="en-US" dirty="0">
+                <a:latin typeface="경기천년제목 Light" panose="02020403020101020101" pitchFamily="18" charset="-127"/>
+                <a:ea typeface="경기천년제목 Light" panose="02020403020101020101" pitchFamily="18" charset="-127"/>
+              </a:endParaRPr>
+            </a:p>
+          </p:txBody>
+        </p:sp>
+        <p:sp>
+          <p:nvSpPr>
+            <p:cNvPr id="17" name="직사각형 16">
+              <a:extLst>
+                <a:ext uri="{FF2B5EF4-FFF2-40B4-BE49-F238E27FC236}">
+                  <a16:creationId xmlns:a16="http://schemas.microsoft.com/office/drawing/2014/main" id="{FFFB8F24-F929-A292-8814-C32DB3ABC115}"/>
+                </a:ext>
+              </a:extLst>
+            </p:cNvPr>
+            <p:cNvSpPr/>
+            <p:nvPr/>
+          </p:nvSpPr>
+          <p:spPr>
+            <a:xfrm>
+              <a:off x="5510213" y="2795586"/>
+              <a:ext cx="53975" cy="53975"/>
+            </a:xfrm>
+            <a:prstGeom prst="rect">
+              <a:avLst/>
+            </a:prstGeom>
+            <a:solidFill>
+              <a:srgbClr val="F4B600"/>
+            </a:solidFill>
+            <a:ln>
+              <a:noFill/>
+            </a:ln>
+          </p:spPr>
+          <p:style>
+            <a:lnRef idx="2">
+              <a:schemeClr val="accent1">
+                <a:shade val="50000"/>
+              </a:schemeClr>
+            </a:lnRef>
+            <a:fillRef idx="1">
+              <a:schemeClr val="accent1"/>
+            </a:fillRef>
+            <a:effectRef idx="0">
+              <a:schemeClr val="accent1"/>
+            </a:effectRef>
+            <a:fontRef idx="minor">
+              <a:schemeClr val="lt1"/>
+            </a:fontRef>
+          </p:style>
+          <p:txBody>
+            <a:bodyPr rtlCol="0" anchor="ctr"/>
+            <a:lstStyle/>
+            <a:p>
+              <a:pPr algn="ctr"/>
+              <a:endParaRPr lang="ko-KR" altLang="en-US" dirty="0">
+                <a:latin typeface="경기천년제목 Light" panose="02020403020101020101" pitchFamily="18" charset="-127"/>
+                <a:ea typeface="경기천년제목 Light" panose="02020403020101020101" pitchFamily="18" charset="-127"/>
+              </a:endParaRPr>
+            </a:p>
+          </p:txBody>
+        </p:sp>
+        <p:sp>
+          <p:nvSpPr>
+            <p:cNvPr id="18" name="직사각형 17">
+              <a:extLst>
+                <a:ext uri="{FF2B5EF4-FFF2-40B4-BE49-F238E27FC236}">
+                  <a16:creationId xmlns:a16="http://schemas.microsoft.com/office/drawing/2014/main" id="{0FEF6FAF-A3DE-31BA-8526-DAC5F56DA122}"/>
+                </a:ext>
+              </a:extLst>
+            </p:cNvPr>
+            <p:cNvSpPr/>
+            <p:nvPr/>
+          </p:nvSpPr>
+          <p:spPr>
+            <a:xfrm>
+              <a:off x="5589589" y="2795586"/>
+              <a:ext cx="53975" cy="53975"/>
+            </a:xfrm>
+            <a:prstGeom prst="rect">
+              <a:avLst/>
+            </a:prstGeom>
+            <a:solidFill>
+              <a:srgbClr val="F4B600"/>
+            </a:solidFill>
+            <a:ln>
+              <a:noFill/>
+            </a:ln>
+          </p:spPr>
+          <p:style>
+            <a:lnRef idx="2">
+              <a:schemeClr val="accent1">
+                <a:shade val="50000"/>
+              </a:schemeClr>
+            </a:lnRef>
+            <a:fillRef idx="1">
+              <a:schemeClr val="accent1"/>
+            </a:fillRef>
+            <a:effectRef idx="0">
+              <a:schemeClr val="accent1"/>
+            </a:effectRef>
+            <a:fontRef idx="minor">
+              <a:schemeClr val="lt1"/>
+            </a:fontRef>
+          </p:style>
+          <p:txBody>
+            <a:bodyPr rtlCol="0" anchor="ctr"/>
+            <a:lstStyle/>
+            <a:p>
+              <a:pPr algn="ctr"/>
+              <a:endParaRPr lang="ko-KR" altLang="en-US" dirty="0">
+                <a:latin typeface="경기천년제목 Light" panose="02020403020101020101" pitchFamily="18" charset="-127"/>
+                <a:ea typeface="경기천년제목 Light" panose="02020403020101020101" pitchFamily="18" charset="-127"/>
+              </a:endParaRPr>
+            </a:p>
+          </p:txBody>
+        </p:sp>
+      </p:grpSp>
+      <p:sp>
+        <p:nvSpPr>
+          <p:cNvPr id="26" name="사각형: 둥근 모서리 25">
+            <a:extLst>
+              <a:ext uri="{FF2B5EF4-FFF2-40B4-BE49-F238E27FC236}">
+                <a16:creationId xmlns:a16="http://schemas.microsoft.com/office/drawing/2014/main" id="{1A03D9D1-A355-A819-7601-2D8B1459D04A}"/>
+              </a:ext>
+            </a:extLst>
+          </p:cNvPr>
+          <p:cNvSpPr/>
+          <p:nvPr/>
+        </p:nvSpPr>
+        <p:spPr>
+          <a:xfrm>
+            <a:off x="5096748" y="4873823"/>
+            <a:ext cx="279794" cy="279794"/>
+          </a:xfrm>
+          <a:prstGeom prst="roundRect">
+            <a:avLst>
+              <a:gd name="adj" fmla="val 35881"/>
+            </a:avLst>
+          </a:prstGeom>
+          <a:solidFill>
+            <a:srgbClr val="F4B600"/>
+          </a:solidFill>
+          <a:ln>
+            <a:noFill/>
+          </a:ln>
+        </p:spPr>
+        <p:style>
+          <a:lnRef idx="2">
+            <a:schemeClr val="accent1">
+              <a:shade val="50000"/>
+            </a:schemeClr>
+          </a:lnRef>
+          <a:fillRef idx="1">
+            <a:schemeClr val="accent1"/>
+          </a:fillRef>
+          <a:effectRef idx="0">
+            <a:schemeClr val="accent1"/>
+          </a:effectRef>
+          <a:fontRef idx="minor">
+            <a:schemeClr val="lt1"/>
+          </a:fontRef>
+        </p:style>
+        <p:txBody>
+          <a:bodyPr rtlCol="0" anchor="ctr"/>
+          <a:lstStyle/>
+          <a:p>
+            <a:pPr algn="ctr"/>
+            <a:r>
+              <a:rPr lang="ko-KR" altLang="en-US" sz="700" dirty="0">
+                <a:latin typeface="경기천년제목 Light" panose="02020403020101020101" pitchFamily="18" charset="-127"/>
+                <a:ea typeface="경기천년제목 Light" panose="02020403020101020101" pitchFamily="18" charset="-127"/>
+              </a:rPr>
+              <a:t>캐릭터</a:t>
+            </a:r>
+          </a:p>
+        </p:txBody>
+      </p:sp>
+      <p:sp>
+        <p:nvSpPr>
+          <p:cNvPr id="27" name="사각형: 둥근 모서리 26">
+            <a:extLst>
+              <a:ext uri="{FF2B5EF4-FFF2-40B4-BE49-F238E27FC236}">
+                <a16:creationId xmlns:a16="http://schemas.microsoft.com/office/drawing/2014/main" id="{D2A7938B-4DB0-B788-7349-C175CF3B106D}"/>
+              </a:ext>
+            </a:extLst>
+          </p:cNvPr>
+          <p:cNvSpPr/>
+          <p:nvPr/>
+        </p:nvSpPr>
+        <p:spPr>
+          <a:xfrm>
+            <a:off x="5575300" y="5272038"/>
+            <a:ext cx="1041400" cy="279794"/>
+          </a:xfrm>
+          <a:prstGeom prst="roundRect">
+            <a:avLst>
+              <a:gd name="adj" fmla="val 35881"/>
+            </a:avLst>
+          </a:prstGeom>
+          <a:solidFill>
+            <a:srgbClr val="F4B600"/>
+          </a:solidFill>
+          <a:ln>
+            <a:noFill/>
+          </a:ln>
+        </p:spPr>
+        <p:style>
+          <a:lnRef idx="2">
+            <a:schemeClr val="accent1">
+              <a:shade val="50000"/>
+            </a:schemeClr>
+          </a:lnRef>
+          <a:fillRef idx="1">
+            <a:schemeClr val="accent1"/>
+          </a:fillRef>
+          <a:effectRef idx="0">
+            <a:schemeClr val="accent1"/>
+          </a:effectRef>
+          <a:fontRef idx="minor">
+            <a:schemeClr val="lt1"/>
+          </a:fontRef>
+        </p:style>
+        <p:txBody>
+          <a:bodyPr rtlCol="0" anchor="ctr"/>
+          <a:lstStyle/>
+          <a:p>
+            <a:pPr algn="ctr"/>
+            <a:r>
+              <a:rPr lang="ko-KR" altLang="en-US" sz="1200" dirty="0">
+                <a:latin typeface="경기천년제목 Light" panose="02020403020101020101" pitchFamily="18" charset="-127"/>
+                <a:ea typeface="경기천년제목 Light" panose="02020403020101020101" pitchFamily="18" charset="-127"/>
+              </a:rPr>
+              <a:t>모험</a:t>
+            </a:r>
+          </a:p>
+        </p:txBody>
+      </p:sp>
+      <p:sp>
+        <p:nvSpPr>
+          <p:cNvPr id="28" name="사각형: 둥근 모서리 27">
+            <a:extLst>
+              <a:ext uri="{FF2B5EF4-FFF2-40B4-BE49-F238E27FC236}">
+                <a16:creationId xmlns:a16="http://schemas.microsoft.com/office/drawing/2014/main" id="{C9AB7DDF-825B-C6E2-5BBE-20EA0C2D65F1}"/>
+              </a:ext>
+            </a:extLst>
+          </p:cNvPr>
+          <p:cNvSpPr/>
+          <p:nvPr/>
+        </p:nvSpPr>
+        <p:spPr>
+          <a:xfrm>
+            <a:off x="6815458" y="4873823"/>
+            <a:ext cx="279794" cy="279794"/>
+          </a:xfrm>
+          <a:prstGeom prst="roundRect">
+            <a:avLst>
+              <a:gd name="adj" fmla="val 35881"/>
+            </a:avLst>
+          </a:prstGeom>
+          <a:solidFill>
+            <a:srgbClr val="F4B600"/>
+          </a:solidFill>
+          <a:ln>
+            <a:noFill/>
+          </a:ln>
+        </p:spPr>
+        <p:style>
+          <a:lnRef idx="2">
+            <a:schemeClr val="accent1">
+              <a:shade val="50000"/>
+            </a:schemeClr>
+          </a:lnRef>
+          <a:fillRef idx="1">
+            <a:schemeClr val="accent1"/>
+          </a:fillRef>
+          <a:effectRef idx="0">
+            <a:schemeClr val="accent1"/>
+          </a:effectRef>
+          <a:fontRef idx="minor">
+            <a:schemeClr val="lt1"/>
+          </a:fontRef>
+        </p:style>
+        <p:txBody>
+          <a:bodyPr rtlCol="0" anchor="ctr"/>
+          <a:lstStyle/>
+          <a:p>
+            <a:pPr algn="ctr"/>
+            <a:r>
+              <a:rPr lang="ko-KR" altLang="en-US" sz="700" dirty="0">
+                <a:latin typeface="경기천년제목 Light" panose="02020403020101020101" pitchFamily="18" charset="-127"/>
+                <a:ea typeface="경기천년제목 Light" panose="02020403020101020101" pitchFamily="18" charset="-127"/>
+              </a:rPr>
+              <a:t>보급</a:t>
+            </a:r>
+          </a:p>
+        </p:txBody>
+      </p:sp>
+      <p:grpSp>
+        <p:nvGrpSpPr>
+          <p:cNvPr id="35" name="그룹 34">
+            <a:extLst>
+              <a:ext uri="{FF2B5EF4-FFF2-40B4-BE49-F238E27FC236}">
+                <a16:creationId xmlns:a16="http://schemas.microsoft.com/office/drawing/2014/main" id="{4BAD8F55-29AE-9E33-EFA6-A5E83853ABA2}"/>
+              </a:ext>
+            </a:extLst>
+          </p:cNvPr>
+          <p:cNvGrpSpPr/>
+          <p:nvPr/>
+        </p:nvGrpSpPr>
+        <p:grpSpPr>
+          <a:xfrm>
+            <a:off x="6324446" y="1791537"/>
+            <a:ext cx="770806" cy="175164"/>
+            <a:chOff x="6324446" y="1791537"/>
+            <a:chExt cx="770806" cy="175164"/>
+          </a:xfrm>
+        </p:grpSpPr>
+        <p:sp>
+          <p:nvSpPr>
+            <p:cNvPr id="31" name="사각형: 둥근 모서리 30">
+              <a:extLst>
+                <a:ext uri="{FF2B5EF4-FFF2-40B4-BE49-F238E27FC236}">
+                  <a16:creationId xmlns:a16="http://schemas.microsoft.com/office/drawing/2014/main" id="{79A51034-E5DF-8F06-1EBA-E871215CE705}"/>
+                </a:ext>
+              </a:extLst>
+            </p:cNvPr>
+            <p:cNvSpPr/>
+            <p:nvPr/>
+          </p:nvSpPr>
+          <p:spPr>
+            <a:xfrm>
+              <a:off x="6442170" y="1809537"/>
+              <a:ext cx="653082" cy="139164"/>
+            </a:xfrm>
+            <a:prstGeom prst="roundRect">
+              <a:avLst/>
+            </a:prstGeom>
+            <a:solidFill>
+              <a:srgbClr val="4086F4"/>
+            </a:solidFill>
+            <a:ln>
+              <a:noFill/>
+            </a:ln>
+          </p:spPr>
+          <p:style>
+            <a:lnRef idx="2">
+              <a:schemeClr val="accent1">
+                <a:shade val="50000"/>
+              </a:schemeClr>
+            </a:lnRef>
+            <a:fillRef idx="1">
+              <a:schemeClr val="accent1"/>
+            </a:fillRef>
+            <a:effectRef idx="0">
+              <a:schemeClr val="accent1"/>
+            </a:effectRef>
+            <a:fontRef idx="minor">
+              <a:schemeClr val="lt1"/>
+            </a:fontRef>
+          </p:style>
+          <p:txBody>
+            <a:bodyPr rtlCol="0" anchor="ctr"/>
+            <a:lstStyle/>
+            <a:p>
+              <a:pPr algn="ctr"/>
+              <a:r>
+                <a:rPr lang="en-US" altLang="ko-KR" sz="1000" dirty="0">
+                  <a:latin typeface="경기천년제목 Light" panose="02020403020101020101" pitchFamily="18" charset="-127"/>
+                  <a:ea typeface="경기천년제목 Light" panose="02020403020101020101" pitchFamily="18" charset="-127"/>
+                </a:rPr>
+                <a:t>999999</a:t>
+              </a:r>
+              <a:endParaRPr lang="ko-KR" altLang="en-US" sz="1000" dirty="0">
+                <a:latin typeface="경기천년제목 Light" panose="02020403020101020101" pitchFamily="18" charset="-127"/>
+                <a:ea typeface="경기천년제목 Light" panose="02020403020101020101" pitchFamily="18" charset="-127"/>
+              </a:endParaRPr>
+            </a:p>
+          </p:txBody>
+        </p:sp>
+        <p:sp>
+          <p:nvSpPr>
+            <p:cNvPr id="30" name="타원 29">
+              <a:extLst>
+                <a:ext uri="{FF2B5EF4-FFF2-40B4-BE49-F238E27FC236}">
+                  <a16:creationId xmlns:a16="http://schemas.microsoft.com/office/drawing/2014/main" id="{FE1C7753-24BB-C730-0B6A-D04D47CF7A98}"/>
+                </a:ext>
+              </a:extLst>
+            </p:cNvPr>
+            <p:cNvSpPr/>
+            <p:nvPr/>
+          </p:nvSpPr>
+          <p:spPr>
+            <a:xfrm>
+              <a:off x="6324446" y="1791537"/>
+              <a:ext cx="175164" cy="175164"/>
+            </a:xfrm>
+            <a:prstGeom prst="ellipse">
+              <a:avLst/>
+            </a:prstGeom>
+            <a:solidFill>
+              <a:srgbClr val="F4B600"/>
+            </a:solidFill>
+            <a:ln>
+              <a:noFill/>
+            </a:ln>
+          </p:spPr>
+          <p:style>
+            <a:lnRef idx="2">
+              <a:schemeClr val="accent1">
+                <a:shade val="50000"/>
+              </a:schemeClr>
+            </a:lnRef>
+            <a:fillRef idx="1">
+              <a:schemeClr val="accent1"/>
+            </a:fillRef>
+            <a:effectRef idx="0">
+              <a:schemeClr val="accent1"/>
+            </a:effectRef>
+            <a:fontRef idx="minor">
+              <a:schemeClr val="lt1"/>
+            </a:fontRef>
+          </p:style>
+          <p:txBody>
+            <a:bodyPr rtlCol="0" anchor="ctr"/>
+            <a:lstStyle/>
+            <a:p>
+              <a:pPr algn="ctr"/>
+              <a:endParaRPr lang="ko-KR" altLang="en-US" dirty="0">
+                <a:latin typeface="경기천년제목 Light" panose="02020403020101020101" pitchFamily="18" charset="-127"/>
+                <a:ea typeface="경기천년제목 Light" panose="02020403020101020101" pitchFamily="18" charset="-127"/>
+              </a:endParaRPr>
+            </a:p>
+          </p:txBody>
+        </p:sp>
+      </p:grpSp>
+      <p:grpSp>
+        <p:nvGrpSpPr>
+          <p:cNvPr id="34" name="그룹 33">
+            <a:extLst>
+              <a:ext uri="{FF2B5EF4-FFF2-40B4-BE49-F238E27FC236}">
+                <a16:creationId xmlns:a16="http://schemas.microsoft.com/office/drawing/2014/main" id="{504DA292-EDA7-BA63-9450-80DACBBF77DC}"/>
+              </a:ext>
+            </a:extLst>
+          </p:cNvPr>
+          <p:cNvGrpSpPr/>
+          <p:nvPr/>
+        </p:nvGrpSpPr>
+        <p:grpSpPr>
+          <a:xfrm>
+            <a:off x="5096748" y="1791537"/>
+            <a:ext cx="740664" cy="175164"/>
+            <a:chOff x="5042804" y="1791537"/>
+            <a:chExt cx="740664" cy="175164"/>
+          </a:xfrm>
+        </p:grpSpPr>
+        <p:sp>
+          <p:nvSpPr>
+            <p:cNvPr id="32" name="사각형: 둥근 모서리 31">
+              <a:extLst>
+                <a:ext uri="{FF2B5EF4-FFF2-40B4-BE49-F238E27FC236}">
+                  <a16:creationId xmlns:a16="http://schemas.microsoft.com/office/drawing/2014/main" id="{ACBFD9F1-417A-FD4C-CF22-173C0D5C6162}"/>
+                </a:ext>
+              </a:extLst>
+            </p:cNvPr>
+            <p:cNvSpPr/>
+            <p:nvPr/>
+          </p:nvSpPr>
+          <p:spPr>
+            <a:xfrm>
+              <a:off x="5130386" y="1809537"/>
+              <a:ext cx="653082" cy="139164"/>
+            </a:xfrm>
+            <a:prstGeom prst="roundRect">
+              <a:avLst/>
+            </a:prstGeom>
+            <a:solidFill>
+              <a:srgbClr val="4086F4"/>
+            </a:solidFill>
+            <a:ln>
+              <a:noFill/>
+            </a:ln>
+          </p:spPr>
+          <p:style>
+            <a:lnRef idx="2">
+              <a:schemeClr val="accent1">
+                <a:shade val="50000"/>
+              </a:schemeClr>
+            </a:lnRef>
+            <a:fillRef idx="1">
+              <a:schemeClr val="accent1"/>
+            </a:fillRef>
+            <a:effectRef idx="0">
+              <a:schemeClr val="accent1"/>
+            </a:effectRef>
+            <a:fontRef idx="minor">
+              <a:schemeClr val="lt1"/>
+            </a:fontRef>
+          </p:style>
+          <p:txBody>
+            <a:bodyPr rtlCol="0" anchor="ctr"/>
+            <a:lstStyle/>
+            <a:p>
+              <a:pPr algn="ctr"/>
+              <a:r>
+                <a:rPr lang="en-US" altLang="ko-KR" sz="1000" dirty="0">
+                  <a:latin typeface="경기천년제목 Light" panose="02020403020101020101" pitchFamily="18" charset="-127"/>
+                  <a:ea typeface="경기천년제목 Light" panose="02020403020101020101" pitchFamily="18" charset="-127"/>
+                </a:rPr>
+                <a:t>999999</a:t>
+              </a:r>
+              <a:endParaRPr lang="ko-KR" altLang="en-US" sz="1000" dirty="0">
+                <a:latin typeface="경기천년제목 Light" panose="02020403020101020101" pitchFamily="18" charset="-127"/>
+                <a:ea typeface="경기천년제목 Light" panose="02020403020101020101" pitchFamily="18" charset="-127"/>
+              </a:endParaRPr>
+            </a:p>
+          </p:txBody>
+        </p:sp>
+        <p:sp>
+          <p:nvSpPr>
+            <p:cNvPr id="33" name="타원 32">
+              <a:extLst>
+                <a:ext uri="{FF2B5EF4-FFF2-40B4-BE49-F238E27FC236}">
+                  <a16:creationId xmlns:a16="http://schemas.microsoft.com/office/drawing/2014/main" id="{C3CB7782-FED3-226E-37D3-7702A4B09608}"/>
+                </a:ext>
+              </a:extLst>
+            </p:cNvPr>
+            <p:cNvSpPr/>
+            <p:nvPr/>
+          </p:nvSpPr>
+          <p:spPr>
+            <a:xfrm>
+              <a:off x="5042804" y="1791537"/>
+              <a:ext cx="175164" cy="175164"/>
+            </a:xfrm>
+            <a:prstGeom prst="ellipse">
+              <a:avLst/>
+            </a:prstGeom>
+            <a:solidFill>
+              <a:srgbClr val="069E57"/>
+            </a:solidFill>
+            <a:ln>
+              <a:noFill/>
+            </a:ln>
+          </p:spPr>
+          <p:style>
+            <a:lnRef idx="2">
+              <a:schemeClr val="accent1">
+                <a:shade val="50000"/>
+              </a:schemeClr>
+            </a:lnRef>
+            <a:fillRef idx="1">
+              <a:schemeClr val="accent1"/>
+            </a:fillRef>
+            <a:effectRef idx="0">
+              <a:schemeClr val="accent1"/>
+            </a:effectRef>
+            <a:fontRef idx="minor">
+              <a:schemeClr val="lt1"/>
+            </a:fontRef>
+          </p:style>
+          <p:txBody>
+            <a:bodyPr rtlCol="0" anchor="ctr"/>
+            <a:lstStyle/>
+            <a:p>
+              <a:pPr algn="ctr"/>
+              <a:endParaRPr lang="ko-KR" altLang="en-US" dirty="0">
+                <a:latin typeface="경기천년제목 Light" panose="02020403020101020101" pitchFamily="18" charset="-127"/>
+                <a:ea typeface="경기천년제목 Light" panose="02020403020101020101" pitchFamily="18" charset="-127"/>
+              </a:endParaRPr>
+            </a:p>
+          </p:txBody>
+        </p:sp>
+      </p:grpSp>
+    </p:spTree>
+    <p:extLst>
+      <p:ext uri="{BB962C8B-B14F-4D97-AF65-F5344CB8AC3E}">
+        <p14:creationId xmlns:p14="http://schemas.microsoft.com/office/powerpoint/2010/main" val="2566803926"/>
+      </p:ext>
+    </p:extLst>
+  </p:cSld>
+  <p:clrMapOvr>
+    <a:masterClrMapping/>
+  </p:clrMapOvr>
+</p:sld>
+</file>
+
+<file path=ppt/slides/slide9.xml><?xml version="1.0" encoding="utf-8"?>
+<p:sld xmlns:a="http://schemas.openxmlformats.org/drawingml/2006/main" xmlns:r="http://schemas.openxmlformats.org/officeDocument/2006/relationships" xmlns:p="http://schemas.openxmlformats.org/presentationml/2006/main">
+  <p:cSld>
+    <p:spTree>
+      <p:nvGrpSpPr>
+        <p:cNvPr id="1" name=""/>
+        <p:cNvGrpSpPr/>
+        <p:nvPr/>
+      </p:nvGrpSpPr>
+      <p:grpSpPr>
+        <a:xfrm>
+          <a:off x="0" y="0"/>
+          <a:ext cx="0" cy="0"/>
+          <a:chOff x="0" y="0"/>
+          <a:chExt cx="0" cy="0"/>
+        </a:xfrm>
+      </p:grpSpPr>
+      <p:sp>
+        <p:nvSpPr>
+          <p:cNvPr id="4" name="TextBox 3">
+            <a:extLst>
+              <a:ext uri="{FF2B5EF4-FFF2-40B4-BE49-F238E27FC236}">
+                <a16:creationId xmlns:a16="http://schemas.microsoft.com/office/drawing/2014/main" id="{413E6483-E9AB-F50F-14F2-8E59DB84EEDA}"/>
+              </a:ext>
+            </a:extLst>
+          </p:cNvPr>
+          <p:cNvSpPr txBox="1"/>
+          <p:nvPr/>
+        </p:nvSpPr>
+        <p:spPr>
+          <a:xfrm>
+            <a:off x="1299990" y="827179"/>
+            <a:ext cx="3899971" cy="646331"/>
+          </a:xfrm>
+          <a:prstGeom prst="rect">
+            <a:avLst/>
+          </a:prstGeom>
+          <a:noFill/>
+        </p:spPr>
+        <p:txBody>
+          <a:bodyPr wrap="square" rtlCol="0">
+            <a:spAutoFit/>
+          </a:bodyPr>
+          <a:lstStyle/>
+          <a:p>
+            <a:r>
+              <a:rPr lang="en-US" altLang="ko-KR" sz="3600" dirty="0">
+                <a:latin typeface="경기천년제목 Bold" panose="02020803020101020101" pitchFamily="18" charset="-127"/>
+                <a:ea typeface="경기천년제목 Bold" panose="02020803020101020101" pitchFamily="18" charset="-127"/>
+              </a:rPr>
+              <a:t>UI </a:t>
+            </a:r>
+            <a:r>
+              <a:rPr lang="ko-KR" altLang="en-US" sz="3600" dirty="0">
+                <a:latin typeface="경기천년제목 Bold" panose="02020803020101020101" pitchFamily="18" charset="-127"/>
+                <a:ea typeface="경기천년제목 Bold" panose="02020803020101020101" pitchFamily="18" charset="-127"/>
+              </a:rPr>
+              <a:t>구성</a:t>
+            </a:r>
+          </a:p>
+        </p:txBody>
+      </p:sp>
+      <p:sp>
+        <p:nvSpPr>
+          <p:cNvPr id="5" name="직사각형 4">
+            <a:extLst>
+              <a:ext uri="{FF2B5EF4-FFF2-40B4-BE49-F238E27FC236}">
+                <a16:creationId xmlns:a16="http://schemas.microsoft.com/office/drawing/2014/main" id="{A49C3287-B3D9-D2B6-DE01-F7A96F1F2705}"/>
+              </a:ext>
+            </a:extLst>
+          </p:cNvPr>
+          <p:cNvSpPr/>
+          <p:nvPr/>
+        </p:nvSpPr>
+        <p:spPr>
+          <a:xfrm>
+            <a:off x="1235710" y="944563"/>
+            <a:ext cx="52962" cy="442699"/>
+          </a:xfrm>
+          <a:prstGeom prst="rect">
+            <a:avLst/>
+          </a:prstGeom>
+          <a:solidFill>
+            <a:srgbClr val="F4B600"/>
+          </a:solidFill>
+          <a:ln>
+            <a:noFill/>
+          </a:ln>
+        </p:spPr>
+        <p:style>
+          <a:lnRef idx="2">
+            <a:schemeClr val="accent1">
+              <a:shade val="50000"/>
+            </a:schemeClr>
+          </a:lnRef>
+          <a:fillRef idx="1">
+            <a:schemeClr val="accent1"/>
+          </a:fillRef>
+          <a:effectRef idx="0">
+            <a:schemeClr val="accent1"/>
+          </a:effectRef>
+          <a:fontRef idx="minor">
+            <a:schemeClr val="lt1"/>
+          </a:fontRef>
+        </p:style>
+        <p:txBody>
+          <a:bodyPr rtlCol="0" anchor="ctr"/>
+          <a:lstStyle/>
+          <a:p>
+            <a:pPr algn="ctr"/>
+            <a:endParaRPr lang="ko-KR" altLang="en-US"/>
+          </a:p>
+        </p:txBody>
+      </p:sp>
+      <p:sp>
+        <p:nvSpPr>
+          <p:cNvPr id="2" name="사각형: 둥근 모서리 1">
+            <a:extLst>
+              <a:ext uri="{FF2B5EF4-FFF2-40B4-BE49-F238E27FC236}">
+                <a16:creationId xmlns:a16="http://schemas.microsoft.com/office/drawing/2014/main" id="{B267257D-CCDA-1B23-312E-042E86FF2DD7}"/>
+              </a:ext>
+            </a:extLst>
+          </p:cNvPr>
+          <p:cNvSpPr/>
+          <p:nvPr/>
+        </p:nvSpPr>
+        <p:spPr>
+          <a:xfrm>
+            <a:off x="4955328" y="1387262"/>
+            <a:ext cx="2281344" cy="4562688"/>
+          </a:xfrm>
+          <a:prstGeom prst="roundRect">
+            <a:avLst/>
+          </a:prstGeom>
+          <a:noFill/>
+          <a:ln>
+            <a:solidFill>
+              <a:srgbClr val="4086F4"/>
+            </a:solidFill>
+          </a:ln>
+          <a:effectLst>
+            <a:outerShdw blurRad="50800" dist="38100" dir="5400000" algn="t" rotWithShape="0">
+              <a:prstClr val="black">
+                <a:alpha val="40000"/>
+              </a:prstClr>
+            </a:outerShdw>
+          </a:effectLst>
+        </p:spPr>
+        <p:style>
+          <a:lnRef idx="2">
+            <a:schemeClr val="accent1">
+              <a:shade val="50000"/>
+            </a:schemeClr>
+          </a:lnRef>
+          <a:fillRef idx="1">
+            <a:schemeClr val="accent1"/>
+          </a:fillRef>
+          <a:effectRef idx="0">
+            <a:schemeClr val="accent1"/>
+          </a:effectRef>
+          <a:fontRef idx="minor">
+            <a:schemeClr val="lt1"/>
+          </a:fontRef>
+        </p:style>
+        <p:txBody>
+          <a:bodyPr rtlCol="0" anchor="ctr"/>
+          <a:lstStyle/>
+          <a:p>
+            <a:pPr algn="ctr"/>
+            <a:endParaRPr lang="ko-KR" altLang="en-US"/>
+          </a:p>
+        </p:txBody>
+      </p:sp>
+      <p:sp>
+        <p:nvSpPr>
+          <p:cNvPr id="6" name="TextBox 5">
+            <a:extLst>
+              <a:ext uri="{FF2B5EF4-FFF2-40B4-BE49-F238E27FC236}">
+                <a16:creationId xmlns:a16="http://schemas.microsoft.com/office/drawing/2014/main" id="{6A9B688E-6817-66DD-242A-A346648F60D0}"/>
+              </a:ext>
+            </a:extLst>
+          </p:cNvPr>
+          <p:cNvSpPr txBox="1"/>
+          <p:nvPr/>
+        </p:nvSpPr>
+        <p:spPr>
+          <a:xfrm>
+            <a:off x="1151255" y="1712962"/>
+            <a:ext cx="3040961" cy="834074"/>
+          </a:xfrm>
+          <a:prstGeom prst="rect">
+            <a:avLst/>
+          </a:prstGeom>
+          <a:noFill/>
+        </p:spPr>
+        <p:txBody>
+          <a:bodyPr wrap="square" rtlCol="0">
+            <a:spAutoFit/>
+          </a:bodyPr>
+          <a:lstStyle/>
+          <a:p>
+            <a:pPr>
+              <a:lnSpc>
+                <a:spcPct val="150000"/>
+              </a:lnSpc>
+            </a:pPr>
+            <a:r>
+              <a:rPr lang="ko-KR" altLang="en-US" dirty="0">
+                <a:latin typeface="경기천년제목 Medium" panose="02020603020101020101" pitchFamily="18" charset="-127"/>
+                <a:ea typeface="경기천년제목 Medium" panose="02020603020101020101" pitchFamily="18" charset="-127"/>
+              </a:rPr>
+              <a:t>무한 던전</a:t>
+            </a:r>
+            <a:endParaRPr lang="en-US" altLang="ko-KR" dirty="0">
+              <a:latin typeface="경기천년제목 Medium" panose="02020603020101020101" pitchFamily="18" charset="-127"/>
+              <a:ea typeface="경기천년제목 Medium" panose="02020603020101020101" pitchFamily="18" charset="-127"/>
+            </a:endParaRPr>
+          </a:p>
+          <a:p>
+            <a:pPr>
+              <a:lnSpc>
+                <a:spcPct val="150000"/>
+              </a:lnSpc>
+            </a:pPr>
+            <a:r>
+              <a:rPr lang="ko-KR" altLang="en-US" sz="1600" dirty="0">
+                <a:latin typeface="경기천년제목 Light" panose="02020403020101020101" pitchFamily="18" charset="-127"/>
+                <a:ea typeface="경기천년제목 Light" panose="02020403020101020101" pitchFamily="18" charset="-127"/>
+              </a:rPr>
+              <a:t>가나다</a:t>
+            </a:r>
+            <a:endParaRPr lang="en-US" altLang="ko-KR" sz="1600" dirty="0">
+              <a:latin typeface="경기천년제목 Light" panose="02020403020101020101" pitchFamily="18" charset="-127"/>
+              <a:ea typeface="경기천년제목 Light" panose="02020403020101020101" pitchFamily="18" charset="-127"/>
+            </a:endParaRPr>
+          </a:p>
+        </p:txBody>
+      </p:sp>
+      <p:sp>
+        <p:nvSpPr>
+          <p:cNvPr id="8" name="타원 7">
+            <a:extLst>
+              <a:ext uri="{FF2B5EF4-FFF2-40B4-BE49-F238E27FC236}">
+                <a16:creationId xmlns:a16="http://schemas.microsoft.com/office/drawing/2014/main" id="{625563E8-84BF-BC6A-577C-471838145A8F}"/>
+              </a:ext>
+            </a:extLst>
+          </p:cNvPr>
+          <p:cNvSpPr/>
+          <p:nvPr/>
+        </p:nvSpPr>
+        <p:spPr>
+          <a:xfrm>
+            <a:off x="6032500" y="1585962"/>
+            <a:ext cx="127000" cy="127000"/>
+          </a:xfrm>
+          <a:prstGeom prst="ellipse">
+            <a:avLst/>
+          </a:prstGeom>
+          <a:solidFill>
+            <a:schemeClr val="tx1">
+              <a:lumMod val="75000"/>
+              <a:lumOff val="25000"/>
+            </a:schemeClr>
+          </a:solidFill>
+          <a:ln>
+            <a:noFill/>
+          </a:ln>
+        </p:spPr>
+        <p:style>
+          <a:lnRef idx="2">
+            <a:schemeClr val="accent1">
+              <a:shade val="50000"/>
+            </a:schemeClr>
+          </a:lnRef>
+          <a:fillRef idx="1">
+            <a:schemeClr val="accent1"/>
+          </a:fillRef>
+          <a:effectRef idx="0">
+            <a:schemeClr val="accent1"/>
+          </a:effectRef>
+          <a:fontRef idx="minor">
+            <a:schemeClr val="lt1"/>
+          </a:fontRef>
+        </p:style>
+        <p:txBody>
+          <a:bodyPr rtlCol="0" anchor="ctr"/>
+          <a:lstStyle/>
+          <a:p>
+            <a:pPr algn="ctr"/>
+            <a:endParaRPr lang="ko-KR" altLang="en-US" dirty="0">
+              <a:latin typeface="경기천년제목 Light" panose="02020403020101020101" pitchFamily="18" charset="-127"/>
+              <a:ea typeface="경기천년제목 Light" panose="02020403020101020101" pitchFamily="18" charset="-127"/>
+            </a:endParaRPr>
+          </a:p>
+        </p:txBody>
+      </p:sp>
+      <p:sp>
+        <p:nvSpPr>
+          <p:cNvPr id="9" name="사각형: 둥근 모서리 8">
+            <a:extLst>
+              <a:ext uri="{FF2B5EF4-FFF2-40B4-BE49-F238E27FC236}">
+                <a16:creationId xmlns:a16="http://schemas.microsoft.com/office/drawing/2014/main" id="{51CE0377-7B0B-A252-1A76-204E3FB87BA7}"/>
+              </a:ext>
+            </a:extLst>
+          </p:cNvPr>
+          <p:cNvSpPr/>
+          <p:nvPr/>
+        </p:nvSpPr>
+        <p:spPr>
+          <a:xfrm>
+            <a:off x="6815458" y="1820749"/>
+            <a:ext cx="279794" cy="279794"/>
+          </a:xfrm>
+          <a:prstGeom prst="roundRect">
+            <a:avLst>
+              <a:gd name="adj" fmla="val 35881"/>
+            </a:avLst>
+          </a:prstGeom>
+          <a:solidFill>
+            <a:srgbClr val="F4B600"/>
+          </a:solidFill>
+          <a:ln>
+            <a:noFill/>
+          </a:ln>
+        </p:spPr>
+        <p:style>
+          <a:lnRef idx="2">
+            <a:schemeClr val="accent1">
+              <a:shade val="50000"/>
+            </a:schemeClr>
+          </a:lnRef>
+          <a:fillRef idx="1">
+            <a:schemeClr val="accent1"/>
+          </a:fillRef>
+          <a:effectRef idx="0">
+            <a:schemeClr val="accent1"/>
+          </a:effectRef>
+          <a:fontRef idx="minor">
+            <a:schemeClr val="lt1"/>
+          </a:fontRef>
+        </p:style>
+        <p:txBody>
+          <a:bodyPr rtlCol="0" anchor="ctr"/>
+          <a:lstStyle/>
+          <a:p>
+            <a:pPr algn="ctr"/>
+            <a:r>
+              <a:rPr lang="ko-KR" altLang="en-US" sz="700" dirty="0">
+                <a:latin typeface="경기천년제목 Light" panose="02020403020101020101" pitchFamily="18" charset="-127"/>
+                <a:ea typeface="경기천년제목 Light" panose="02020403020101020101" pitchFamily="18" charset="-127"/>
+              </a:rPr>
+              <a:t>설정</a:t>
+            </a:r>
+          </a:p>
+        </p:txBody>
+      </p:sp>
+      <p:sp>
+        <p:nvSpPr>
+          <p:cNvPr id="28" name="사각형: 둥근 모서리 27">
+            <a:extLst>
+              <a:ext uri="{FF2B5EF4-FFF2-40B4-BE49-F238E27FC236}">
+                <a16:creationId xmlns:a16="http://schemas.microsoft.com/office/drawing/2014/main" id="{C9AB7DDF-825B-C6E2-5BBE-20EA0C2D65F1}"/>
+              </a:ext>
+            </a:extLst>
+          </p:cNvPr>
+          <p:cNvSpPr/>
+          <p:nvPr/>
+        </p:nvSpPr>
+        <p:spPr>
+          <a:xfrm>
+            <a:off x="5878611" y="3311517"/>
+            <a:ext cx="434777" cy="434777"/>
+          </a:xfrm>
+          <a:prstGeom prst="roundRect">
+            <a:avLst>
+              <a:gd name="adj" fmla="val 35881"/>
+            </a:avLst>
+          </a:prstGeom>
+          <a:solidFill>
+            <a:srgbClr val="F4B600"/>
+          </a:solidFill>
+          <a:ln>
+            <a:noFill/>
+          </a:ln>
+        </p:spPr>
+        <p:style>
+          <a:lnRef idx="2">
+            <a:schemeClr val="accent1">
+              <a:shade val="50000"/>
+            </a:schemeClr>
+          </a:lnRef>
+          <a:fillRef idx="1">
+            <a:schemeClr val="accent1"/>
+          </a:fillRef>
+          <a:effectRef idx="0">
+            <a:schemeClr val="accent1"/>
+          </a:effectRef>
+          <a:fontRef idx="minor">
+            <a:schemeClr val="lt1"/>
+          </a:fontRef>
+        </p:style>
+        <p:txBody>
+          <a:bodyPr rtlCol="0" anchor="ctr"/>
+          <a:lstStyle/>
+          <a:p>
+            <a:pPr algn="ctr"/>
+            <a:r>
+              <a:rPr lang="ko-KR" altLang="en-US" sz="700" dirty="0">
+                <a:latin typeface="경기천년제목 Light" panose="02020403020101020101" pitchFamily="18" charset="-127"/>
+                <a:ea typeface="경기천년제목 Light" panose="02020403020101020101" pitchFamily="18" charset="-127"/>
+              </a:rPr>
+              <a:t>배치 칸</a:t>
+            </a:r>
+          </a:p>
+        </p:txBody>
+      </p:sp>
+      <p:sp>
+        <p:nvSpPr>
+          <p:cNvPr id="23" name="사각형: 둥근 모서리 22">
+            <a:extLst>
+              <a:ext uri="{FF2B5EF4-FFF2-40B4-BE49-F238E27FC236}">
+                <a16:creationId xmlns:a16="http://schemas.microsoft.com/office/drawing/2014/main" id="{784E8B8B-E9D1-2BDF-140A-49FC2D8B764B}"/>
+              </a:ext>
+            </a:extLst>
+          </p:cNvPr>
+          <p:cNvSpPr/>
+          <p:nvPr/>
+        </p:nvSpPr>
+        <p:spPr>
+          <a:xfrm>
+            <a:off x="5878611" y="3871600"/>
+            <a:ext cx="434777" cy="434777"/>
+          </a:xfrm>
+          <a:prstGeom prst="roundRect">
+            <a:avLst>
+              <a:gd name="adj" fmla="val 35881"/>
+            </a:avLst>
+          </a:prstGeom>
+          <a:solidFill>
+            <a:srgbClr val="F4B600"/>
+          </a:solidFill>
+          <a:ln>
+            <a:noFill/>
+          </a:ln>
+        </p:spPr>
+        <p:style>
+          <a:lnRef idx="2">
+            <a:schemeClr val="accent1">
+              <a:shade val="50000"/>
+            </a:schemeClr>
+          </a:lnRef>
+          <a:fillRef idx="1">
+            <a:schemeClr val="accent1"/>
+          </a:fillRef>
+          <a:effectRef idx="0">
+            <a:schemeClr val="accent1"/>
+          </a:effectRef>
+          <a:fontRef idx="minor">
+            <a:schemeClr val="lt1"/>
+          </a:fontRef>
+        </p:style>
+        <p:txBody>
+          <a:bodyPr rtlCol="0" anchor="ctr"/>
+          <a:lstStyle/>
+          <a:p>
+            <a:pPr algn="ctr"/>
+            <a:r>
+              <a:rPr lang="ko-KR" altLang="en-US" sz="700" dirty="0">
+                <a:latin typeface="경기천년제목 Light" panose="02020403020101020101" pitchFamily="18" charset="-127"/>
+                <a:ea typeface="경기천년제목 Light" panose="02020403020101020101" pitchFamily="18" charset="-127"/>
+              </a:rPr>
+              <a:t>배치 칸</a:t>
+            </a:r>
+          </a:p>
+        </p:txBody>
+      </p:sp>
+      <p:sp>
+        <p:nvSpPr>
+          <p:cNvPr id="24" name="사각형: 둥근 모서리 23">
+            <a:extLst>
+              <a:ext uri="{FF2B5EF4-FFF2-40B4-BE49-F238E27FC236}">
+                <a16:creationId xmlns:a16="http://schemas.microsoft.com/office/drawing/2014/main" id="{194DF3F8-130A-A697-4E43-15779B23B053}"/>
+              </a:ext>
+            </a:extLst>
+          </p:cNvPr>
+          <p:cNvSpPr/>
+          <p:nvPr/>
+        </p:nvSpPr>
+        <p:spPr>
+          <a:xfrm>
+            <a:off x="5878611" y="4431271"/>
+            <a:ext cx="434777" cy="434777"/>
+          </a:xfrm>
+          <a:prstGeom prst="roundRect">
+            <a:avLst>
+              <a:gd name="adj" fmla="val 35881"/>
+            </a:avLst>
+          </a:prstGeom>
+          <a:solidFill>
+            <a:srgbClr val="F4B600"/>
+          </a:solidFill>
+          <a:ln>
+            <a:noFill/>
+          </a:ln>
+        </p:spPr>
+        <p:style>
+          <a:lnRef idx="2">
+            <a:schemeClr val="accent1">
+              <a:shade val="50000"/>
+            </a:schemeClr>
+          </a:lnRef>
+          <a:fillRef idx="1">
+            <a:schemeClr val="accent1"/>
+          </a:fillRef>
+          <a:effectRef idx="0">
+            <a:schemeClr val="accent1"/>
+          </a:effectRef>
+          <a:fontRef idx="minor">
+            <a:schemeClr val="lt1"/>
+          </a:fontRef>
+        </p:style>
+        <p:txBody>
+          <a:bodyPr rtlCol="0" anchor="ctr"/>
+          <a:lstStyle/>
+          <a:p>
+            <a:pPr algn="ctr"/>
+            <a:r>
+              <a:rPr lang="ko-KR" altLang="en-US" sz="700" dirty="0">
+                <a:latin typeface="경기천년제목 Light" panose="02020403020101020101" pitchFamily="18" charset="-127"/>
+                <a:ea typeface="경기천년제목 Light" panose="02020403020101020101" pitchFamily="18" charset="-127"/>
+              </a:rPr>
+              <a:t>배치 칸</a:t>
+            </a:r>
+          </a:p>
+        </p:txBody>
+      </p:sp>
+      <p:sp>
+        <p:nvSpPr>
+          <p:cNvPr id="30" name="사각형: 둥근 모서리 29">
+            <a:extLst>
+              <a:ext uri="{FF2B5EF4-FFF2-40B4-BE49-F238E27FC236}">
+                <a16:creationId xmlns:a16="http://schemas.microsoft.com/office/drawing/2014/main" id="{A09D0A72-0AA2-154D-61C5-3E5A4672448C}"/>
+              </a:ext>
+            </a:extLst>
+          </p:cNvPr>
+          <p:cNvSpPr/>
+          <p:nvPr/>
+        </p:nvSpPr>
+        <p:spPr>
+          <a:xfrm>
+            <a:off x="6450111" y="3311517"/>
+            <a:ext cx="434777" cy="434777"/>
+          </a:xfrm>
+          <a:prstGeom prst="roundRect">
+            <a:avLst>
+              <a:gd name="adj" fmla="val 35881"/>
+            </a:avLst>
+          </a:prstGeom>
+          <a:solidFill>
+            <a:srgbClr val="F4B600"/>
+          </a:solidFill>
+          <a:ln>
+            <a:noFill/>
+          </a:ln>
+        </p:spPr>
+        <p:style>
+          <a:lnRef idx="2">
+            <a:schemeClr val="accent1">
+              <a:shade val="50000"/>
+            </a:schemeClr>
+          </a:lnRef>
+          <a:fillRef idx="1">
+            <a:schemeClr val="accent1"/>
+          </a:fillRef>
+          <a:effectRef idx="0">
+            <a:schemeClr val="accent1"/>
+          </a:effectRef>
+          <a:fontRef idx="minor">
+            <a:schemeClr val="lt1"/>
+          </a:fontRef>
+        </p:style>
+        <p:txBody>
+          <a:bodyPr rtlCol="0" anchor="ctr"/>
+          <a:lstStyle/>
+          <a:p>
+            <a:pPr algn="ctr"/>
+            <a:r>
+              <a:rPr lang="ko-KR" altLang="en-US" sz="700" dirty="0">
+                <a:latin typeface="경기천년제목 Light" panose="02020403020101020101" pitchFamily="18" charset="-127"/>
+                <a:ea typeface="경기천년제목 Light" panose="02020403020101020101" pitchFamily="18" charset="-127"/>
+              </a:rPr>
+              <a:t>배치 칸</a:t>
+            </a:r>
+          </a:p>
+        </p:txBody>
+      </p:sp>
+      <p:sp>
+        <p:nvSpPr>
+          <p:cNvPr id="31" name="사각형: 둥근 모서리 30">
+            <a:extLst>
+              <a:ext uri="{FF2B5EF4-FFF2-40B4-BE49-F238E27FC236}">
+                <a16:creationId xmlns:a16="http://schemas.microsoft.com/office/drawing/2014/main" id="{9E6DCAC1-A4C5-E06F-694D-9F5DE146E416}"/>
+              </a:ext>
+            </a:extLst>
+          </p:cNvPr>
+          <p:cNvSpPr/>
+          <p:nvPr/>
+        </p:nvSpPr>
+        <p:spPr>
+          <a:xfrm>
+            <a:off x="6450111" y="3871600"/>
+            <a:ext cx="434777" cy="434777"/>
+          </a:xfrm>
+          <a:prstGeom prst="roundRect">
+            <a:avLst>
+              <a:gd name="adj" fmla="val 35881"/>
+            </a:avLst>
+          </a:prstGeom>
+          <a:solidFill>
+            <a:srgbClr val="F4B600"/>
+          </a:solidFill>
+          <a:ln>
+            <a:noFill/>
+          </a:ln>
+        </p:spPr>
+        <p:style>
+          <a:lnRef idx="2">
+            <a:schemeClr val="accent1">
+              <a:shade val="50000"/>
+            </a:schemeClr>
+          </a:lnRef>
+          <a:fillRef idx="1">
+            <a:schemeClr val="accent1"/>
+          </a:fillRef>
+          <a:effectRef idx="0">
+            <a:schemeClr val="accent1"/>
+          </a:effectRef>
+          <a:fontRef idx="minor">
+            <a:schemeClr val="lt1"/>
+          </a:fontRef>
+        </p:style>
+        <p:txBody>
+          <a:bodyPr rtlCol="0" anchor="ctr"/>
+          <a:lstStyle/>
+          <a:p>
+            <a:pPr algn="ctr"/>
+            <a:r>
+              <a:rPr lang="ko-KR" altLang="en-US" sz="700" dirty="0">
+                <a:latin typeface="경기천년제목 Light" panose="02020403020101020101" pitchFamily="18" charset="-127"/>
+                <a:ea typeface="경기천년제목 Light" panose="02020403020101020101" pitchFamily="18" charset="-127"/>
+              </a:rPr>
+              <a:t>배치 칸</a:t>
+            </a:r>
+          </a:p>
+        </p:txBody>
+      </p:sp>
+      <p:sp>
+        <p:nvSpPr>
+          <p:cNvPr id="32" name="사각형: 둥근 모서리 31">
+            <a:extLst>
+              <a:ext uri="{FF2B5EF4-FFF2-40B4-BE49-F238E27FC236}">
+                <a16:creationId xmlns:a16="http://schemas.microsoft.com/office/drawing/2014/main" id="{96682942-9BD8-322A-2D19-8323C11107D2}"/>
+              </a:ext>
+            </a:extLst>
+          </p:cNvPr>
+          <p:cNvSpPr/>
+          <p:nvPr/>
+        </p:nvSpPr>
+        <p:spPr>
+          <a:xfrm>
+            <a:off x="6450111" y="4431271"/>
+            <a:ext cx="434777" cy="434777"/>
+          </a:xfrm>
+          <a:prstGeom prst="roundRect">
+            <a:avLst>
+              <a:gd name="adj" fmla="val 35881"/>
+            </a:avLst>
+          </a:prstGeom>
+          <a:solidFill>
+            <a:srgbClr val="F4B600"/>
+          </a:solidFill>
+          <a:ln>
+            <a:noFill/>
+          </a:ln>
+        </p:spPr>
+        <p:style>
+          <a:lnRef idx="2">
+            <a:schemeClr val="accent1">
+              <a:shade val="50000"/>
+            </a:schemeClr>
+          </a:lnRef>
+          <a:fillRef idx="1">
+            <a:schemeClr val="accent1"/>
+          </a:fillRef>
+          <a:effectRef idx="0">
+            <a:schemeClr val="accent1"/>
+          </a:effectRef>
+          <a:fontRef idx="minor">
+            <a:schemeClr val="lt1"/>
+          </a:fontRef>
+        </p:style>
+        <p:txBody>
+          <a:bodyPr rtlCol="0" anchor="ctr"/>
+          <a:lstStyle/>
+          <a:p>
+            <a:pPr algn="ctr"/>
+            <a:r>
+              <a:rPr lang="ko-KR" altLang="en-US" sz="700" dirty="0">
+                <a:latin typeface="경기천년제목 Light" panose="02020403020101020101" pitchFamily="18" charset="-127"/>
+                <a:ea typeface="경기천년제목 Light" panose="02020403020101020101" pitchFamily="18" charset="-127"/>
+              </a:rPr>
+              <a:t>배치 칸</a:t>
+            </a:r>
+          </a:p>
+        </p:txBody>
+      </p:sp>
+      <p:sp>
+        <p:nvSpPr>
+          <p:cNvPr id="33" name="사각형: 둥근 모서리 32">
+            <a:extLst>
+              <a:ext uri="{FF2B5EF4-FFF2-40B4-BE49-F238E27FC236}">
+                <a16:creationId xmlns:a16="http://schemas.microsoft.com/office/drawing/2014/main" id="{81DAD338-502D-7880-DBB7-4595FF63FFDD}"/>
+              </a:ext>
+            </a:extLst>
+          </p:cNvPr>
+          <p:cNvSpPr/>
+          <p:nvPr/>
+        </p:nvSpPr>
+        <p:spPr>
+          <a:xfrm>
+            <a:off x="5309438" y="3311517"/>
+            <a:ext cx="434777" cy="434777"/>
+          </a:xfrm>
+          <a:prstGeom prst="roundRect">
+            <a:avLst>
+              <a:gd name="adj" fmla="val 35881"/>
+            </a:avLst>
+          </a:prstGeom>
+          <a:solidFill>
+            <a:srgbClr val="F4B600"/>
+          </a:solidFill>
+          <a:ln>
+            <a:noFill/>
+          </a:ln>
+        </p:spPr>
+        <p:style>
+          <a:lnRef idx="2">
+            <a:schemeClr val="accent1">
+              <a:shade val="50000"/>
+            </a:schemeClr>
+          </a:lnRef>
+          <a:fillRef idx="1">
+            <a:schemeClr val="accent1"/>
+          </a:fillRef>
+          <a:effectRef idx="0">
+            <a:schemeClr val="accent1"/>
+          </a:effectRef>
+          <a:fontRef idx="minor">
+            <a:schemeClr val="lt1"/>
+          </a:fontRef>
+        </p:style>
+        <p:txBody>
+          <a:bodyPr rtlCol="0" anchor="ctr"/>
+          <a:lstStyle/>
+          <a:p>
+            <a:pPr algn="ctr"/>
+            <a:r>
+              <a:rPr lang="ko-KR" altLang="en-US" sz="700" dirty="0">
+                <a:latin typeface="경기천년제목 Light" panose="02020403020101020101" pitchFamily="18" charset="-127"/>
+                <a:ea typeface="경기천년제목 Light" panose="02020403020101020101" pitchFamily="18" charset="-127"/>
+              </a:rPr>
+              <a:t>배치 칸</a:t>
+            </a:r>
+          </a:p>
+        </p:txBody>
+      </p:sp>
+      <p:sp>
+        <p:nvSpPr>
+          <p:cNvPr id="34" name="사각형: 둥근 모서리 33">
+            <a:extLst>
+              <a:ext uri="{FF2B5EF4-FFF2-40B4-BE49-F238E27FC236}">
+                <a16:creationId xmlns:a16="http://schemas.microsoft.com/office/drawing/2014/main" id="{52736C72-F358-12FE-82D5-A25F21437838}"/>
+              </a:ext>
+            </a:extLst>
+          </p:cNvPr>
+          <p:cNvSpPr/>
+          <p:nvPr/>
+        </p:nvSpPr>
+        <p:spPr>
+          <a:xfrm>
+            <a:off x="5309438" y="3871600"/>
+            <a:ext cx="434777" cy="434777"/>
+          </a:xfrm>
+          <a:prstGeom prst="roundRect">
+            <a:avLst>
+              <a:gd name="adj" fmla="val 35881"/>
+            </a:avLst>
+          </a:prstGeom>
+          <a:solidFill>
+            <a:srgbClr val="F4B600"/>
+          </a:solidFill>
+          <a:ln>
+            <a:noFill/>
+          </a:ln>
+        </p:spPr>
+        <p:style>
+          <a:lnRef idx="2">
+            <a:schemeClr val="accent1">
+              <a:shade val="50000"/>
+            </a:schemeClr>
+          </a:lnRef>
+          <a:fillRef idx="1">
+            <a:schemeClr val="accent1"/>
+          </a:fillRef>
+          <a:effectRef idx="0">
+            <a:schemeClr val="accent1"/>
+          </a:effectRef>
+          <a:fontRef idx="minor">
+            <a:schemeClr val="lt1"/>
+          </a:fontRef>
+        </p:style>
+        <p:txBody>
+          <a:bodyPr rtlCol="0" anchor="ctr"/>
+          <a:lstStyle/>
+          <a:p>
+            <a:pPr algn="ctr"/>
+            <a:r>
+              <a:rPr lang="ko-KR" altLang="en-US" sz="700" dirty="0">
+                <a:latin typeface="경기천년제목 Light" panose="02020403020101020101" pitchFamily="18" charset="-127"/>
+                <a:ea typeface="경기천년제목 Light" panose="02020403020101020101" pitchFamily="18" charset="-127"/>
+              </a:rPr>
+              <a:t>배치 칸</a:t>
+            </a:r>
+          </a:p>
+        </p:txBody>
+      </p:sp>
+      <p:sp>
+        <p:nvSpPr>
+          <p:cNvPr id="35" name="사각형: 둥근 모서리 34">
+            <a:extLst>
+              <a:ext uri="{FF2B5EF4-FFF2-40B4-BE49-F238E27FC236}">
+                <a16:creationId xmlns:a16="http://schemas.microsoft.com/office/drawing/2014/main" id="{86E5F25F-17F9-9A17-35CA-0CC89071F504}"/>
+              </a:ext>
+            </a:extLst>
+          </p:cNvPr>
+          <p:cNvSpPr/>
+          <p:nvPr/>
+        </p:nvSpPr>
+        <p:spPr>
+          <a:xfrm>
+            <a:off x="5309438" y="4431271"/>
+            <a:ext cx="434777" cy="434777"/>
+          </a:xfrm>
+          <a:prstGeom prst="roundRect">
+            <a:avLst>
+              <a:gd name="adj" fmla="val 35881"/>
+            </a:avLst>
+          </a:prstGeom>
+          <a:solidFill>
+            <a:srgbClr val="F4B600"/>
+          </a:solidFill>
+          <a:ln>
+            <a:noFill/>
+          </a:ln>
+        </p:spPr>
+        <p:style>
+          <a:lnRef idx="2">
+            <a:schemeClr val="accent1">
+              <a:shade val="50000"/>
+            </a:schemeClr>
+          </a:lnRef>
+          <a:fillRef idx="1">
+            <a:schemeClr val="accent1"/>
+          </a:fillRef>
+          <a:effectRef idx="0">
+            <a:schemeClr val="accent1"/>
+          </a:effectRef>
+          <a:fontRef idx="minor">
+            <a:schemeClr val="lt1"/>
+          </a:fontRef>
+        </p:style>
+        <p:txBody>
+          <a:bodyPr rtlCol="0" anchor="ctr"/>
+          <a:lstStyle/>
+          <a:p>
+            <a:pPr algn="ctr"/>
+            <a:r>
+              <a:rPr lang="ko-KR" altLang="en-US" sz="700" dirty="0">
+                <a:latin typeface="경기천년제목 Light" panose="02020403020101020101" pitchFamily="18" charset="-127"/>
+                <a:ea typeface="경기천년제목 Light" panose="02020403020101020101" pitchFamily="18" charset="-127"/>
+              </a:rPr>
+              <a:t>배치 칸</a:t>
+            </a:r>
+          </a:p>
+        </p:txBody>
+      </p:sp>
+      <p:sp>
+        <p:nvSpPr>
+          <p:cNvPr id="36" name="사각형: 둥근 모서리 35">
+            <a:extLst>
+              <a:ext uri="{FF2B5EF4-FFF2-40B4-BE49-F238E27FC236}">
+                <a16:creationId xmlns:a16="http://schemas.microsoft.com/office/drawing/2014/main" id="{01BC7091-43B0-46FE-F959-AEE2BFD0AEF5}"/>
+              </a:ext>
+            </a:extLst>
+          </p:cNvPr>
+          <p:cNvSpPr/>
+          <p:nvPr/>
+        </p:nvSpPr>
+        <p:spPr>
+          <a:xfrm>
+            <a:off x="5429249" y="5272038"/>
+            <a:ext cx="1333502" cy="434777"/>
+          </a:xfrm>
+          <a:prstGeom prst="roundRect">
+            <a:avLst>
+              <a:gd name="adj" fmla="val 35881"/>
+            </a:avLst>
+          </a:prstGeom>
+          <a:solidFill>
+            <a:srgbClr val="F4B600"/>
+          </a:solidFill>
+          <a:ln>
+            <a:noFill/>
+          </a:ln>
+        </p:spPr>
+        <p:style>
+          <a:lnRef idx="2">
+            <a:schemeClr val="accent1">
+              <a:shade val="50000"/>
+            </a:schemeClr>
+          </a:lnRef>
+          <a:fillRef idx="1">
+            <a:schemeClr val="accent1"/>
+          </a:fillRef>
+          <a:effectRef idx="0">
+            <a:schemeClr val="accent1"/>
+          </a:effectRef>
+          <a:fontRef idx="minor">
+            <a:schemeClr val="lt1"/>
+          </a:fontRef>
+        </p:style>
+        <p:txBody>
+          <a:bodyPr rtlCol="0" anchor="ctr"/>
+          <a:lstStyle/>
+          <a:p>
+            <a:pPr algn="ctr"/>
+            <a:r>
+              <a:rPr lang="ko-KR" altLang="en-US" sz="1200" dirty="0">
+                <a:latin typeface="경기천년제목 Light" panose="02020403020101020101" pitchFamily="18" charset="-127"/>
+                <a:ea typeface="경기천년제목 Light" panose="02020403020101020101" pitchFamily="18" charset="-127"/>
+              </a:rPr>
+              <a:t>전투 시작</a:t>
+            </a:r>
+          </a:p>
+        </p:txBody>
+      </p:sp>
+    </p:spTree>
+    <p:extLst>
+      <p:ext uri="{BB962C8B-B14F-4D97-AF65-F5344CB8AC3E}">
+        <p14:creationId xmlns:p14="http://schemas.microsoft.com/office/powerpoint/2010/main" val="1257618357"/>
       </p:ext>
     </p:extLst>
   </p:cSld>
@@ -5981,7 +11861,43 @@
       </a:bgFillStyleLst>
     </a:fmtScheme>
   </a:themeElements>
-  <a:objectDefaults/>
+  <a:objectDefaults>
+    <a:spDef>
+      <a:spPr>
+        <a:solidFill>
+          <a:srgbClr val="F4B600"/>
+        </a:solidFill>
+        <a:ln>
+          <a:noFill/>
+        </a:ln>
+      </a:spPr>
+      <a:bodyPr rtlCol="0" anchor="ctr"/>
+      <a:lstStyle>
+        <a:defPPr algn="ctr">
+          <a:defRPr dirty="0" smtClean="0">
+            <a:latin typeface="경기천년제목 Light" panose="02020403020101020101" pitchFamily="18" charset="-127"/>
+            <a:ea typeface="경기천년제목 Light" panose="02020403020101020101" pitchFamily="18" charset="-127"/>
+          </a:defRPr>
+        </a:defPPr>
+      </a:lstStyle>
+      <a:style>
+        <a:lnRef idx="2">
+          <a:schemeClr val="accent1">
+            <a:shade val="50000"/>
+          </a:schemeClr>
+        </a:lnRef>
+        <a:fillRef idx="1">
+          <a:schemeClr val="accent1"/>
+        </a:fillRef>
+        <a:effectRef idx="0">
+          <a:schemeClr val="accent1"/>
+        </a:effectRef>
+        <a:fontRef idx="minor">
+          <a:schemeClr val="lt1"/>
+        </a:fontRef>
+      </a:style>
+    </a:spDef>
+  </a:objectDefaults>
   <a:extraClrSchemeLst/>
   <a:extLst>
     <a:ext uri="{05A4C25C-085E-4340-85A3-A5531E510DB2}">
